--- a/presentation.pptx
+++ b/presentation.pptx
@@ -36,6 +36,51 @@
     <p:sldId id="284" r:id="rId30"/>
     <p:sldId id="285" r:id="rId31"/>
     <p:sldId id="286" r:id="rId32"/>
+    <p:sldId id="287" r:id="rId33"/>
+    <p:sldId id="288" r:id="rId34"/>
+    <p:sldId id="289" r:id="rId35"/>
+    <p:sldId id="290" r:id="rId36"/>
+    <p:sldId id="291" r:id="rId37"/>
+    <p:sldId id="292" r:id="rId38"/>
+    <p:sldId id="293" r:id="rId39"/>
+    <p:sldId id="294" r:id="rId40"/>
+    <p:sldId id="295" r:id="rId41"/>
+    <p:sldId id="296" r:id="rId42"/>
+    <p:sldId id="297" r:id="rId43"/>
+    <p:sldId id="298" r:id="rId44"/>
+    <p:sldId id="299" r:id="rId45"/>
+    <p:sldId id="300" r:id="rId46"/>
+    <p:sldId id="301" r:id="rId47"/>
+    <p:sldId id="302" r:id="rId48"/>
+    <p:sldId id="303" r:id="rId49"/>
+    <p:sldId id="304" r:id="rId50"/>
+    <p:sldId id="305" r:id="rId51"/>
+    <p:sldId id="306" r:id="rId52"/>
+    <p:sldId id="307" r:id="rId53"/>
+    <p:sldId id="308" r:id="rId54"/>
+    <p:sldId id="309" r:id="rId55"/>
+    <p:sldId id="310" r:id="rId56"/>
+    <p:sldId id="311" r:id="rId57"/>
+    <p:sldId id="312" r:id="rId58"/>
+    <p:sldId id="313" r:id="rId59"/>
+    <p:sldId id="314" r:id="rId60"/>
+    <p:sldId id="315" r:id="rId61"/>
+    <p:sldId id="316" r:id="rId62"/>
+    <p:sldId id="317" r:id="rId63"/>
+    <p:sldId id="318" r:id="rId64"/>
+    <p:sldId id="319" r:id="rId65"/>
+    <p:sldId id="320" r:id="rId66"/>
+    <p:sldId id="321" r:id="rId67"/>
+    <p:sldId id="322" r:id="rId68"/>
+    <p:sldId id="323" r:id="rId69"/>
+    <p:sldId id="324" r:id="rId70"/>
+    <p:sldId id="325" r:id="rId71"/>
+    <p:sldId id="326" r:id="rId72"/>
+    <p:sldId id="327" r:id="rId73"/>
+    <p:sldId id="328" r:id="rId74"/>
+    <p:sldId id="329" r:id="rId75"/>
+    <p:sldId id="330" r:id="rId76"/>
+    <p:sldId id="331" r:id="rId77"/>
   </p:sldIdLst>
   <p:sldSz cx="9144000" cy="5143500" type="screen16x9"/>
   <p:notesSz cx="6858000" cy="9144000"/>
@@ -3239,12 +3284,7 @@
             <p:ph type="title"/>
           </p:nvPr>
         </p:nvSpPr>
-        <p:spPr>
-          <a:xfrm>
-            <a:off x="457201" y="204787"/>
-            <a:ext cx="3008313" cy="871538"/>
-          </a:xfrm>
-        </p:spPr>
+        <p:spPr/>
         <p:txBody>
           <a:bodyPr/>
           <a:lstStyle/>
@@ -3254,224 +3294,14 @@
             </a:pPr>
             <a:r>
               <a:rPr/>
-              <a:t>Transformations of the Independent Variable</a:t>
+              <a:t>Instantaneous Power Example</a:t>
             </a:r>
           </a:p>
         </p:txBody>
       </p:sp>
-      <mc:AlternateContent xmlns:mc="http://schemas.openxmlformats.org/markup-compatibility/2006">
-        <mc:Choice xmlns:a14="http://schemas.microsoft.com/office/drawing/2010/main" Requires="a14">
-          <p:sp>
-            <p:nvSpPr>
-              <p:cNvPr id="4" name="Text Placeholder 3"/>
-              <p:cNvSpPr>
-                <a:spLocks noGrp="1"/>
-              </p:cNvSpPr>
-              <p:nvPr>
-                <p:ph idx="2" sz="half" type="body"/>
-              </p:nvPr>
-            </p:nvSpPr>
-            <p:spPr/>
-            <p:txBody>
-              <a:bodyPr/>
-              <a:lstStyle/>
-              <a:p>
-                <a:pPr lvl="0" indent="0" marL="0">
-                  <a:spcBef>
-                    <a:spcPts val="3000"/>
-                  </a:spcBef>
-                  <a:buNone/>
-                </a:pPr>
-                <a:r>
-                  <a:rPr b="1"/>
-                  <a:t>Time Reversal</a:t>
-                </a:r>
-              </a:p>
-              <a:p>
-                <a:pPr lvl="0"/>
-                <a:r>
-                  <a:rPr/>
-                  <a:t>Another common transformation is </a:t>
-                </a:r>
-                <a:r>
-                  <a:rPr b="1"/>
-                  <a:t>time reversal</a:t>
-                </a:r>
-                <a:r>
-                  <a:rPr/>
-                  <a:t>.</a:t>
-                </a:r>
-              </a:p>
-              <a:p>
-                <a:pPr lvl="0"/>
-                <a:r>
-                  <a:rPr/>
-                  <a:t>The signal </a:t>
-                </a:r>
-                <a14:m>
-                  <m:oMath xmlns:m="http://schemas.openxmlformats.org/officeDocument/2006/math">
-                    <m:r>
-                      <m:t>x</m:t>
-                    </m:r>
-                    <m:d>
-                      <m:dPr>
-                        <m:begChr m:val="("/>
-                        <m:endChr m:val=")"/>
-                        <m:sepChr m:val=""/>
-                        <m:grow/>
-                      </m:dPr>
-                      <m:e>
-                        <m:r>
-                          <m:rPr>
-                            <m:sty m:val="p"/>
-                          </m:rPr>
-                          <m:t>−</m:t>
-                        </m:r>
-                        <m:r>
-                          <m:t>t</m:t>
-                        </m:r>
-                      </m:e>
-                    </m:d>
-                  </m:oMath>
-                </a14:m>
-                <a:r>
-                  <a:rPr/>
-                  <a:t> is the version of </a:t>
-                </a:r>
-                <a14:m>
-                  <m:oMath xmlns:m="http://schemas.openxmlformats.org/officeDocument/2006/math">
-                    <m:r>
-                      <m:t>x</m:t>
-                    </m:r>
-                    <m:d>
-                      <m:dPr>
-                        <m:begChr m:val="("/>
-                        <m:endChr m:val=")"/>
-                        <m:sepChr m:val=""/>
-                        <m:grow/>
-                      </m:dPr>
-                      <m:e>
-                        <m:r>
-                          <m:t>t</m:t>
-                        </m:r>
-                      </m:e>
-                    </m:d>
-                  </m:oMath>
-                </a14:m>
-                <a:r>
-                  <a:rPr/>
-                  <a:t> reflected about the origin (</a:t>
-                </a:r>
-                <a14:m>
-                  <m:oMath xmlns:m="http://schemas.openxmlformats.org/officeDocument/2006/math">
-                    <m:r>
-                      <m:t>t</m:t>
-                    </m:r>
-                    <m:r>
-                      <m:rPr>
-                        <m:sty m:val="p"/>
-                      </m:rPr>
-                      <m:t>=</m:t>
-                    </m:r>
-                    <m:r>
-                      <m:t>0</m:t>
-                    </m:r>
-                  </m:oMath>
-                </a14:m>
-                <a:r>
-                  <a:rPr/>
-                  <a:t>).</a:t>
-                </a:r>
-              </a:p>
-              <a:p>
-                <a:pPr lvl="0"/>
-                <a:r>
-                  <a:rPr/>
-                  <a:t>If you were to play a tape recording of </a:t>
-                </a:r>
-                <a14:m>
-                  <m:oMath xmlns:m="http://schemas.openxmlformats.org/officeDocument/2006/math">
-                    <m:r>
-                      <m:t>x</m:t>
-                    </m:r>
-                    <m:d>
-                      <m:dPr>
-                        <m:begChr m:val="("/>
-                        <m:endChr m:val=")"/>
-                        <m:sepChr m:val=""/>
-                        <m:grow/>
-                      </m:dPr>
-                      <m:e>
-                        <m:r>
-                          <m:t>t</m:t>
-                        </m:r>
-                      </m:e>
-                    </m:d>
-                  </m:oMath>
-                </a14:m>
-                <a:r>
-                  <a:rPr/>
-                  <a:t> backward, you would hear </a:t>
-                </a:r>
-                <a14:m>
-                  <m:oMath xmlns:m="http://schemas.openxmlformats.org/officeDocument/2006/math">
-                    <m:r>
-                      <m:t>x</m:t>
-                    </m:r>
-                    <m:d>
-                      <m:dPr>
-                        <m:begChr m:val="("/>
-                        <m:endChr m:val=")"/>
-                        <m:sepChr m:val=""/>
-                        <m:grow/>
-                      </m:dPr>
-                      <m:e>
-                        <m:r>
-                          <m:rPr>
-                            <m:sty m:val="p"/>
-                          </m:rPr>
-                          <m:t>−</m:t>
-                        </m:r>
-                        <m:r>
-                          <m:t>t</m:t>
-                        </m:r>
-                      </m:e>
-                    </m:d>
-                  </m:oMath>
-                </a14:m>
-                <a:r>
-                  <a:rPr/>
-                  <a:t>.</a:t>
-                </a:r>
-              </a:p>
-              <a:p>
-                <a:pPr lvl="0" indent="0" marL="1270000">
-                  <a:buNone/>
-                </a:pPr>
-                <a:r>
-                  <a:rPr sz="2000"/>
-                  <a:t>Speaker Notes: Time reversal is like looking in a mirror placed at time zero. The future becomes the past, and the past becomes the future. This operation is straightforward mathematically but has profound implications for concepts like causality, which we will discuss later.</a:t>
-                </a:r>
-              </a:p>
-              <a:p>
-                <a:pPr lvl="0" indent="0" marL="0">
-                  <a:spcBef>
-                    <a:spcPts val="3000"/>
-                  </a:spcBef>
-                  <a:buNone/>
-                </a:pPr>
-                <a:r>
-                  <a:rPr b="1"/>
-                  <a:t>Visualizing Time Reversal</a:t>
-                </a:r>
-              </a:p>
-            </p:txBody>
-          </p:sp>
-        </mc:Choice>
-      </mc:AlternateContent>
       <p:pic>
         <p:nvPicPr>
-          <p:cNvPr descr="presentation_files/figure-pptx/time_reversal_plot-5.png" id="0" name="Picture 1"/>
+          <p:cNvPr descr="presentation_files/figure-pptx/power_plot-1.png" id="0" name="Picture 1"/>
           <p:cNvPicPr>
             <a:picLocks noGrp="1" noChangeAspect="1"/>
           </p:cNvPicPr>
@@ -3485,8 +3315,8 @@
         </p:blipFill>
         <p:spPr bwMode="auto">
           <a:xfrm>
-            <a:off x="3568700" y="1371600"/>
-            <a:ext cx="5105400" cy="2044700"/>
+            <a:off x="1181100" y="1193800"/>
+            <a:ext cx="6781800" cy="3390900"/>
           </a:xfrm>
           <a:prstGeom prst="rect">
             <a:avLst/>
@@ -3521,6 +3351,723 @@
           <a:chExt cx="0" cy="0"/>
         </a:xfrm>
       </p:grpSpPr>
+      <p:sp>
+        <p:nvSpPr>
+          <p:cNvPr id="3" name="Content Placeholder 2"/>
+          <p:cNvSpPr>
+            <a:spLocks noGrp="1"/>
+          </p:cNvSpPr>
+          <p:nvPr>
+            <p:ph idx="1"/>
+          </p:nvPr>
+        </p:nvSpPr>
+        <p:spPr/>
+        <p:txBody>
+          <a:bodyPr/>
+          <a:lstStyle/>
+          <a:p>
+            <a:pPr lvl="0" indent="0" marL="0">
+              <a:buNone/>
+            </a:pPr>
+          </a:p>
+          <a:p>
+            <a:pPr lvl="0" indent="0" marL="1270000">
+              <a:buNone/>
+            </a:pPr>
+            <a:r>
+              <a:rPr sz="2000"/>
+              <a:t>Speaker Notes: This plot shows the instantaneous power dissipated by a resistor when a decaying exponential voltage is applied. As the voltage across the resistor decreases exponentially, the power dissipated decreases even faster, following the square of the voltage. This is an example of an energy signal, where the total energy is finite.</a:t>
+            </a:r>
+          </a:p>
+        </p:txBody>
+      </p:sp>
+    </p:spTree>
+  </p:cSld>
+</p:sld>
+</file>
+
+<file path=ppt/slides/slide12.xml><?xml version="1.0" encoding="utf-8"?>
+<p:sld xmlns:a="http://schemas.openxmlformats.org/drawingml/2006/main" xmlns:r="http://schemas.openxmlformats.org/officeDocument/2006/relationships" xmlns:p="http://schemas.openxmlformats.org/presentationml/2006/main">
+  <p:cSld>
+    <p:spTree>
+      <p:nvGrpSpPr>
+        <p:cNvPr id="1" name=""/>
+        <p:cNvGrpSpPr/>
+        <p:nvPr/>
+      </p:nvGrpSpPr>
+      <p:grpSpPr>
+        <a:xfrm>
+          <a:off x="0" y="0"/>
+          <a:ext cx="0" cy="0"/>
+          <a:chOff x="0" y="0"/>
+          <a:chExt cx="0" cy="0"/>
+        </a:xfrm>
+      </p:grpSpPr>
+      <p:sp>
+        <p:nvSpPr>
+          <p:cNvPr id="2" name="Title 1"/>
+          <p:cNvSpPr>
+            <a:spLocks noGrp="1"/>
+          </p:cNvSpPr>
+          <p:nvPr>
+            <p:ph type="title"/>
+          </p:nvPr>
+        </p:nvSpPr>
+        <p:spPr/>
+        <p:txBody>
+          <a:bodyPr/>
+          <a:lstStyle/>
+          <a:p>
+            <a:pPr lvl="0" indent="0" marL="0">
+              <a:buNone/>
+            </a:pPr>
+            <a:r>
+              <a:rPr/>
+              <a:t>Total Energy Calculation</a:t>
+            </a:r>
+          </a:p>
+        </p:txBody>
+      </p:sp>
+      <p:sp>
+        <p:nvSpPr>
+          <p:cNvPr id="3" name="Content Placeholder 2"/>
+          <p:cNvSpPr>
+            <a:spLocks noGrp="1"/>
+          </p:cNvSpPr>
+          <p:nvPr>
+            <p:ph idx="1"/>
+          </p:nvPr>
+        </p:nvSpPr>
+        <p:spPr/>
+        <p:txBody>
+          <a:bodyPr/>
+          <a:lstStyle/>
+          <a:p>
+            <a:pPr lvl="0"/>
+            <a:r>
+              <a:rPr/>
+              <a:t>The </a:t>
+            </a:r>
+            <a:r>
+              <a:rPr b="1"/>
+              <a:t>Total Energy</a:t>
+            </a:r>
+            <a:r>
+              <a:rPr/>
+              <a:t> of a signal is the integral (or sum for DT) of its squared magnitude.</a:t>
+            </a:r>
+          </a:p>
+          <a:p>
+            <a:pPr lvl="0"/>
+            <a:r>
+              <a:rPr/>
+              <a:t>For a finite-duration signal, this represents the total energy it contains.</a:t>
+            </a:r>
+          </a:p>
+          <a:p>
+            <a:pPr lvl="0"/>
+            <a:r>
+              <a:rPr/>
+              <a:t>Let’s visualize how this energy accumulates over time.</a:t>
+            </a:r>
+          </a:p>
+        </p:txBody>
+      </p:sp>
+    </p:spTree>
+  </p:cSld>
+</p:sld>
+</file>
+
+<file path=ppt/slides/slide13.xml><?xml version="1.0" encoding="utf-8"?>
+<p:sld xmlns:a="http://schemas.openxmlformats.org/drawingml/2006/main" xmlns:r="http://schemas.openxmlformats.org/officeDocument/2006/relationships" xmlns:p="http://schemas.openxmlformats.org/presentationml/2006/main">
+  <p:cSld>
+    <p:spTree>
+      <p:nvGrpSpPr>
+        <p:cNvPr id="1" name=""/>
+        <p:cNvGrpSpPr/>
+        <p:nvPr/>
+      </p:nvGrpSpPr>
+      <p:grpSpPr>
+        <a:xfrm>
+          <a:off x="0" y="0"/>
+          <a:ext cx="0" cy="0"/>
+          <a:chOff x="0" y="0"/>
+          <a:chExt cx="0" cy="0"/>
+        </a:xfrm>
+      </p:grpSpPr>
+      <p:sp>
+        <p:nvSpPr>
+          <p:cNvPr id="2" name="Title 1"/>
+          <p:cNvSpPr>
+            <a:spLocks noGrp="1"/>
+          </p:cNvSpPr>
+          <p:nvPr>
+            <p:ph type="title"/>
+          </p:nvPr>
+        </p:nvSpPr>
+        <p:spPr/>
+        <p:txBody>
+          <a:bodyPr/>
+          <a:lstStyle/>
+          <a:p>
+            <a:pPr lvl="0" indent="0" marL="0">
+              <a:buNone/>
+            </a:pPr>
+            <a:r>
+              <a:rPr/>
+              <a:t>Energy Accumulation Plot</a:t>
+            </a:r>
+          </a:p>
+        </p:txBody>
+      </p:sp>
+      <p:pic>
+        <p:nvPicPr>
+          <p:cNvPr descr="presentation_files/figure-pptx/energy_accumulation-3.png" id="0" name="Picture 1"/>
+          <p:cNvPicPr>
+            <a:picLocks noGrp="1" noChangeAspect="1"/>
+          </p:cNvPicPr>
+          <p:nvPr/>
+        </p:nvPicPr>
+        <p:blipFill>
+          <a:blip r:embed="rId2"/>
+          <a:stretch>
+            <a:fillRect/>
+          </a:stretch>
+        </p:blipFill>
+        <p:spPr bwMode="auto">
+          <a:xfrm>
+            <a:off x="1181100" y="1193800"/>
+            <a:ext cx="6781800" cy="3390900"/>
+          </a:xfrm>
+          <a:prstGeom prst="rect">
+            <a:avLst/>
+          </a:prstGeom>
+          <a:noFill/>
+          <a:ln w="9525">
+            <a:noFill/>
+            <a:headEnd/>
+            <a:tailEnd/>
+          </a:ln>
+        </p:spPr>
+      </p:pic>
+    </p:spTree>
+  </p:cSld>
+</p:sld>
+</file>
+
+<file path=ppt/slides/slide14.xml><?xml version="1.0" encoding="utf-8"?>
+<p:sld xmlns:a="http://schemas.openxmlformats.org/drawingml/2006/main" xmlns:r="http://schemas.openxmlformats.org/officeDocument/2006/relationships" xmlns:p="http://schemas.openxmlformats.org/presentationml/2006/main">
+  <p:cSld>
+    <p:spTree>
+      <p:nvGrpSpPr>
+        <p:cNvPr id="1" name=""/>
+        <p:cNvGrpSpPr/>
+        <p:nvPr/>
+      </p:nvGrpSpPr>
+      <p:grpSpPr>
+        <a:xfrm>
+          <a:off x="0" y="0"/>
+          <a:ext cx="0" cy="0"/>
+          <a:chOff x="0" y="0"/>
+          <a:chExt cx="0" cy="0"/>
+        </a:xfrm>
+      </p:grpSpPr>
+      <p:sp>
+        <p:nvSpPr>
+          <p:cNvPr id="3" name="Content Placeholder 2"/>
+          <p:cNvSpPr>
+            <a:spLocks noGrp="1"/>
+          </p:cNvSpPr>
+          <p:nvPr>
+            <p:ph idx="1"/>
+          </p:nvPr>
+        </p:nvSpPr>
+        <p:spPr/>
+        <p:txBody>
+          <a:bodyPr/>
+          <a:lstStyle/>
+          <a:p>
+            <a:pPr lvl="0" indent="0" marL="0">
+              <a:buNone/>
+            </a:pPr>
+          </a:p>
+          <a:p>
+            <a:pPr lvl="0" indent="0" marL="1270000">
+              <a:buNone/>
+            </a:pPr>
+            <a:r>
+              <a:rPr sz="2000"/>
+              <a:t>Speaker Notes: On the left, we have a simple rectangular pulse signal that is non-zero only between t=0 and t=2. On the right, we see the accumulated energy of this signal. The energy starts at zero, increases quadratically while the pulse is active, and then holds at its maximum value after the pulse ends. This maximum value represents the total energy of the signal.</a:t>
+            </a:r>
+          </a:p>
+        </p:txBody>
+      </p:sp>
+    </p:spTree>
+  </p:cSld>
+</p:sld>
+</file>
+
+<file path=ppt/slides/slide15.xml><?xml version="1.0" encoding="utf-8"?>
+<p:sld xmlns:a="http://schemas.openxmlformats.org/drawingml/2006/main" xmlns:r="http://schemas.openxmlformats.org/officeDocument/2006/relationships" xmlns:p="http://schemas.openxmlformats.org/presentationml/2006/main">
+  <p:cSld>
+    <p:spTree>
+      <p:nvGrpSpPr>
+        <p:cNvPr id="1" name=""/>
+        <p:cNvGrpSpPr/>
+        <p:nvPr/>
+      </p:nvGrpSpPr>
+      <p:grpSpPr>
+        <a:xfrm>
+          <a:off x="0" y="0"/>
+          <a:ext cx="0" cy="0"/>
+          <a:chOff x="0" y="0"/>
+          <a:chExt cx="0" cy="0"/>
+        </a:xfrm>
+      </p:grpSpPr>
+      <p:sp>
+        <p:nvSpPr>
+          <p:cNvPr id="2" name="Title 1"/>
+          <p:cNvSpPr>
+            <a:spLocks noGrp="1"/>
+          </p:cNvSpPr>
+          <p:nvPr>
+            <p:ph type="title"/>
+          </p:nvPr>
+        </p:nvSpPr>
+        <p:spPr/>
+        <p:txBody>
+          <a:bodyPr/>
+          <a:lstStyle/>
+          <a:p>
+            <a:pPr lvl="0" indent="0" marL="0">
+              <a:buNone/>
+            </a:pPr>
+            <a:r>
+              <a:rPr/>
+              <a:t>Transformations of the Independent Variable</a:t>
+            </a:r>
+          </a:p>
+        </p:txBody>
+      </p:sp>
+      <mc:AlternateContent xmlns:mc="http://schemas.openxmlformats.org/markup-compatibility/2006">
+        <mc:Choice xmlns:a14="http://schemas.microsoft.com/office/drawing/2010/main" Requires="a14">
+          <p:sp>
+            <p:nvSpPr>
+              <p:cNvPr id="3" name="Content Placeholder 2"/>
+              <p:cNvSpPr>
+                <a:spLocks noGrp="1"/>
+              </p:cNvSpPr>
+              <p:nvPr>
+                <p:ph idx="1"/>
+              </p:nvPr>
+            </p:nvSpPr>
+            <p:spPr/>
+            <p:txBody>
+              <a:bodyPr/>
+              <a:lstStyle/>
+              <a:p>
+                <a:pPr lvl="0"/>
+                <a:r>
+                  <a:rPr/>
+                  <a:t>We can transform a signal by changing its independent variable. The most common transformation is a </a:t>
+                </a:r>
+                <a:r>
+                  <a:rPr b="1"/>
+                  <a:t>time shift</a:t>
+                </a:r>
+                <a:r>
+                  <a:rPr/>
+                  <a:t>.</a:t>
+                </a:r>
+              </a:p>
+              <a:p>
+                <a:pPr lvl="0"/>
+                <a:r>
+                  <a:rPr/>
+                  <a:t>A signal </a:t>
+                </a:r>
+                <a14:m>
+                  <m:oMath xmlns:m="http://schemas.openxmlformats.org/officeDocument/2006/math">
+                    <m:r>
+                      <m:t>x</m:t>
+                    </m:r>
+                    <m:d>
+                      <m:dPr>
+                        <m:begChr m:val="("/>
+                        <m:endChr m:val=")"/>
+                        <m:sepChr m:val=""/>
+                        <m:grow/>
+                      </m:dPr>
+                      <m:e>
+                        <m:r>
+                          <m:t>t</m:t>
+                        </m:r>
+                        <m:r>
+                          <m:rPr>
+                            <m:sty m:val="p"/>
+                          </m:rPr>
+                          <m:t>−</m:t>
+                        </m:r>
+                        <m:sSub>
+                          <m:e>
+                            <m:r>
+                              <m:t>t</m:t>
+                            </m:r>
+                          </m:e>
+                          <m:sub>
+                            <m:r>
+                              <m:t>0</m:t>
+                            </m:r>
+                          </m:sub>
+                        </m:sSub>
+                      </m:e>
+                    </m:d>
+                  </m:oMath>
+                </a14:m>
+                <a:r>
+                  <a:rPr/>
+                  <a:t> is a time-shifted version of </a:t>
+                </a:r>
+                <a14:m>
+                  <m:oMath xmlns:m="http://schemas.openxmlformats.org/officeDocument/2006/math">
+                    <m:r>
+                      <m:t>x</m:t>
+                    </m:r>
+                    <m:d>
+                      <m:dPr>
+                        <m:begChr m:val="("/>
+                        <m:endChr m:val=")"/>
+                        <m:sepChr m:val=""/>
+                        <m:grow/>
+                      </m:dPr>
+                      <m:e>
+                        <m:r>
+                          <m:t>t</m:t>
+                        </m:r>
+                      </m:e>
+                    </m:d>
+                  </m:oMath>
+                </a14:m>
+                <a:r>
+                  <a:rPr/>
+                  <a:t>.</a:t>
+                </a:r>
+              </a:p>
+              <a:p>
+                <a:pPr lvl="1"/>
+                <a:r>
+                  <a:rPr/>
+                  <a:t>If </a:t>
+                </a:r>
+                <a14:m>
+                  <m:oMath xmlns:m="http://schemas.openxmlformats.org/officeDocument/2006/math">
+                    <m:sSub>
+                      <m:e>
+                        <m:r>
+                          <m:t>t</m:t>
+                        </m:r>
+                      </m:e>
+                      <m:sub>
+                        <m:r>
+                          <m:t>0</m:t>
+                        </m:r>
+                      </m:sub>
+                    </m:sSub>
+                    <m:r>
+                      <m:rPr>
+                        <m:sty m:val="p"/>
+                      </m:rPr>
+                      <m:t>&gt;</m:t>
+                    </m:r>
+                    <m:r>
+                      <m:t>0</m:t>
+                    </m:r>
+                  </m:oMath>
+                </a14:m>
+                <a:r>
+                  <a:rPr/>
+                  <a:t>, the signal is delayed (shifted right).</a:t>
+                </a:r>
+              </a:p>
+              <a:p>
+                <a:pPr lvl="1"/>
+                <a:r>
+                  <a:rPr/>
+                  <a:t>If </a:t>
+                </a:r>
+                <a14:m>
+                  <m:oMath xmlns:m="http://schemas.openxmlformats.org/officeDocument/2006/math">
+                    <m:sSub>
+                      <m:e>
+                        <m:r>
+                          <m:t>t</m:t>
+                        </m:r>
+                      </m:e>
+                      <m:sub>
+                        <m:r>
+                          <m:t>0</m:t>
+                        </m:r>
+                      </m:sub>
+                    </m:sSub>
+                    <m:r>
+                      <m:rPr>
+                        <m:sty m:val="p"/>
+                      </m:rPr>
+                      <m:t>&lt;</m:t>
+                    </m:r>
+                    <m:r>
+                      <m:t>0</m:t>
+                    </m:r>
+                  </m:oMath>
+                </a14:m>
+                <a:r>
+                  <a:rPr/>
+                  <a:t>, the signal is advanced (shifted left).</a:t>
+                </a:r>
+              </a:p>
+              <a:p>
+                <a:pPr lvl="0"/>
+                <a:r>
+                  <a:rPr/>
+                  <a:t>Similarly for discrete-time signals, </a:t>
+                </a:r>
+                <a14:m>
+                  <m:oMath xmlns:m="http://schemas.openxmlformats.org/officeDocument/2006/math">
+                    <m:r>
+                      <m:t>x</m:t>
+                    </m:r>
+                    <m:d>
+                      <m:dPr>
+                        <m:begChr m:val="["/>
+                        <m:endChr m:val="]"/>
+                        <m:sepChr m:val=""/>
+                        <m:grow/>
+                      </m:dPr>
+                      <m:e>
+                        <m:r>
+                          <m:t>n</m:t>
+                        </m:r>
+                        <m:r>
+                          <m:rPr>
+                            <m:sty m:val="p"/>
+                          </m:rPr>
+                          <m:t>−</m:t>
+                        </m:r>
+                        <m:sSub>
+                          <m:e>
+                            <m:r>
+                              <m:t>n</m:t>
+                            </m:r>
+                          </m:e>
+                          <m:sub>
+                            <m:r>
+                              <m:t>0</m:t>
+                            </m:r>
+                          </m:sub>
+                        </m:sSub>
+                      </m:e>
+                    </m:d>
+                  </m:oMath>
+                </a14:m>
+                <a:r>
+                  <a:rPr/>
+                  <a:t>.</a:t>
+                </a:r>
+              </a:p>
+              <a:p>
+                <a:pPr lvl="0" indent="0" marL="1270000">
+                  <a:buNone/>
+                </a:pPr>
+                <a:r>
+                  <a:rPr sz="2000"/>
+                  <a:t>Speaker Notes: Time shifts are fundamental in signal processing. They arise in applications like radar and sonar, where a transmitted signal is received at a later time. Understanding how to mathematically represent and manipulate these shifts is a crucial first step in system analysis.</a:t>
+                </a:r>
+              </a:p>
+            </p:txBody>
+          </p:sp>
+        </mc:Choice>
+      </mc:AlternateContent>
+    </p:spTree>
+  </p:cSld>
+</p:sld>
+</file>
+
+<file path=ppt/slides/slide16.xml><?xml version="1.0" encoding="utf-8"?>
+<p:sld xmlns:a="http://schemas.openxmlformats.org/drawingml/2006/main" xmlns:r="http://schemas.openxmlformats.org/officeDocument/2006/relationships" xmlns:p="http://schemas.openxmlformats.org/presentationml/2006/main">
+  <p:cSld>
+    <p:spTree>
+      <p:nvGrpSpPr>
+        <p:cNvPr id="1" name=""/>
+        <p:cNvGrpSpPr/>
+        <p:nvPr/>
+      </p:nvGrpSpPr>
+      <p:grpSpPr>
+        <a:xfrm>
+          <a:off x="0" y="0"/>
+          <a:ext cx="0" cy="0"/>
+          <a:chOff x="0" y="0"/>
+          <a:chExt cx="0" cy="0"/>
+        </a:xfrm>
+      </p:grpSpPr>
+      <p:sp>
+        <p:nvSpPr>
+          <p:cNvPr id="2" name="Title 1"/>
+          <p:cNvSpPr>
+            <a:spLocks noGrp="1"/>
+          </p:cNvSpPr>
+          <p:nvPr>
+            <p:ph type="title"/>
+          </p:nvPr>
+        </p:nvSpPr>
+        <p:spPr/>
+        <p:txBody>
+          <a:bodyPr/>
+          <a:lstStyle/>
+          <a:p>
+            <a:pPr lvl="0" indent="0" marL="0">
+              <a:buNone/>
+            </a:pPr>
+            <a:r>
+              <a:rPr/>
+              <a:t>Visualizing Time Shifts</a:t>
+            </a:r>
+          </a:p>
+        </p:txBody>
+      </p:sp>
+      <p:pic>
+        <p:nvPicPr>
+          <p:cNvPr descr="presentation_files/figure-pptx/time_shift_plot-1.png" id="0" name="Picture 1"/>
+          <p:cNvPicPr>
+            <a:picLocks noGrp="1" noChangeAspect="1"/>
+          </p:cNvPicPr>
+          <p:nvPr/>
+        </p:nvPicPr>
+        <p:blipFill>
+          <a:blip r:embed="rId2"/>
+          <a:stretch>
+            <a:fillRect/>
+          </a:stretch>
+        </p:blipFill>
+        <p:spPr bwMode="auto">
+          <a:xfrm>
+            <a:off x="457200" y="1524000"/>
+            <a:ext cx="8229600" cy="2743200"/>
+          </a:xfrm>
+          <a:prstGeom prst="rect">
+            <a:avLst/>
+          </a:prstGeom>
+          <a:noFill/>
+          <a:ln w="9525">
+            <a:noFill/>
+            <a:headEnd/>
+            <a:tailEnd/>
+          </a:ln>
+        </p:spPr>
+      </p:pic>
+    </p:spTree>
+  </p:cSld>
+</p:sld>
+</file>
+
+<file path=ppt/slides/slide17.xml><?xml version="1.0" encoding="utf-8"?>
+<p:sld xmlns:a="http://schemas.openxmlformats.org/drawingml/2006/main" xmlns:r="http://schemas.openxmlformats.org/officeDocument/2006/relationships" xmlns:p="http://schemas.openxmlformats.org/presentationml/2006/main">
+  <p:cSld>
+    <p:spTree>
+      <p:nvGrpSpPr>
+        <p:cNvPr id="1" name=""/>
+        <p:cNvGrpSpPr/>
+        <p:nvPr/>
+      </p:nvGrpSpPr>
+      <p:grpSpPr>
+        <a:xfrm>
+          <a:off x="0" y="0"/>
+          <a:ext cx="0" cy="0"/>
+          <a:chOff x="0" y="0"/>
+          <a:chExt cx="0" cy="0"/>
+        </a:xfrm>
+      </p:grpSpPr>
+      <p:sp>
+        <p:nvSpPr>
+          <p:cNvPr id="3" name="Content Placeholder 2"/>
+          <p:cNvSpPr>
+            <a:spLocks noGrp="1"/>
+          </p:cNvSpPr>
+          <p:nvPr>
+            <p:ph idx="1"/>
+          </p:nvPr>
+        </p:nvSpPr>
+        <p:spPr/>
+        <p:txBody>
+          <a:bodyPr/>
+          <a:lstStyle/>
+          <a:p>
+            <a:pPr lvl="0" indent="0" marL="0">
+              <a:buNone/>
+            </a:pPr>
+          </a:p>
+          <a:p>
+            <a:pPr lvl="0" indent="0" marL="1270000">
+              <a:buNone/>
+            </a:pPr>
+            <a:r>
+              <a:rPr sz="2000"/>
+              <a:t>Speaker Notes: This slide visually demonstrates the concept of time shifting. The first plot shows our original signal, a simple triangular pulse centered at zero. The middle plot shows the same signal delayed, or shifted to the right, by 2 units. Every point on the original signal now occurs 2 units later. The third plot shows the signal advanced, or shifted to the left, by 1.5 units.</a:t>
+            </a:r>
+          </a:p>
+        </p:txBody>
+      </p:sp>
+    </p:spTree>
+  </p:cSld>
+</p:sld>
+</file>
+
+<file path=ppt/slides/slide18.xml><?xml version="1.0" encoding="utf-8"?>
+<p:sld xmlns:a="http://schemas.openxmlformats.org/drawingml/2006/main" xmlns:r="http://schemas.openxmlformats.org/officeDocument/2006/relationships" xmlns:p="http://schemas.openxmlformats.org/presentationml/2006/main">
+  <p:cSld>
+    <p:spTree>
+      <p:nvGrpSpPr>
+        <p:cNvPr id="1" name=""/>
+        <p:cNvGrpSpPr/>
+        <p:nvPr/>
+      </p:nvGrpSpPr>
+      <p:grpSpPr>
+        <a:xfrm>
+          <a:off x="0" y="0"/>
+          <a:ext cx="0" cy="0"/>
+          <a:chOff x="0" y="0"/>
+          <a:chExt cx="0" cy="0"/>
+        </a:xfrm>
+      </p:grpSpPr>
+      <p:sp>
+        <p:nvSpPr>
+          <p:cNvPr id="2" name="Title 1"/>
+          <p:cNvSpPr>
+            <a:spLocks noGrp="1"/>
+          </p:cNvSpPr>
+          <p:nvPr>
+            <p:ph type="title"/>
+          </p:nvPr>
+        </p:nvSpPr>
+        <p:spPr>
+          <a:xfrm>
+            <a:off x="457201" y="204787"/>
+            <a:ext cx="3008313" cy="871538"/>
+          </a:xfrm>
+        </p:spPr>
+        <p:txBody>
+          <a:bodyPr/>
+          <a:lstStyle/>
+          <a:p>
+            <a:pPr lvl="0" indent="0" marL="0">
+              <a:buNone/>
+            </a:pPr>
+            <a:r>
+              <a:rPr/>
+              <a:t>Time Scaling</a:t>
+            </a:r>
+          </a:p>
+        </p:txBody>
+      </p:sp>
       <mc:AlternateContent xmlns:mc="http://schemas.openxmlformats.org/markup-compatibility/2006">
         <mc:Choice xmlns:a14="http://schemas.microsoft.com/office/drawing/2010/main" Requires="a14">
           <p:sp>
@@ -3538,32 +4085,6 @@
               <a:bodyPr/>
               <a:lstStyle/>
               <a:p>
-                <a:pPr lvl="0" indent="0" marL="0">
-                  <a:buNone/>
-                </a:pPr>
-              </a:p>
-              <a:p>
-                <a:pPr lvl="0" indent="0" marL="1270000">
-                  <a:buNone/>
-                </a:pPr>
-                <a:r>
-                  <a:rPr sz="2000"/>
-                  <a:t>Speaker Notes: Here, the signal on the left is an asymmetric triangle. The signal on the right is its time-reversed counterpart. Notice how the ramp up from -1 to 1 in the original signal becomes a ramp down from -1 to 1 in the reversed signal, and the ramp down from 1 to 2 becomes a ramp up from -2 to -1.</a:t>
-                </a:r>
-              </a:p>
-              <a:p>
-                <a:pPr lvl="0" indent="0" marL="0">
-                  <a:spcBef>
-                    <a:spcPts val="3000"/>
-                  </a:spcBef>
-                  <a:buNone/>
-                </a:pPr>
-                <a:r>
-                  <a:rPr b="1"/>
-                  <a:t>Time Scaling</a:t>
-                </a:r>
-              </a:p>
-              <a:p>
                 <a:pPr lvl="0"/>
                 <a:r>
                   <a:rPr b="1"/>
@@ -3774,19 +4295,7 @@
                 </a:pPr>
                 <a:r>
                   <a:rPr sz="2000"/>
-                  <a:t>Speaker Notes: Time scaling is a very intuitive concept. Compressing a signal means the events within the signal occur more quickly, while stretching it means they occur more slowly. Pay close attention to the notation: the factor ‘a’ appears inside the function argument, and its effect is somewhat counter-intuitive. A larger ‘a’ leads to compression, not stretching.</a:t>
-                </a:r>
-              </a:p>
-              <a:p>
-                <a:pPr lvl="0" indent="0" marL="0">
-                  <a:spcBef>
-                    <a:spcPts val="3000"/>
-                  </a:spcBef>
-                  <a:buNone/>
-                </a:pPr>
-                <a:r>
-                  <a:rPr b="1"/>
-                  <a:t>Visualizing Time Scaling</a:t>
+                  <a:t>Speaker Notes: Time scaling is a very intuitive concept. Compressing a signal means the events within the signal occur more quickly, while stretching it means they occur more slowly. Pay close attention to the notation: the factor ‘a’ appears inside the function argument, and its effect is somewhat counter-intuitive. A larger ‘a’ leads to compression, not stretching. ## Visualizing Time Scaling</a:t>
                 </a:r>
               </a:p>
             </p:txBody>
@@ -3795,7 +4304,7 @@
       </mc:AlternateContent>
       <p:pic>
         <p:nvPicPr>
-          <p:cNvPr descr="presentation_files/figure-pptx/time_scaling_plot-7.png" id="0" name="Picture 1"/>
+          <p:cNvPr descr="presentation_files/figure-pptx/time_scaling_plot-3.png" id="0" name="Picture 1"/>
           <p:cNvPicPr>
             <a:picLocks noGrp="1" noChangeAspect="1"/>
           </p:cNvPicPr>
@@ -3828,7 +4337,7 @@
 </p:sld>
 </file>
 
-<file path=ppt/slides/slide12.xml><?xml version="1.0" encoding="utf-8"?>
+<file path=ppt/slides/slide19.xml><?xml version="1.0" encoding="utf-8"?>
 <p:sld xmlns:a="http://schemas.openxmlformats.org/drawingml/2006/main" xmlns:r="http://schemas.openxmlformats.org/officeDocument/2006/relationships" xmlns:p="http://schemas.openxmlformats.org/presentationml/2006/main">
   <p:cSld>
     <p:spTree>
@@ -3845,6 +4354,140 @@
           <a:chExt cx="0" cy="0"/>
         </a:xfrm>
       </p:grpSpPr>
+      <p:sp>
+        <p:nvSpPr>
+          <p:cNvPr id="3" name="Content Placeholder 2"/>
+          <p:cNvSpPr>
+            <a:spLocks noGrp="1"/>
+          </p:cNvSpPr>
+          <p:nvPr>
+            <p:ph idx="1"/>
+          </p:nvPr>
+        </p:nvSpPr>
+        <p:spPr/>
+        <p:txBody>
+          <a:bodyPr/>
+          <a:lstStyle/>
+          <a:p>
+            <a:pPr lvl="0" indent="0" marL="0">
+              <a:buNone/>
+            </a:pPr>
+          </a:p>
+          <a:p>
+            <a:pPr lvl="0" indent="0" marL="1270000">
+              <a:buNone/>
+            </a:pPr>
+            <a:r>
+              <a:rPr sz="2000"/>
+              <a:t>Speaker Notes: The original triangular pulse has a width of 2 (from -1 to 1). The compressed signal, x(2t), has its width halved to 1 (from -0.5 to 0.5). The stretched signal, x(0.5t), has its width doubled to 4 (from -2 to 2). This demonstrates the compression and stretching effect of time scaling.</a:t>
+            </a:r>
+          </a:p>
+        </p:txBody>
+      </p:sp>
+    </p:spTree>
+  </p:cSld>
+</p:sld>
+</file>
+
+<file path=ppt/slides/slide2.xml><?xml version="1.0" encoding="utf-8"?>
+<p:sld xmlns:a="http://schemas.openxmlformats.org/drawingml/2006/main" xmlns:r="http://schemas.openxmlformats.org/officeDocument/2006/relationships" xmlns:p="http://schemas.openxmlformats.org/presentationml/2006/main">
+  <p:cSld>
+    <p:spTree>
+      <p:nvGrpSpPr>
+        <p:cNvPr id="1" name=""/>
+        <p:cNvGrpSpPr/>
+        <p:nvPr/>
+      </p:nvGrpSpPr>
+      <p:grpSpPr>
+        <a:xfrm>
+          <a:off x="0" y="0"/>
+          <a:ext cx="0" cy="0"/>
+          <a:chOff x="0" y="0"/>
+          <a:chExt cx="0" cy="0"/>
+        </a:xfrm>
+      </p:grpSpPr>
+      <p:sp>
+        <p:nvSpPr>
+          <p:cNvPr id="2" name="Title 1"/>
+          <p:cNvSpPr>
+            <a:spLocks noGrp="1"/>
+          </p:cNvSpPr>
+          <p:nvPr>
+            <p:ph type="title"/>
+          </p:nvPr>
+        </p:nvSpPr>
+        <p:spPr>
+          <a:xfrm>
+            <a:off x="722313" y="3305176"/>
+            <a:ext cx="7772400" cy="1021556"/>
+          </a:xfrm>
+        </p:spPr>
+        <p:txBody>
+          <a:bodyPr/>
+          <a:lstStyle/>
+          <a:p>
+            <a:pPr lvl="0" indent="0" marL="0">
+              <a:buNone/>
+            </a:pPr>
+            <a:r>
+              <a:rPr/>
+              <a:t>Introduction to Signals and Systems</a:t>
+            </a:r>
+          </a:p>
+        </p:txBody>
+      </p:sp>
+    </p:spTree>
+  </p:cSld>
+</p:sld>
+</file>
+
+<file path=ppt/slides/slide20.xml><?xml version="1.0" encoding="utf-8"?>
+<p:sld xmlns:a="http://schemas.openxmlformats.org/drawingml/2006/main" xmlns:r="http://schemas.openxmlformats.org/officeDocument/2006/relationships" xmlns:p="http://schemas.openxmlformats.org/presentationml/2006/main">
+  <p:cSld>
+    <p:spTree>
+      <p:nvGrpSpPr>
+        <p:cNvPr id="1" name=""/>
+        <p:cNvGrpSpPr/>
+        <p:nvPr/>
+      </p:nvGrpSpPr>
+      <p:grpSpPr>
+        <a:xfrm>
+          <a:off x="0" y="0"/>
+          <a:ext cx="0" cy="0"/>
+          <a:chOff x="0" y="0"/>
+          <a:chExt cx="0" cy="0"/>
+        </a:xfrm>
+      </p:grpSpPr>
+      <p:sp>
+        <p:nvSpPr>
+          <p:cNvPr id="2" name="Title 1"/>
+          <p:cNvSpPr>
+            <a:spLocks noGrp="1"/>
+          </p:cNvSpPr>
+          <p:nvPr>
+            <p:ph type="title"/>
+          </p:nvPr>
+        </p:nvSpPr>
+        <p:spPr>
+          <a:xfrm>
+            <a:off x="457201" y="204787"/>
+            <a:ext cx="3008313" cy="871538"/>
+          </a:xfrm>
+        </p:spPr>
+        <p:txBody>
+          <a:bodyPr/>
+          <a:lstStyle/>
+          <a:p>
+            <a:pPr lvl="0" indent="0" marL="0">
+              <a:buNone/>
+            </a:pPr>
+            <a:r>
+              <a:rPr/>
+              <a:t>Combined Transformations</a:t>
+            </a:r>
+          </a:p>
+        </p:txBody>
+      </p:sp>
       <mc:AlternateContent xmlns:mc="http://schemas.openxmlformats.org/markup-compatibility/2006">
         <mc:Choice xmlns:a14="http://schemas.microsoft.com/office/drawing/2010/main" Requires="a14">
           <p:sp>
@@ -3862,9 +4505,498 @@
               <a:bodyPr/>
               <a:lstStyle/>
               <a:p>
-                <a:pPr lvl="0" indent="0" marL="0">
-                  <a:buNone/>
-                </a:pPr>
+                <a:pPr lvl="0"/>
+                <a:r>
+                  <a:rPr/>
+                  <a:t>We can combine shifting, reversal, and scaling.</a:t>
+                </a:r>
+              </a:p>
+              <a:p>
+                <a:pPr lvl="0"/>
+                <a:r>
+                  <a:rPr/>
+                  <a:t>The operation </a:t>
+                </a:r>
+                <a14:m>
+                  <m:oMath xmlns:m="http://schemas.openxmlformats.org/officeDocument/2006/math">
+                    <m:r>
+                      <m:t>x</m:t>
+                    </m:r>
+                    <m:d>
+                      <m:dPr>
+                        <m:begChr m:val="("/>
+                        <m:endChr m:val=")"/>
+                        <m:sepChr m:val=""/>
+                        <m:grow/>
+                      </m:dPr>
+                      <m:e>
+                        <m:r>
+                          <m:t>a</m:t>
+                        </m:r>
+                        <m:r>
+                          <m:t>t</m:t>
+                        </m:r>
+                        <m:r>
+                          <m:rPr>
+                            <m:sty m:val="p"/>
+                          </m:rPr>
+                          <m:t>+</m:t>
+                        </m:r>
+                        <m:r>
+                          <m:t>b</m:t>
+                        </m:r>
+                      </m:e>
+                    </m:d>
+                  </m:oMath>
+                </a14:m>
+                <a:r>
+                  <a:rPr/>
+                  <a:t> can be visualized by first shifting </a:t>
+                </a:r>
+                <a14:m>
+                  <m:oMath xmlns:m="http://schemas.openxmlformats.org/officeDocument/2006/math">
+                    <m:r>
+                      <m:t>x</m:t>
+                    </m:r>
+                    <m:d>
+                      <m:dPr>
+                        <m:begChr m:val="("/>
+                        <m:endChr m:val=")"/>
+                        <m:sepChr m:val=""/>
+                        <m:grow/>
+                      </m:dPr>
+                      <m:e>
+                        <m:r>
+                          <m:t>t</m:t>
+                        </m:r>
+                      </m:e>
+                    </m:d>
+                  </m:oMath>
+                </a14:m>
+                <a:r>
+                  <a:rPr/>
+                  <a:t> by </a:t>
+                </a:r>
+                <a14:m>
+                  <m:oMath xmlns:m="http://schemas.openxmlformats.org/officeDocument/2006/math">
+                    <m:r>
+                      <m:t>b</m:t>
+                    </m:r>
+                  </m:oMath>
+                </a14:m>
+                <a:r>
+                  <a:rPr/>
+                  <a:t> to get </a:t>
+                </a:r>
+                <a14:m>
+                  <m:oMath xmlns:m="http://schemas.openxmlformats.org/officeDocument/2006/math">
+                    <m:r>
+                      <m:t>x</m:t>
+                    </m:r>
+                    <m:d>
+                      <m:dPr>
+                        <m:begChr m:val="("/>
+                        <m:endChr m:val=")"/>
+                        <m:sepChr m:val=""/>
+                        <m:grow/>
+                      </m:dPr>
+                      <m:e>
+                        <m:r>
+                          <m:t>t</m:t>
+                        </m:r>
+                        <m:r>
+                          <m:rPr>
+                            <m:sty m:val="p"/>
+                          </m:rPr>
+                          <m:t>+</m:t>
+                        </m:r>
+                        <m:r>
+                          <m:t>b</m:t>
+                        </m:r>
+                      </m:e>
+                    </m:d>
+                  </m:oMath>
+                </a14:m>
+                <a:r>
+                  <a:rPr/>
+                  <a:t>, and then scaling the result by </a:t>
+                </a:r>
+                <a14:m>
+                  <m:oMath xmlns:m="http://schemas.openxmlformats.org/officeDocument/2006/math">
+                    <m:r>
+                      <m:t>a</m:t>
+                    </m:r>
+                  </m:oMath>
+                </a14:m>
+                <a:r>
+                  <a:rPr/>
+                  <a:t>.</a:t>
+                </a:r>
+              </a:p>
+              <a:p>
+                <a:pPr lvl="0"/>
+                <a:r>
+                  <a:rPr/>
+                  <a:t>Order matters! Shifting then scaling is different from scaling then shifting.</a:t>
+                </a:r>
+              </a:p>
+            </p:txBody>
+          </p:sp>
+        </mc:Choice>
+      </mc:AlternateContent>
+      <p:pic>
+        <p:nvPicPr>
+          <p:cNvPr descr="presentation_files/figure-pptx/combined_transform_plot-5.png" id="0" name="Picture 1"/>
+          <p:cNvPicPr>
+            <a:picLocks noGrp="1" noChangeAspect="1"/>
+          </p:cNvPicPr>
+          <p:nvPr/>
+        </p:nvPicPr>
+        <p:blipFill>
+          <a:blip r:embed="rId2"/>
+          <a:stretch>
+            <a:fillRect/>
+          </a:stretch>
+        </p:blipFill>
+        <p:spPr bwMode="auto">
+          <a:xfrm>
+            <a:off x="3568700" y="1549400"/>
+            <a:ext cx="5105400" cy="1701800"/>
+          </a:xfrm>
+          <a:prstGeom prst="rect">
+            <a:avLst/>
+          </a:prstGeom>
+          <a:noFill/>
+          <a:ln w="9525">
+            <a:noFill/>
+            <a:headEnd/>
+            <a:tailEnd/>
+          </a:ln>
+        </p:spPr>
+      </p:pic>
+    </p:spTree>
+  </p:cSld>
+</p:sld>
+</file>
+
+<file path=ppt/slides/slide21.xml><?xml version="1.0" encoding="utf-8"?>
+<p:sld xmlns:a="http://schemas.openxmlformats.org/drawingml/2006/main" xmlns:r="http://schemas.openxmlformats.org/officeDocument/2006/relationships" xmlns:p="http://schemas.openxmlformats.org/presentationml/2006/main">
+  <p:cSld>
+    <p:spTree>
+      <p:nvGrpSpPr>
+        <p:cNvPr id="1" name=""/>
+        <p:cNvGrpSpPr/>
+        <p:nvPr/>
+      </p:nvGrpSpPr>
+      <p:grpSpPr>
+        <a:xfrm>
+          <a:off x="0" y="0"/>
+          <a:ext cx="0" cy="0"/>
+          <a:chOff x="0" y="0"/>
+          <a:chExt cx="0" cy="0"/>
+        </a:xfrm>
+      </p:grpSpPr>
+      <p:sp>
+        <p:nvSpPr>
+          <p:cNvPr id="3" name="Content Placeholder 2"/>
+          <p:cNvSpPr>
+            <a:spLocks noGrp="1"/>
+          </p:cNvSpPr>
+          <p:nvPr>
+            <p:ph idx="1"/>
+          </p:nvPr>
+        </p:nvSpPr>
+        <p:spPr/>
+        <p:txBody>
+          <a:bodyPr/>
+          <a:lstStyle/>
+          <a:p>
+            <a:pPr lvl="0" indent="0" marL="0">
+              <a:buNone/>
+            </a:pPr>
+          </a:p>
+          <a:p>
+            <a:pPr lvl="0" indent="0" marL="1270000">
+              <a:buNone/>
+            </a:pPr>
+            <a:r>
+              <a:rPr sz="2000"/>
+              <a:t>Speaker Notes: This slide shows the importance of the order of operations. The original signal is a triangular pulse shifted to be centered at t=1. The middle plot shows the result of replacing t with 2t+1. The final plot shows scaling first, then shifting. The results are different.</a:t>
+            </a:r>
+          </a:p>
+        </p:txBody>
+      </p:sp>
+    </p:spTree>
+  </p:cSld>
+</p:sld>
+</file>
+
+<file path=ppt/slides/slide22.xml><?xml version="1.0" encoding="utf-8"?>
+<p:sld xmlns:a="http://schemas.openxmlformats.org/drawingml/2006/main" xmlns:r="http://schemas.openxmlformats.org/officeDocument/2006/relationships" xmlns:p="http://schemas.openxmlformats.org/presentationml/2006/main">
+  <p:cSld>
+    <p:spTree>
+      <p:nvGrpSpPr>
+        <p:cNvPr id="1" name=""/>
+        <p:cNvGrpSpPr/>
+        <p:nvPr/>
+      </p:nvGrpSpPr>
+      <p:grpSpPr>
+        <a:xfrm>
+          <a:off x="0" y="0"/>
+          <a:ext cx="0" cy="0"/>
+          <a:chOff x="0" y="0"/>
+          <a:chExt cx="0" cy="0"/>
+        </a:xfrm>
+      </p:grpSpPr>
+      <p:sp>
+        <p:nvSpPr>
+          <p:cNvPr id="2" name="Title 1"/>
+          <p:cNvSpPr>
+            <a:spLocks noGrp="1"/>
+          </p:cNvSpPr>
+          <p:nvPr>
+            <p:ph type="title"/>
+          </p:nvPr>
+        </p:nvSpPr>
+        <p:spPr>
+          <a:xfrm>
+            <a:off x="722313" y="3305176"/>
+            <a:ext cx="7772400" cy="1021556"/>
+          </a:xfrm>
+        </p:spPr>
+        <p:txBody>
+          <a:bodyPr/>
+          <a:lstStyle/>
+          <a:p>
+            <a:pPr lvl="0" indent="0" marL="0">
+              <a:buNone/>
+            </a:pPr>
+            <a:r>
+              <a:rPr/>
+              <a:t>Transformations of the Independent Variable</a:t>
+            </a:r>
+          </a:p>
+        </p:txBody>
+      </p:sp>
+    </p:spTree>
+  </p:cSld>
+</p:sld>
+</file>
+
+<file path=ppt/slides/slide23.xml><?xml version="1.0" encoding="utf-8"?>
+<p:sld xmlns:a="http://schemas.openxmlformats.org/drawingml/2006/main" xmlns:r="http://schemas.openxmlformats.org/officeDocument/2006/relationships" xmlns:p="http://schemas.openxmlformats.org/presentationml/2006/main">
+  <p:cSld>
+    <p:spTree>
+      <p:nvGrpSpPr>
+        <p:cNvPr id="1" name=""/>
+        <p:cNvGrpSpPr/>
+        <p:nvPr/>
+      </p:nvGrpSpPr>
+      <p:grpSpPr>
+        <a:xfrm>
+          <a:off x="0" y="0"/>
+          <a:ext cx="0" cy="0"/>
+          <a:chOff x="0" y="0"/>
+          <a:chExt cx="0" cy="0"/>
+        </a:xfrm>
+      </p:grpSpPr>
+      <p:sp>
+        <p:nvSpPr>
+          <p:cNvPr id="2" name="Title 1"/>
+          <p:cNvSpPr>
+            <a:spLocks noGrp="1"/>
+          </p:cNvSpPr>
+          <p:nvPr>
+            <p:ph type="title"/>
+          </p:nvPr>
+        </p:nvSpPr>
+        <p:spPr/>
+        <p:txBody>
+          <a:bodyPr/>
+          <a:lstStyle/>
+          <a:p>
+            <a:pPr lvl="0" indent="0" marL="0">
+              <a:buNone/>
+            </a:pPr>
+            <a:r>
+              <a:rPr/>
+              <a:t>Time Reversal</a:t>
+            </a:r>
+          </a:p>
+        </p:txBody>
+      </p:sp>
+      <mc:AlternateContent xmlns:mc="http://schemas.openxmlformats.org/markup-compatibility/2006">
+        <mc:Choice xmlns:a14="http://schemas.microsoft.com/office/drawing/2010/main" Requires="a14">
+          <p:sp>
+            <p:nvSpPr>
+              <p:cNvPr id="3" name="Content Placeholder 2"/>
+              <p:cNvSpPr>
+                <a:spLocks noGrp="1"/>
+              </p:cNvSpPr>
+              <p:nvPr>
+                <p:ph idx="1"/>
+              </p:nvPr>
+            </p:nvSpPr>
+            <p:spPr/>
+            <p:txBody>
+              <a:bodyPr/>
+              <a:lstStyle/>
+              <a:p>
+                <a:pPr lvl="0"/>
+                <a:r>
+                  <a:rPr/>
+                  <a:t>Another common transformation is </a:t>
+                </a:r>
+                <a:r>
+                  <a:rPr b="1"/>
+                  <a:t>time reversal</a:t>
+                </a:r>
+                <a:r>
+                  <a:rPr/>
+                  <a:t>.</a:t>
+                </a:r>
+              </a:p>
+              <a:p>
+                <a:pPr lvl="0"/>
+                <a:r>
+                  <a:rPr/>
+                  <a:t>The signal </a:t>
+                </a:r>
+                <a14:m>
+                  <m:oMath xmlns:m="http://schemas.openxmlformats.org/officeDocument/2006/math">
+                    <m:r>
+                      <m:t>x</m:t>
+                    </m:r>
+                    <m:d>
+                      <m:dPr>
+                        <m:begChr m:val="("/>
+                        <m:endChr m:val=")"/>
+                        <m:sepChr m:val=""/>
+                        <m:grow/>
+                      </m:dPr>
+                      <m:e>
+                        <m:r>
+                          <m:rPr>
+                            <m:sty m:val="p"/>
+                          </m:rPr>
+                          <m:t>−</m:t>
+                        </m:r>
+                        <m:r>
+                          <m:t>t</m:t>
+                        </m:r>
+                      </m:e>
+                    </m:d>
+                  </m:oMath>
+                </a14:m>
+                <a:r>
+                  <a:rPr/>
+                  <a:t> is the version of </a:t>
+                </a:r>
+                <a14:m>
+                  <m:oMath xmlns:m="http://schemas.openxmlformats.org/officeDocument/2006/math">
+                    <m:r>
+                      <m:t>x</m:t>
+                    </m:r>
+                    <m:d>
+                      <m:dPr>
+                        <m:begChr m:val="("/>
+                        <m:endChr m:val=")"/>
+                        <m:sepChr m:val=""/>
+                        <m:grow/>
+                      </m:dPr>
+                      <m:e>
+                        <m:r>
+                          <m:t>t</m:t>
+                        </m:r>
+                      </m:e>
+                    </m:d>
+                  </m:oMath>
+                </a14:m>
+                <a:r>
+                  <a:rPr/>
+                  <a:t> reflected about the origin (</a:t>
+                </a:r>
+                <a14:m>
+                  <m:oMath xmlns:m="http://schemas.openxmlformats.org/officeDocument/2006/math">
+                    <m:r>
+                      <m:t>t</m:t>
+                    </m:r>
+                    <m:r>
+                      <m:rPr>
+                        <m:sty m:val="p"/>
+                      </m:rPr>
+                      <m:t>=</m:t>
+                    </m:r>
+                    <m:r>
+                      <m:t>0</m:t>
+                    </m:r>
+                  </m:oMath>
+                </a14:m>
+                <a:r>
+                  <a:rPr/>
+                  <a:t>).</a:t>
+                </a:r>
+              </a:p>
+              <a:p>
+                <a:pPr lvl="0"/>
+                <a:r>
+                  <a:rPr/>
+                  <a:t>If you were to play a tape recording of </a:t>
+                </a:r>
+                <a14:m>
+                  <m:oMath xmlns:m="http://schemas.openxmlformats.org/officeDocument/2006/math">
+                    <m:r>
+                      <m:t>x</m:t>
+                    </m:r>
+                    <m:d>
+                      <m:dPr>
+                        <m:begChr m:val="("/>
+                        <m:endChr m:val=")"/>
+                        <m:sepChr m:val=""/>
+                        <m:grow/>
+                      </m:dPr>
+                      <m:e>
+                        <m:r>
+                          <m:t>t</m:t>
+                        </m:r>
+                      </m:e>
+                    </m:d>
+                  </m:oMath>
+                </a14:m>
+                <a:r>
+                  <a:rPr/>
+                  <a:t> backward, you would hear </a:t>
+                </a:r>
+                <a14:m>
+                  <m:oMath xmlns:m="http://schemas.openxmlformats.org/officeDocument/2006/math">
+                    <m:r>
+                      <m:t>x</m:t>
+                    </m:r>
+                    <m:d>
+                      <m:dPr>
+                        <m:begChr m:val="("/>
+                        <m:endChr m:val=")"/>
+                        <m:sepChr m:val=""/>
+                        <m:grow/>
+                      </m:dPr>
+                      <m:e>
+                        <m:r>
+                          <m:rPr>
+                            <m:sty m:val="p"/>
+                          </m:rPr>
+                          <m:t>−</m:t>
+                        </m:r>
+                        <m:r>
+                          <m:t>t</m:t>
+                        </m:r>
+                      </m:e>
+                    </m:d>
+                  </m:oMath>
+                </a14:m>
+                <a:r>
+                  <a:rPr/>
+                  <a:t>.</a:t>
+                </a:r>
               </a:p>
               <a:p>
                 <a:pPr lvl="0" indent="0" marL="1270000">
@@ -3872,21 +5004,205 @@
                 </a:pPr>
                 <a:r>
                   <a:rPr sz="2000"/>
-                  <a:t>Speaker Notes: The original triangular pulse has a width of 2 (from -1 to 1). The compressed signal, x(2t), has its width halved to 1 (from -0.5 to 0.5). The stretched signal, x(0.5t), has its width doubled to 4 (from -2 to 2). This demonstrates the compression and stretching effect of time scaling.</a:t>
+                  <a:t>Speaker Notes: Time reversal is like looking in a mirror placed at time zero. The future becomes the past, and the past becomes the future. This operation is straightforward mathematically but has profound implications for concepts like causality, which we will discuss later.</a:t>
                 </a:r>
               </a:p>
-              <a:p>
-                <a:pPr lvl="0" indent="0" marL="0">
-                  <a:spcBef>
-                    <a:spcPts val="3000"/>
-                  </a:spcBef>
-                  <a:buNone/>
-                </a:pPr>
-                <a:r>
-                  <a:rPr b="1"/>
-                  <a:t>Periodic vs. Aperiodic Signals</a:t>
-                </a:r>
-              </a:p>
+            </p:txBody>
+          </p:sp>
+        </mc:Choice>
+      </mc:AlternateContent>
+    </p:spTree>
+  </p:cSld>
+</p:sld>
+</file>
+
+<file path=ppt/slides/slide24.xml><?xml version="1.0" encoding="utf-8"?>
+<p:sld xmlns:a="http://schemas.openxmlformats.org/drawingml/2006/main" xmlns:r="http://schemas.openxmlformats.org/officeDocument/2006/relationships" xmlns:p="http://schemas.openxmlformats.org/presentationml/2006/main">
+  <p:cSld>
+    <p:spTree>
+      <p:nvGrpSpPr>
+        <p:cNvPr id="1" name=""/>
+        <p:cNvGrpSpPr/>
+        <p:nvPr/>
+      </p:nvGrpSpPr>
+      <p:grpSpPr>
+        <a:xfrm>
+          <a:off x="0" y="0"/>
+          <a:ext cx="0" cy="0"/>
+          <a:chOff x="0" y="0"/>
+          <a:chExt cx="0" cy="0"/>
+        </a:xfrm>
+      </p:grpSpPr>
+      <p:sp>
+        <p:nvSpPr>
+          <p:cNvPr id="2" name="Title 1"/>
+          <p:cNvSpPr>
+            <a:spLocks noGrp="1"/>
+          </p:cNvSpPr>
+          <p:nvPr>
+            <p:ph type="title"/>
+          </p:nvPr>
+        </p:nvSpPr>
+        <p:spPr/>
+        <p:txBody>
+          <a:bodyPr/>
+          <a:lstStyle/>
+          <a:p>
+            <a:pPr lvl="0" indent="0" marL="0">
+              <a:buNone/>
+            </a:pPr>
+            <a:r>
+              <a:rPr/>
+              <a:t>Visualizing Time Reversal</a:t>
+            </a:r>
+          </a:p>
+        </p:txBody>
+      </p:sp>
+      <p:pic>
+        <p:nvPicPr>
+          <p:cNvPr descr="presentation_files/figure-pptx/time_reversal_plot-7.png" id="0" name="Picture 1"/>
+          <p:cNvPicPr>
+            <a:picLocks noGrp="1" noChangeAspect="1"/>
+          </p:cNvPicPr>
+          <p:nvPr/>
+        </p:nvPicPr>
+        <p:blipFill>
+          <a:blip r:embed="rId2"/>
+          <a:stretch>
+            <a:fillRect/>
+          </a:stretch>
+        </p:blipFill>
+        <p:spPr bwMode="auto">
+          <a:xfrm>
+            <a:off x="457200" y="1244600"/>
+            <a:ext cx="8229600" cy="3289300"/>
+          </a:xfrm>
+          <a:prstGeom prst="rect">
+            <a:avLst/>
+          </a:prstGeom>
+          <a:noFill/>
+          <a:ln w="9525">
+            <a:noFill/>
+            <a:headEnd/>
+            <a:tailEnd/>
+          </a:ln>
+        </p:spPr>
+      </p:pic>
+    </p:spTree>
+  </p:cSld>
+</p:sld>
+</file>
+
+<file path=ppt/slides/slide25.xml><?xml version="1.0" encoding="utf-8"?>
+<p:sld xmlns:a="http://schemas.openxmlformats.org/drawingml/2006/main" xmlns:r="http://schemas.openxmlformats.org/officeDocument/2006/relationships" xmlns:p="http://schemas.openxmlformats.org/presentationml/2006/main">
+  <p:cSld>
+    <p:spTree>
+      <p:nvGrpSpPr>
+        <p:cNvPr id="1" name=""/>
+        <p:cNvGrpSpPr/>
+        <p:nvPr/>
+      </p:nvGrpSpPr>
+      <p:grpSpPr>
+        <a:xfrm>
+          <a:off x="0" y="0"/>
+          <a:ext cx="0" cy="0"/>
+          <a:chOff x="0" y="0"/>
+          <a:chExt cx="0" cy="0"/>
+        </a:xfrm>
+      </p:grpSpPr>
+      <p:sp>
+        <p:nvSpPr>
+          <p:cNvPr id="3" name="Content Placeholder 2"/>
+          <p:cNvSpPr>
+            <a:spLocks noGrp="1"/>
+          </p:cNvSpPr>
+          <p:nvPr>
+            <p:ph idx="1"/>
+          </p:nvPr>
+        </p:nvSpPr>
+        <p:spPr/>
+        <p:txBody>
+          <a:bodyPr/>
+          <a:lstStyle/>
+          <a:p>
+            <a:pPr lvl="0" indent="0" marL="0">
+              <a:buNone/>
+            </a:pPr>
+          </a:p>
+          <a:p>
+            <a:pPr lvl="0" indent="0" marL="1270000">
+              <a:buNone/>
+            </a:pPr>
+            <a:r>
+              <a:rPr sz="2000"/>
+              <a:t>Speaker Notes: Here, the signal on the left is an asymmetric triangle. The signal on the right is its time-reversed counterpart. Notice how the ramp up from -1 to 1 in the original signal becomes a ramp down from -1 to 1 in the reversed signal, and the ramp down from 1 to 2 becomes a ramp up from -2 to -1.</a:t>
+            </a:r>
+          </a:p>
+        </p:txBody>
+      </p:sp>
+    </p:spTree>
+  </p:cSld>
+</p:sld>
+</file>
+
+<file path=ppt/slides/slide26.xml><?xml version="1.0" encoding="utf-8"?>
+<p:sld xmlns:a="http://schemas.openxmlformats.org/drawingml/2006/main" xmlns:r="http://schemas.openxmlformats.org/officeDocument/2006/relationships" xmlns:p="http://schemas.openxmlformats.org/presentationml/2006/main">
+  <p:cSld>
+    <p:spTree>
+      <p:nvGrpSpPr>
+        <p:cNvPr id="1" name=""/>
+        <p:cNvGrpSpPr/>
+        <p:nvPr/>
+      </p:nvGrpSpPr>
+      <p:grpSpPr>
+        <a:xfrm>
+          <a:off x="0" y="0"/>
+          <a:ext cx="0" cy="0"/>
+          <a:chOff x="0" y="0"/>
+          <a:chExt cx="0" cy="0"/>
+        </a:xfrm>
+      </p:grpSpPr>
+      <p:sp>
+        <p:nvSpPr>
+          <p:cNvPr id="2" name="Title 1"/>
+          <p:cNvSpPr>
+            <a:spLocks noGrp="1"/>
+          </p:cNvSpPr>
+          <p:nvPr>
+            <p:ph type="title"/>
+          </p:nvPr>
+        </p:nvSpPr>
+        <p:spPr/>
+        <p:txBody>
+          <a:bodyPr/>
+          <a:lstStyle/>
+          <a:p>
+            <a:pPr lvl="0" indent="0" marL="0">
+              <a:buNone/>
+            </a:pPr>
+            <a:r>
+              <a:rPr/>
+              <a:t>Periodic vs. Aperiodic Signals</a:t>
+            </a:r>
+          </a:p>
+        </p:txBody>
+      </p:sp>
+      <mc:AlternateContent xmlns:mc="http://schemas.openxmlformats.org/markup-compatibility/2006">
+        <mc:Choice xmlns:a14="http://schemas.microsoft.com/office/drawing/2010/main" Requires="a14">
+          <p:sp>
+            <p:nvSpPr>
+              <p:cNvPr id="3" name="Content Placeholder 2"/>
+              <p:cNvSpPr>
+                <a:spLocks noGrp="1"/>
+              </p:cNvSpPr>
+              <p:nvPr>
+                <p:ph idx="1"/>
+              </p:nvPr>
+            </p:nvSpPr>
+            <p:spPr/>
+            <p:txBody>
+              <a:bodyPr/>
+              <a:lstStyle/>
               <a:p>
                 <a:pPr lvl="0"/>
                 <a:r>
@@ -4191,22 +5507,57 @@
                   <a:t>Speaker Notes: Periodicity is a crucial concept, especially when we get to Fourier analysis. A periodic signal repeats itself exactly over a certain duration, the period. An aperiodic signal never repeats. Many signals in nature can be modeled as sums of periodic signals.</a:t>
                 </a:r>
               </a:p>
-              <a:p>
-                <a:pPr lvl="0" indent="0" marL="0">
-                  <a:spcBef>
-                    <a:spcPts val="3000"/>
-                  </a:spcBef>
-                  <a:buNone/>
-                </a:pPr>
-                <a:r>
-                  <a:rPr b="1"/>
-                  <a:t>Visualizing Periodicity</a:t>
-                </a:r>
-              </a:p>
             </p:txBody>
           </p:sp>
         </mc:Choice>
       </mc:AlternateContent>
+    </p:spTree>
+  </p:cSld>
+</p:sld>
+</file>
+
+<file path=ppt/slides/slide27.xml><?xml version="1.0" encoding="utf-8"?>
+<p:sld xmlns:a="http://schemas.openxmlformats.org/drawingml/2006/main" xmlns:r="http://schemas.openxmlformats.org/officeDocument/2006/relationships" xmlns:p="http://schemas.openxmlformats.org/presentationml/2006/main">
+  <p:cSld>
+    <p:spTree>
+      <p:nvGrpSpPr>
+        <p:cNvPr id="1" name=""/>
+        <p:cNvGrpSpPr/>
+        <p:nvPr/>
+      </p:nvGrpSpPr>
+      <p:grpSpPr>
+        <a:xfrm>
+          <a:off x="0" y="0"/>
+          <a:ext cx="0" cy="0"/>
+          <a:chOff x="0" y="0"/>
+          <a:chExt cx="0" cy="0"/>
+        </a:xfrm>
+      </p:grpSpPr>
+      <p:sp>
+        <p:nvSpPr>
+          <p:cNvPr id="2" name="Title 1"/>
+          <p:cNvSpPr>
+            <a:spLocks noGrp="1"/>
+          </p:cNvSpPr>
+          <p:nvPr>
+            <p:ph type="title"/>
+          </p:nvPr>
+        </p:nvSpPr>
+        <p:spPr/>
+        <p:txBody>
+          <a:bodyPr/>
+          <a:lstStyle/>
+          <a:p>
+            <a:pPr lvl="0" indent="0" marL="0">
+              <a:buNone/>
+            </a:pPr>
+            <a:r>
+              <a:rPr/>
+              <a:t>Visualizing Periodicity</a:t>
+            </a:r>
+          </a:p>
+        </p:txBody>
+      </p:sp>
       <p:pic>
         <p:nvPicPr>
           <p:cNvPr descr="presentation_files/figure-pptx/periodic_plot-9.png" id="0" name="Picture 1"/>
@@ -4223,8 +5574,8 @@
         </p:blipFill>
         <p:spPr bwMode="auto">
           <a:xfrm>
-            <a:off x="3568700" y="1117600"/>
-            <a:ext cx="5105400" cy="2552700"/>
+            <a:off x="1181100" y="1193800"/>
+            <a:ext cx="6781800" cy="3390900"/>
           </a:xfrm>
           <a:prstGeom prst="rect">
             <a:avLst/>
@@ -4242,7 +5593,7 @@
 </p:sld>
 </file>
 
-<file path=ppt/slides/slide13.xml><?xml version="1.0" encoding="utf-8"?>
+<file path=ppt/slides/slide28.xml><?xml version="1.0" encoding="utf-8"?>
 <p:sld xmlns:a="http://schemas.openxmlformats.org/drawingml/2006/main" xmlns:r="http://schemas.openxmlformats.org/officeDocument/2006/relationships" xmlns:p="http://schemas.openxmlformats.org/presentationml/2006/main">
   <p:cSld>
     <p:spTree>
@@ -4259,48 +5610,99 @@
           <a:chExt cx="0" cy="0"/>
         </a:xfrm>
       </p:grpSpPr>
+      <p:sp>
+        <p:nvSpPr>
+          <p:cNvPr id="3" name="Content Placeholder 2"/>
+          <p:cNvSpPr>
+            <a:spLocks noGrp="1"/>
+          </p:cNvSpPr>
+          <p:nvPr>
+            <p:ph idx="1"/>
+          </p:nvPr>
+        </p:nvSpPr>
+        <p:spPr/>
+        <p:txBody>
+          <a:bodyPr/>
+          <a:lstStyle/>
+          <a:p>
+            <a:pPr lvl="0" indent="0" marL="0">
+              <a:buNone/>
+            </a:pPr>
+          </a:p>
+          <a:p>
+            <a:pPr lvl="0" indent="0" marL="1270000">
+              <a:buNone/>
+            </a:pPr>
+            <a:r>
+              <a:rPr sz="2000"/>
+              <a:t>Speaker Notes: The top plot shows cos(t), which is clearly periodic. It repeats every 2*pi units. The bottom plot shows the sum of two sinusoids whose frequencies do not have a rational ratio (1 and sqrt(2)). The result is a signal that never exactly repeats its values, making it aperiodic.</a:t>
+            </a:r>
+          </a:p>
+        </p:txBody>
+      </p:sp>
+    </p:spTree>
+  </p:cSld>
+</p:sld>
+</file>
+
+<file path=ppt/slides/slide29.xml><?xml version="1.0" encoding="utf-8"?>
+<p:sld xmlns:a="http://schemas.openxmlformats.org/drawingml/2006/main" xmlns:r="http://schemas.openxmlformats.org/officeDocument/2006/relationships" xmlns:p="http://schemas.openxmlformats.org/presentationml/2006/main">
+  <p:cSld>
+    <p:spTree>
+      <p:nvGrpSpPr>
+        <p:cNvPr id="1" name=""/>
+        <p:cNvGrpSpPr/>
+        <p:nvPr/>
+      </p:nvGrpSpPr>
+      <p:grpSpPr>
+        <a:xfrm>
+          <a:off x="0" y="0"/>
+          <a:ext cx="0" cy="0"/>
+          <a:chOff x="0" y="0"/>
+          <a:chExt cx="0" cy="0"/>
+        </a:xfrm>
+      </p:grpSpPr>
+      <p:sp>
+        <p:nvSpPr>
+          <p:cNvPr id="2" name="Title 1"/>
+          <p:cNvSpPr>
+            <a:spLocks noGrp="1"/>
+          </p:cNvSpPr>
+          <p:nvPr>
+            <p:ph type="title"/>
+          </p:nvPr>
+        </p:nvSpPr>
+        <p:spPr/>
+        <p:txBody>
+          <a:bodyPr/>
+          <a:lstStyle/>
+          <a:p>
+            <a:pPr lvl="0" indent="0" marL="0">
+              <a:buNone/>
+            </a:pPr>
+            <a:r>
+              <a:rPr/>
+              <a:t>Even and Odd Signals</a:t>
+            </a:r>
+          </a:p>
+        </p:txBody>
+      </p:sp>
       <mc:AlternateContent xmlns:mc="http://schemas.openxmlformats.org/markup-compatibility/2006">
         <mc:Choice xmlns:a14="http://schemas.microsoft.com/office/drawing/2010/main" Requires="a14">
           <p:sp>
             <p:nvSpPr>
-              <p:cNvPr id="4" name="Text Placeholder 3"/>
+              <p:cNvPr id="3" name="Content Placeholder 2"/>
               <p:cNvSpPr>
                 <a:spLocks noGrp="1"/>
               </p:cNvSpPr>
               <p:nvPr>
-                <p:ph idx="2" sz="half" type="body"/>
+                <p:ph idx="1"/>
               </p:nvPr>
             </p:nvSpPr>
             <p:spPr/>
             <p:txBody>
               <a:bodyPr/>
               <a:lstStyle/>
-              <a:p>
-                <a:pPr lvl="0" indent="0" marL="0">
-                  <a:buNone/>
-                </a:pPr>
-              </a:p>
-              <a:p>
-                <a:pPr lvl="0" indent="0" marL="1270000">
-                  <a:buNone/>
-                </a:pPr>
-                <a:r>
-                  <a:rPr sz="2000"/>
-                  <a:t>Speaker Notes: The top plot shows cos(t), which is clearly periodic. It repeats every 2*pi units. The bottom plot shows the sum of two sinusoids whose frequencies do not have a rational ratio (1 and sqrt(2)). The result is a signal that never exactly repeats its values, making it aperiodic.</a:t>
-                </a:r>
-              </a:p>
-              <a:p>
-                <a:pPr lvl="0" indent="0" marL="0">
-                  <a:spcBef>
-                    <a:spcPts val="3000"/>
-                  </a:spcBef>
-                  <a:buNone/>
-                </a:pPr>
-                <a:r>
-                  <a:rPr b="1"/>
-                  <a:t>Even and Odd Signals</a:t>
-                </a:r>
-              </a:p>
               <a:p>
                 <a:pPr lvl="0"/>
                 <a:r>
@@ -4935,22 +6337,186 @@
                   <a:t>Speaker Notes: The concept of even and odd signals is a form of symmetry that simplifies analysis. The decomposition is unique and powerful. Knowing how a system responds to even or odd signals can tell us a lot about its overall behavior.</a:t>
                 </a:r>
               </a:p>
+            </p:txBody>
+          </p:sp>
+        </mc:Choice>
+      </mc:AlternateContent>
+    </p:spTree>
+  </p:cSld>
+</p:sld>
+</file>
+
+<file path=ppt/slides/slide3.xml><?xml version="1.0" encoding="utf-8"?>
+<p:sld xmlns:a="http://schemas.openxmlformats.org/drawingml/2006/main" xmlns:r="http://schemas.openxmlformats.org/officeDocument/2006/relationships" xmlns:p="http://schemas.openxmlformats.org/presentationml/2006/main">
+  <p:cSld>
+    <p:spTree>
+      <p:nvGrpSpPr>
+        <p:cNvPr id="1" name=""/>
+        <p:cNvGrpSpPr/>
+        <p:nvPr/>
+      </p:nvGrpSpPr>
+      <p:grpSpPr>
+        <a:xfrm>
+          <a:off x="0" y="0"/>
+          <a:ext cx="0" cy="0"/>
+          <a:chOff x="0" y="0"/>
+          <a:chExt cx="0" cy="0"/>
+        </a:xfrm>
+      </p:grpSpPr>
+      <p:sp>
+        <p:nvSpPr>
+          <p:cNvPr id="2" name="Title 1"/>
+          <p:cNvSpPr>
+            <a:spLocks noGrp="1"/>
+          </p:cNvSpPr>
+          <p:nvPr>
+            <p:ph type="title"/>
+          </p:nvPr>
+        </p:nvSpPr>
+        <p:spPr/>
+        <p:txBody>
+          <a:bodyPr/>
+          <a:lstStyle/>
+          <a:p>
+            <a:pPr lvl="0" indent="0" marL="0">
+              <a:buNone/>
+            </a:pPr>
+            <a:r>
+              <a:rPr/>
+              <a:t>What are Signals?</a:t>
+            </a:r>
+          </a:p>
+        </p:txBody>
+      </p:sp>
+      <mc:AlternateContent xmlns:mc="http://schemas.openxmlformats.org/markup-compatibility/2006">
+        <mc:Choice xmlns:a14="http://schemas.microsoft.com/office/drawing/2010/main" Requires="a14">
+          <p:sp>
+            <p:nvSpPr>
+              <p:cNvPr id="3" name="Content Placeholder 2"/>
+              <p:cNvSpPr>
+                <a:spLocks noGrp="1"/>
+              </p:cNvSpPr>
+              <p:nvPr>
+                <p:ph idx="1"/>
+              </p:nvPr>
+            </p:nvSpPr>
+            <p:spPr/>
+            <p:txBody>
+              <a:bodyPr/>
+              <a:lstStyle/>
               <a:p>
-                <a:pPr lvl="0" indent="0" marL="0">
-                  <a:spcBef>
-                    <a:spcPts val="3000"/>
-                  </a:spcBef>
-                  <a:buNone/>
-                </a:pPr>
-                <a:r>
-                  <a:rPr b="1"/>
-                  <a:t>Even/Odd Decomposition Example</a:t>
+                <a:pPr lvl="0"/>
+                <a:r>
+                  <a:rPr/>
+                  <a:t>Signals are functions of one or more independent variables that contain information about a physical phenomenon.</a:t>
+                </a:r>
+              </a:p>
+              <a:p>
+                <a:pPr lvl="0"/>
+                <a:r>
+                  <a:rPr/>
+                  <a:t>We represent signals mathematically as functions, like </a:t>
+                </a:r>
+                <a14:m>
+                  <m:oMath xmlns:m="http://schemas.openxmlformats.org/officeDocument/2006/math">
+                    <m:r>
+                      <m:t>x</m:t>
+                    </m:r>
+                    <m:d>
+                      <m:dPr>
+                        <m:begChr m:val="("/>
+                        <m:endChr m:val=")"/>
+                        <m:sepChr m:val=""/>
+                        <m:grow/>
+                      </m:dPr>
+                      <m:e>
+                        <m:r>
+                          <m:t>t</m:t>
+                        </m:r>
+                      </m:e>
+                    </m:d>
+                  </m:oMath>
+                </a14:m>
+                <a:r>
+                  <a:rPr/>
+                  <a:t> for continuous-time signals or </a:t>
+                </a:r>
+                <a14:m>
+                  <m:oMath xmlns:m="http://schemas.openxmlformats.org/officeDocument/2006/math">
+                    <m:r>
+                      <m:t>x</m:t>
+                    </m:r>
+                    <m:d>
+                      <m:dPr>
+                        <m:begChr m:val="["/>
+                        <m:endChr m:val="]"/>
+                        <m:sepChr m:val=""/>
+                        <m:grow/>
+                      </m:dPr>
+                      <m:e>
+                        <m:r>
+                          <m:t>n</m:t>
+                        </m:r>
+                      </m:e>
+                    </m:d>
+                  </m:oMath>
+                </a14:m>
+                <a:r>
+                  <a:rPr/>
+                  <a:t> for discrete-time signals.</a:t>
                 </a:r>
               </a:p>
             </p:txBody>
           </p:sp>
         </mc:Choice>
       </mc:AlternateContent>
+    </p:spTree>
+  </p:cSld>
+</p:sld>
+</file>
+
+<file path=ppt/slides/slide30.xml><?xml version="1.0" encoding="utf-8"?>
+<p:sld xmlns:a="http://schemas.openxmlformats.org/drawingml/2006/main" xmlns:r="http://schemas.openxmlformats.org/officeDocument/2006/relationships" xmlns:p="http://schemas.openxmlformats.org/presentationml/2006/main">
+  <p:cSld>
+    <p:spTree>
+      <p:nvGrpSpPr>
+        <p:cNvPr id="1" name=""/>
+        <p:cNvGrpSpPr/>
+        <p:nvPr/>
+      </p:nvGrpSpPr>
+      <p:grpSpPr>
+        <a:xfrm>
+          <a:off x="0" y="0"/>
+          <a:ext cx="0" cy="0"/>
+          <a:chOff x="0" y="0"/>
+          <a:chExt cx="0" cy="0"/>
+        </a:xfrm>
+      </p:grpSpPr>
+      <p:sp>
+        <p:nvSpPr>
+          <p:cNvPr id="2" name="Title 1"/>
+          <p:cNvSpPr>
+            <a:spLocks noGrp="1"/>
+          </p:cNvSpPr>
+          <p:nvPr>
+            <p:ph type="title"/>
+          </p:nvPr>
+        </p:nvSpPr>
+        <p:spPr/>
+        <p:txBody>
+          <a:bodyPr/>
+          <a:lstStyle/>
+          <a:p>
+            <a:pPr lvl="0" indent="0" marL="0">
+              <a:buNone/>
+            </a:pPr>
+            <a:r>
+              <a:rPr/>
+              <a:t>Even/Odd Decomposition Example</a:t>
+            </a:r>
+          </a:p>
+        </p:txBody>
+      </p:sp>
       <p:pic>
         <p:nvPicPr>
           <p:cNvPr descr="presentation_files/figure-pptx/even_odd_plot-1.png" id="0" name="Picture 1"/>
@@ -4967,8 +6533,8 @@
         </p:blipFill>
         <p:spPr bwMode="auto">
           <a:xfrm>
-            <a:off x="3568700" y="482600"/>
-            <a:ext cx="5105400" cy="3835400"/>
+            <a:off x="2311400" y="1193800"/>
+            <a:ext cx="4521200" cy="3390900"/>
           </a:xfrm>
           <a:prstGeom prst="rect">
             <a:avLst/>
@@ -4986,7 +6552,7 @@
 </p:sld>
 </file>
 
-<file path=ppt/slides/slide14.xml><?xml version="1.0" encoding="utf-8"?>
+<file path=ppt/slides/slide31.xml><?xml version="1.0" encoding="utf-8"?>
 <p:sld xmlns:a="http://schemas.openxmlformats.org/drawingml/2006/main" xmlns:r="http://schemas.openxmlformats.org/officeDocument/2006/relationships" xmlns:p="http://schemas.openxmlformats.org/presentationml/2006/main">
   <p:cSld>
     <p:spTree>
@@ -5038,7 +6604,7 @@
 </p:sld>
 </file>
 
-<file path=ppt/slides/slide15.xml><?xml version="1.0" encoding="utf-8"?>
+<file path=ppt/slides/slide32.xml><?xml version="1.0" encoding="utf-8"?>
 <p:sld xmlns:a="http://schemas.openxmlformats.org/drawingml/2006/main" xmlns:r="http://schemas.openxmlformats.org/officeDocument/2006/relationships" xmlns:p="http://schemas.openxmlformats.org/presentationml/2006/main">
   <p:cSld>
     <p:spTree>
@@ -5067,8 +6633,8 @@
         </p:nvSpPr>
         <p:spPr>
           <a:xfrm>
-            <a:off x="457201" y="204787"/>
-            <a:ext cx="3008313" cy="871538"/>
+            <a:off x="722313" y="3305176"/>
+            <a:ext cx="7772400" cy="1021556"/>
           </a:xfrm>
         </p:spPr>
         <p:txBody>
@@ -5081,6 +6647,53 @@
             <a:r>
               <a:rPr/>
               <a:t>Exponential and Sinusoidal Signals</a:t>
+            </a:r>
+          </a:p>
+        </p:txBody>
+      </p:sp>
+    </p:spTree>
+  </p:cSld>
+</p:sld>
+</file>
+
+<file path=ppt/slides/slide33.xml><?xml version="1.0" encoding="utf-8"?>
+<p:sld xmlns:a="http://schemas.openxmlformats.org/drawingml/2006/main" xmlns:r="http://schemas.openxmlformats.org/officeDocument/2006/relationships" xmlns:p="http://schemas.openxmlformats.org/presentationml/2006/main">
+  <p:cSld>
+    <p:spTree>
+      <p:nvGrpSpPr>
+        <p:cNvPr id="1" name=""/>
+        <p:cNvGrpSpPr/>
+        <p:nvPr/>
+      </p:nvGrpSpPr>
+      <p:grpSpPr>
+        <a:xfrm>
+          <a:off x="0" y="0"/>
+          <a:ext cx="0" cy="0"/>
+          <a:chOff x="0" y="0"/>
+          <a:chExt cx="0" cy="0"/>
+        </a:xfrm>
+      </p:grpSpPr>
+      <p:sp>
+        <p:nvSpPr>
+          <p:cNvPr id="2" name="Title 1"/>
+          <p:cNvSpPr>
+            <a:spLocks noGrp="1"/>
+          </p:cNvSpPr>
+          <p:nvPr>
+            <p:ph type="title"/>
+          </p:nvPr>
+        </p:nvSpPr>
+        <p:spPr/>
+        <p:txBody>
+          <a:bodyPr/>
+          <a:lstStyle/>
+          <a:p>
+            <a:pPr lvl="0" indent="0" marL="0">
+              <a:buNone/>
+            </a:pPr>
+            <a:r>
+              <a:rPr/>
+              <a:t>The Complex Exponential Signal</a:t>
             </a:r>
           </a:p>
         </p:txBody>
@@ -5089,30 +6702,18 @@
         <mc:Choice xmlns:a14="http://schemas.microsoft.com/office/drawing/2010/main" Requires="a14">
           <p:sp>
             <p:nvSpPr>
-              <p:cNvPr id="4" name="Text Placeholder 3"/>
+              <p:cNvPr id="3" name="Content Placeholder 2"/>
               <p:cNvSpPr>
                 <a:spLocks noGrp="1"/>
               </p:cNvSpPr>
               <p:nvPr>
-                <p:ph idx="2" sz="half" type="body"/>
+                <p:ph idx="1"/>
               </p:nvPr>
             </p:nvSpPr>
             <p:spPr/>
             <p:txBody>
               <a:bodyPr/>
               <a:lstStyle/>
-              <a:p>
-                <a:pPr lvl="0" indent="0" marL="0">
-                  <a:spcBef>
-                    <a:spcPts val="3000"/>
-                  </a:spcBef>
-                  <a:buNone/>
-                </a:pPr>
-                <a:r>
-                  <a:rPr b="1"/>
-                  <a:t>The Complex Exponential Signal</a:t>
-                </a:r>
-              </a:p>
               <a:p>
                 <a:pPr lvl="0"/>
                 <a:r>
@@ -5239,80 +6840,19 @@
                   <a:t>Speaker Notes: This signal is a fundamental building block. We will see that a huge class of signals can be represented as a sum of complex exponentials. Understanding their properties is key to the rest of the course. We will first look at the case where ‘a’ is purely real.</a:t>
                 </a:r>
               </a:p>
-              <a:p>
-                <a:pPr lvl="0" indent="0" marL="0">
-                  <a:spcBef>
-                    <a:spcPts val="3000"/>
-                  </a:spcBef>
-                  <a:buNone/>
-                </a:pPr>
-                <a:r>
-                  <a:rPr b="1"/>
-                  <a:t>Real Exponentials (</a:t>
-                </a:r>
-                <a14:m>
-                  <m:oMath xmlns:m="http://schemas.openxmlformats.org/officeDocument/2006/math">
-                    <m:r>
-                      <m:t>a</m:t>
-                    </m:r>
-                  </m:oMath>
-                </a14:m>
-                <a:r>
-                  <a:rPr b="1"/>
-                  <a:t> is real)</a:t>
-                </a:r>
-              </a:p>
-              <a:p>
-                <a:pPr lvl="0" indent="0">
-                  <a:buNone/>
-                </a:pPr>
-                <a:r>
-                  <a:rPr>
-                    <a:latin typeface="Courier"/>
-                  </a:rPr>
-                  <a:t>## (0.0, 81.89722504971635)</a:t>
-                </a:r>
-              </a:p>
             </p:txBody>
           </p:sp>
         </mc:Choice>
       </mc:AlternateContent>
-      <p:pic>
-        <p:nvPicPr>
-          <p:cNvPr descr="presentation_files/figure-pptx/real_exp_plot-1.png" id="0" name="Picture 1"/>
-          <p:cNvPicPr>
-            <a:picLocks noGrp="1" noChangeAspect="1"/>
-          </p:cNvPicPr>
-          <p:nvPr/>
-        </p:nvPicPr>
-        <p:blipFill>
-          <a:blip r:embed="rId2"/>
-          <a:stretch>
-            <a:fillRect/>
-          </a:stretch>
-        </p:blipFill>
-        <p:spPr bwMode="auto">
-          <a:xfrm>
-            <a:off x="3568700" y="863600"/>
-            <a:ext cx="5105400" cy="3060700"/>
-          </a:xfrm>
-          <a:prstGeom prst="rect">
-            <a:avLst/>
-          </a:prstGeom>
-          <a:noFill/>
-          <a:ln w="9525">
-            <a:noFill/>
-            <a:headEnd/>
-            <a:tailEnd/>
-          </a:ln>
-        </p:spPr>
-      </p:pic>
     </p:spTree>
   </p:cSld>
 </p:sld>
 </file>
 
-<file path=ppt/slides/slide16.xml><?xml version="1.0" encoding="utf-8"?>
+<file path=ppt/slides/slide34.xml><?xml version="1.0" encoding="UTF-8"?><p:sld xmlns:a="http://schemas.openxmlformats.org/drawingml/2006/main" xmlns:r="http://schemas.openxmlformats.org/officeDocument/2006/relationships" xmlns:p="http://schemas.openxmlformats.org/presentationml/2006/main"><p:cSld><p:spTree><p:nvGrpSpPr><p:cNvPr id="1" name="" /><p:cNvGrpSpPr /><p:nvPr /></p:nvGrpSpPr><p:grpSpPr><a:xfrm><a:off x="0" y="0" /><a:ext cx="0" cy="0" /><a:chOff x="0" y="0" /><a:chExt cx="0" cy="0" /></a:xfrm></p:grpSpPr><p:sp><p:nvSpPr><p:cNvPr id="2" name="Title 1" /><p:cNvSpPr><a:spLocks noGrp="1" /></p:cNvSpPr><p:nvPr><p:ph type="title" /></p:nvPr></p:nvSpPr><p:spPr><a:xfrm><a:off x="457201" y="204787" /><a:ext cx="3008313" cy="871538" /></a:xfrm></p:spPr><p:txBody><a:bodyPr /><a:lstStyle /><a:p><a:pPr lvl="0" indent="0" marL="0"><a:buNone /></a:pPr><a:r><a:rPr /><a:t>Real Exponentials (</a:t></a:r><a14:m><m:oMath xmlns:m="http://schemas.openxmlformats.org/officeDocument/2006/math"><m:r><m:t>a</m:t></m:r></m:oMath></a14:m><a:r><a:rPr /><a:t> is real)</a:t></a:r></a:p></p:txBody></p:sp><p:sp><p:nvSpPr><p:cNvPr id="4" name="Text Placeholder 3" /><p:cNvSpPr><a:spLocks noGrp="1" /></p:cNvSpPr><p:nvPr><p:ph idx="2" sz="half" type="body" /></p:nvPr></p:nvSpPr><p:spPr /><p:txBody><a:bodyPr /><a:lstStyle /><a:p><a:pPr lvl="0" indent="0"><a:buNone /></a:pPr><a:r><a:rPr><a:latin typeface="Courier" /></a:rPr><a:t>## (0.0, 81.89722504971635)</a:t></a:r></a:p></p:txBody></p:sp><p:pic><p:nvPicPr><p:cNvPr descr="presentation_files/figure-pptx/real_exp_plot-1.png" id="0" name="Picture 1" /><p:cNvPicPr><a:picLocks noGrp="1" noChangeAspect="1" /></p:cNvPicPr><p:nvPr /></p:nvPicPr><p:blipFill><a:blip r:embed="rId2" /><a:stretch><a:fillRect /></a:stretch></p:blipFill><p:spPr bwMode="auto"><a:xfrm><a:off x="3568700" y="863600" /><a:ext cx="5105400" cy="3060700" /></a:xfrm><a:prstGeom prst="rect"><a:avLst /></a:prstGeom><a:noFill /><a:ln w="9525"><a:noFill /><a:headEnd /><a:tailEnd /></a:ln></p:spPr></p:pic></p:spTree></p:cSld></p:sld>
+</file>
+
+<file path=ppt/slides/slide35.xml><?xml version="1.0" encoding="utf-8"?>
 <p:sld xmlns:a="http://schemas.openxmlformats.org/drawingml/2006/main" xmlns:r="http://schemas.openxmlformats.org/officeDocument/2006/relationships" xmlns:p="http://schemas.openxmlformats.org/presentationml/2006/main">
   <p:cSld>
     <p:spTree>
@@ -5329,364 +6869,102 @@
           <a:chExt cx="0" cy="0"/>
         </a:xfrm>
       </p:grpSpPr>
+      <p:sp>
+        <p:nvSpPr>
+          <p:cNvPr id="3" name="Content Placeholder 2"/>
+          <p:cNvSpPr>
+            <a:spLocks noGrp="1"/>
+          </p:cNvSpPr>
+          <p:nvPr>
+            <p:ph idx="1"/>
+          </p:nvPr>
+        </p:nvSpPr>
+        <p:spPr/>
+        <p:txBody>
+          <a:bodyPr/>
+          <a:lstStyle/>
+          <a:p>
+            <a:pPr lvl="0" indent="0" marL="0">
+              <a:buNone/>
+            </a:pPr>
+          </a:p>
+          <a:p>
+            <a:pPr lvl="0" indent="0" marL="1270000">
+              <a:buNone/>
+            </a:pPr>
+            <a:r>
+              <a:rPr sz="2000"/>
+              <a:t>Speaker Notes: This plot shows the behavior of the real exponential signal for a fixed C. When ‘a’ is positive (solid lines), the signal grows exponentially. The larger the value of ‘a’, the faster the growth. When ‘a’ is negative (dashed lines), the signal decays exponentially. The more negative ‘a’ is, the faster the decay. When a=0, the signal is a constant.</a:t>
+            </a:r>
+          </a:p>
+        </p:txBody>
+      </p:sp>
+    </p:spTree>
+  </p:cSld>
+</p:sld>
+</file>
+
+<file path=ppt/slides/slide36.xml><?xml version="1.0" encoding="UTF-8"?><p:sld xmlns:a="http://schemas.openxmlformats.org/drawingml/2006/main" xmlns:r="http://schemas.openxmlformats.org/officeDocument/2006/relationships" xmlns:p="http://schemas.openxmlformats.org/presentationml/2006/main"><p:cSld><p:spTree><p:nvGrpSpPr><p:cNvPr id="1" name="" /><p:cNvGrpSpPr /><p:nvPr /></p:nvGrpSpPr><p:grpSpPr><a:xfrm><a:off x="0" y="0" /><a:ext cx="0" cy="0" /><a:chOff x="0" y="0" /><a:chExt cx="0" cy="0" /></a:xfrm></p:grpSpPr><p:sp><p:nvSpPr><p:cNvPr id="2" name="Title 1" /><p:cNvSpPr><a:spLocks noGrp="1" /></p:cNvSpPr><p:nvPr><p:ph type="title" /></p:nvPr></p:nvSpPr><p:spPr /><p:txBody><a:bodyPr /><a:lstStyle /><a:p><a:pPr lvl="0" indent="0" marL="0"><a:buNone /></a:pPr><a:r><a:rPr /><a:t>Periodic Complex Exponentials (</a:t></a:r><a14:m><m:oMath xmlns:m="http://schemas.openxmlformats.org/officeDocument/2006/math"><m:r><m:t>a</m:t></m:r><m:r><m:rPr><m:sty m:val="p" /></m:rPr><m:t>=</m:t></m:r><m:r><m:t>j</m:t></m:r><m:r><m:t>ω</m:t></m:r></m:oMath></a14:m><a:r><a:rPr /><a:t>)</a:t></a:r></a:p></p:txBody></p:sp><mc:AlternateContent xmlns:mc="http://schemas.openxmlformats.org/markup-compatibility/2006"><mc:Choice xmlns:a14="http://schemas.microsoft.com/office/drawing/2010/main" Requires="a14"><p:sp><p:nvSpPr><p:cNvPr id="3" name="Content Placeholder 2" /><p:cNvSpPr><a:spLocks noGrp="1" /></p:cNvSpPr><p:nvPr><p:ph idx="1" /></p:nvPr></p:nvSpPr><p:spPr /><p:txBody><a:bodyPr /><a:lstStyle /><a:p><a:pPr lvl="0" /><a:r><a:rPr /><a:t>When </a:t></a:r><a14:m><m:oMath xmlns:m="http://schemas.openxmlformats.org/officeDocument/2006/math"><m:r><m:t>a</m:t></m:r></m:oMath></a14:m><a:r><a:rPr /><a:t> is purely imaginary, we get a periodic complex exponential:</a:t></a:r></a:p><a:p><a:pPr lvl="0" /><a14:m><m:oMathPara xmlns:m="http://schemas.openxmlformats.org/officeDocument/2006/math"><m:oMathParaPr><m:jc m:val="center" /></m:oMathParaPr><m:oMath><m:r><m:t>x</m:t></m:r><m:d><m:dPr><m:begChr m:val="(" /><m:endChr m:val=")" /><m:sepChr m:val="" /><m:grow /></m:dPr><m:e><m:r><m:t>t</m:t></m:r></m:e></m:d><m:r><m:rPr><m:sty m:val="p" /></m:rPr><m:t>=</m:t></m:r><m:sSup><m:e><m:r><m:t>e</m:t></m:r></m:e><m:sup><m:r><m:t>j</m:t></m:r><m:sSub><m:e><m:r><m:t>ω</m:t></m:r></m:e><m:sub><m:r><m:t>0</m:t></m:r></m:sub></m:sSub><m:r><m:t>t</m:t></m:r></m:sup></m:sSup></m:oMath></m:oMathPara></a14:m></a:p><a:p><a:pPr lvl="0" /><a:r><a:rPr /><a:t>By Euler’s relation, we can decompose this into real and imaginary sinusoidal parts:</a:t></a:r></a:p><a:p><a:pPr lvl="0" /><a14:m><m:oMathPara xmlns:m="http://schemas.openxmlformats.org/officeDocument/2006/math"><m:oMathParaPr><m:jc m:val="center" /></m:oMathParaPr><m:oMath><m:sSup><m:e><m:r><m:t>e</m:t></m:r></m:e><m:sup><m:r><m:t>j</m:t></m:r><m:sSub><m:e><m:r><m:t>ω</m:t></m:r></m:e><m:sub><m:r><m:t>0</m:t></m:r></m:sub></m:sSub><m:r><m:t>t</m:t></m:r></m:sup></m:sSup><m:r><m:rPr><m:sty m:val="p" /></m:rPr><m:t>=</m:t></m:r><m:r><m:rPr><m:sty m:val="p" /></m:rPr><m:t>cos</m:t></m:r><m:d><m:dPr><m:begChr m:val="(" /><m:endChr m:val=")" /><m:sepChr m:val="" /><m:grow /></m:dPr><m:e><m:sSub><m:e><m:r><m:t>ω</m:t></m:r></m:e><m:sub><m:r><m:t>0</m:t></m:r></m:sub></m:sSub><m:r><m:t>t</m:t></m:r></m:e></m:d><m:r><m:rPr><m:sty m:val="p" /></m:rPr><m:t>+</m:t></m:r><m:r><m:t>j</m:t></m:r><m:r><m:rPr><m:sty m:val="p" /></m:rPr><m:t>sin</m:t></m:r><m:d><m:dPr><m:begChr m:val="(" /><m:endChr m:val=")" /><m:sepChr m:val="" /><m:grow /></m:dPr><m:e><m:sSub><m:e><m:r><m:t>ω</m:t></m:r></m:e><m:sub><m:r><m:t>0</m:t></m:r></m:sub></m:sSub><m:r><m:t>t</m:t></m:r></m:e></m:d></m:oMath></m:oMathPara></a14:m></a:p><a:p><a:pPr lvl="0" /><a:r><a:rPr /><a:t>This signal is periodic with fundamental period </a:t></a:r><a14:m><m:oMath xmlns:m="http://schemas.openxmlformats.org/officeDocument/2006/math"><m:sSub><m:e><m:r><m:t>T</m:t></m:r></m:e><m:sub><m:r><m:t>0</m:t></m:r></m:sub></m:sSub><m:r><m:rPr><m:sty m:val="p" /></m:rPr><m:t>=</m:t></m:r><m:f><m:fPr><m:type m:val="bar" /></m:fPr><m:num><m:r><m:t>2</m:t></m:r><m:r><m:t>π</m:t></m:r></m:num><m:den><m:d><m:dPr><m:begChr m:val="|" /><m:endChr m:val="|" /><m:sepChr m:val="" /><m:grow /></m:dPr><m:e><m:sSub><m:e><m:r><m:t>ω</m:t></m:r></m:e><m:sub><m:r><m:t>0</m:t></m:r></m:sub></m:sSub></m:e></m:d></m:den></m:f></m:oMath></a14:m><a:r><a:rPr /><a:t>.</a:t></a:r></a:p><a:p><a:pPr lvl="0" indent="0" marL="1270000"><a:buNone /></a:pPr><a:r><a:rPr sz="2000" /><a:t>Speaker Notes: This is one of the most important signals in the entire field. The real and imaginary parts are sinusoids, which are fundamental to describing oscillations and periodic phenomena. The frequency is determined by omega_0.</a:t></a:r></a:p></p:txBody></p:sp></mc:Choice></mc:AlternateContent></p:spTree></p:cSld></p:sld>
+</file>
+
+<file path=ppt/slides/slide37.xml><?xml version="1.0" encoding="utf-8"?>
+<p:sld xmlns:a="http://schemas.openxmlformats.org/drawingml/2006/main" xmlns:r="http://schemas.openxmlformats.org/officeDocument/2006/relationships" xmlns:p="http://schemas.openxmlformats.org/presentationml/2006/main">
+  <p:cSld>
+    <p:spTree>
+      <p:nvGrpSpPr>
+        <p:cNvPr id="1" name=""/>
+        <p:cNvGrpSpPr/>
+        <p:nvPr/>
+      </p:nvGrpSpPr>
+      <p:grpSpPr>
+        <a:xfrm>
+          <a:off x="0" y="0"/>
+          <a:ext cx="0" cy="0"/>
+          <a:chOff x="0" y="0"/>
+          <a:chExt cx="0" cy="0"/>
+        </a:xfrm>
+      </p:grpSpPr>
+      <p:sp>
+        <p:nvSpPr>
+          <p:cNvPr id="2" name="Title 1"/>
+          <p:cNvSpPr>
+            <a:spLocks noGrp="1"/>
+          </p:cNvSpPr>
+          <p:nvPr>
+            <p:ph type="title"/>
+          </p:nvPr>
+        </p:nvSpPr>
+        <p:spPr/>
+        <p:txBody>
+          <a:bodyPr/>
+          <a:lstStyle/>
+          <a:p>
+            <a:pPr lvl="0" indent="0" marL="0">
+              <a:buNone/>
+            </a:pPr>
+            <a:r>
+              <a:rPr/>
+              <a:t>The Sinusoidal Signal</a:t>
+            </a:r>
+          </a:p>
+        </p:txBody>
+      </p:sp>
       <mc:AlternateContent xmlns:mc="http://schemas.openxmlformats.org/markup-compatibility/2006">
         <mc:Choice xmlns:a14="http://schemas.microsoft.com/office/drawing/2010/main" Requires="a14">
           <p:sp>
             <p:nvSpPr>
-              <p:cNvPr id="4" name="Text Placeholder 3"/>
+              <p:cNvPr id="3" name="Content Placeholder 2"/>
               <p:cNvSpPr>
                 <a:spLocks noGrp="1"/>
               </p:cNvSpPr>
               <p:nvPr>
-                <p:ph idx="2" sz="half" type="body"/>
+                <p:ph idx="1"/>
               </p:nvPr>
             </p:nvSpPr>
             <p:spPr/>
             <p:txBody>
               <a:bodyPr/>
               <a:lstStyle/>
-              <a:p>
-                <a:pPr lvl="0" indent="0" marL="0">
-                  <a:buNone/>
-                </a:pPr>
-              </a:p>
-              <a:p>
-                <a:pPr lvl="0" indent="0" marL="1270000">
-                  <a:buNone/>
-                </a:pPr>
-                <a:r>
-                  <a:rPr sz="2000"/>
-                  <a:t>Speaker Notes: This plot shows the behavior of the real exponential signal for a fixed C. When ‘a’ is positive (solid lines), the signal grows exponentially. The larger the value of ‘a’, the faster the growth. When ‘a’ is negative (dashed lines), the signal decays exponentially. The more negative ‘a’ is, the faster the decay. When a=0, the signal is a constant.</a:t>
-                </a:r>
-              </a:p>
-              <a:p>
-                <a:pPr lvl="0" indent="0" marL="0">
-                  <a:spcBef>
-                    <a:spcPts val="3000"/>
-                  </a:spcBef>
-                  <a:buNone/>
-                </a:pPr>
-                <a:r>
-                  <a:rPr b="1"/>
-                  <a:t>Periodic Complex Exponentials (</a:t>
-                </a:r>
-                <a14:m>
-                  <m:oMath xmlns:m="http://schemas.openxmlformats.org/officeDocument/2006/math">
-                    <m:r>
-                      <m:t>a</m:t>
-                    </m:r>
-                    <m:r>
-                      <m:rPr>
-                        <m:sty m:val="p"/>
-                      </m:rPr>
-                      <m:t>=</m:t>
-                    </m:r>
-                    <m:r>
-                      <m:t>j</m:t>
-                    </m:r>
-                    <m:r>
-                      <m:t>ω</m:t>
-                    </m:r>
-                  </m:oMath>
-                </a14:m>
-                <a:r>
-                  <a:rPr b="1"/>
-                  <a:t>)</a:t>
-                </a:r>
-              </a:p>
-              <a:p>
-                <a:pPr lvl="0"/>
-                <a:r>
-                  <a:rPr/>
-                  <a:t>When </a:t>
-                </a:r>
-                <a14:m>
-                  <m:oMath xmlns:m="http://schemas.openxmlformats.org/officeDocument/2006/math">
-                    <m:r>
-                      <m:t>a</m:t>
-                    </m:r>
-                  </m:oMath>
-                </a14:m>
-                <a:r>
-                  <a:rPr/>
-                  <a:t> is purely imaginary, we get a periodic complex exponential:</a:t>
-                </a:r>
-              </a:p>
-              <a:p>
-                <a:pPr lvl="0"/>
-                <a14:m>
-                  <m:oMathPara xmlns:m="http://schemas.openxmlformats.org/officeDocument/2006/math">
-                    <m:oMathParaPr>
-                      <m:jc m:val="center"/>
-                    </m:oMathParaPr>
-                    <m:oMath>
-                      <m:r>
-                        <m:t>x</m:t>
-                      </m:r>
-                      <m:d>
-                        <m:dPr>
-                          <m:begChr m:val="("/>
-                          <m:endChr m:val=")"/>
-                          <m:sepChr m:val=""/>
-                          <m:grow/>
-                        </m:dPr>
-                        <m:e>
-                          <m:r>
-                            <m:t>t</m:t>
-                          </m:r>
-                        </m:e>
-                      </m:d>
-                      <m:r>
-                        <m:rPr>
-                          <m:sty m:val="p"/>
-                        </m:rPr>
-                        <m:t>=</m:t>
-                      </m:r>
-                      <m:sSup>
-                        <m:e>
-                          <m:r>
-                            <m:t>e</m:t>
-                          </m:r>
-                        </m:e>
-                        <m:sup>
-                          <m:r>
-                            <m:t>j</m:t>
-                          </m:r>
-                          <m:sSub>
-                            <m:e>
-                              <m:r>
-                                <m:t>ω</m:t>
-                              </m:r>
-                            </m:e>
-                            <m:sub>
-                              <m:r>
-                                <m:t>0</m:t>
-                              </m:r>
-                            </m:sub>
-                          </m:sSub>
-                          <m:r>
-                            <m:t>t</m:t>
-                          </m:r>
-                        </m:sup>
-                      </m:sSup>
-                    </m:oMath>
-                  </m:oMathPara>
-                </a14:m>
-              </a:p>
-              <a:p>
-                <a:pPr lvl="0"/>
-                <a:r>
-                  <a:rPr/>
-                  <a:t>By Euler’s relation, we can decompose this into real and imaginary sinusoidal parts:</a:t>
-                </a:r>
-              </a:p>
-              <a:p>
-                <a:pPr lvl="0"/>
-                <a14:m>
-                  <m:oMathPara xmlns:m="http://schemas.openxmlformats.org/officeDocument/2006/math">
-                    <m:oMathParaPr>
-                      <m:jc m:val="center"/>
-                    </m:oMathParaPr>
-                    <m:oMath>
-                      <m:sSup>
-                        <m:e>
-                          <m:r>
-                            <m:t>e</m:t>
-                          </m:r>
-                        </m:e>
-                        <m:sup>
-                          <m:r>
-                            <m:t>j</m:t>
-                          </m:r>
-                          <m:sSub>
-                            <m:e>
-                              <m:r>
-                                <m:t>ω</m:t>
-                              </m:r>
-                            </m:e>
-                            <m:sub>
-                              <m:r>
-                                <m:t>0</m:t>
-                              </m:r>
-                            </m:sub>
-                          </m:sSub>
-                          <m:r>
-                            <m:t>t</m:t>
-                          </m:r>
-                        </m:sup>
-                      </m:sSup>
-                      <m:r>
-                        <m:rPr>
-                          <m:sty m:val="p"/>
-                        </m:rPr>
-                        <m:t>=</m:t>
-                      </m:r>
-                      <m:r>
-                        <m:rPr>
-                          <m:sty m:val="p"/>
-                        </m:rPr>
-                        <m:t>cos</m:t>
-                      </m:r>
-                      <m:d>
-                        <m:dPr>
-                          <m:begChr m:val="("/>
-                          <m:endChr m:val=")"/>
-                          <m:sepChr m:val=""/>
-                          <m:grow/>
-                        </m:dPr>
-                        <m:e>
-                          <m:sSub>
-                            <m:e>
-                              <m:r>
-                                <m:t>ω</m:t>
-                              </m:r>
-                            </m:e>
-                            <m:sub>
-                              <m:r>
-                                <m:t>0</m:t>
-                              </m:r>
-                            </m:sub>
-                          </m:sSub>
-                          <m:r>
-                            <m:t>t</m:t>
-                          </m:r>
-                        </m:e>
-                      </m:d>
-                      <m:r>
-                        <m:rPr>
-                          <m:sty m:val="p"/>
-                        </m:rPr>
-                        <m:t>+</m:t>
-                      </m:r>
-                      <m:r>
-                        <m:t>j</m:t>
-                      </m:r>
-                      <m:r>
-                        <m:rPr>
-                          <m:sty m:val="p"/>
-                        </m:rPr>
-                        <m:t>sin</m:t>
-                      </m:r>
-                      <m:d>
-                        <m:dPr>
-                          <m:begChr m:val="("/>
-                          <m:endChr m:val=")"/>
-                          <m:sepChr m:val=""/>
-                          <m:grow/>
-                        </m:dPr>
-                        <m:e>
-                          <m:sSub>
-                            <m:e>
-                              <m:r>
-                                <m:t>ω</m:t>
-                              </m:r>
-                            </m:e>
-                            <m:sub>
-                              <m:r>
-                                <m:t>0</m:t>
-                              </m:r>
-                            </m:sub>
-                          </m:sSub>
-                          <m:r>
-                            <m:t>t</m:t>
-                          </m:r>
-                        </m:e>
-                      </m:d>
-                    </m:oMath>
-                  </m:oMathPara>
-                </a14:m>
-              </a:p>
-              <a:p>
-                <a:pPr lvl="0"/>
-                <a:r>
-                  <a:rPr/>
-                  <a:t>This signal is periodic with fundamental period </a:t>
-                </a:r>
-                <a14:m>
-                  <m:oMath xmlns:m="http://schemas.openxmlformats.org/officeDocument/2006/math">
-                    <m:sSub>
-                      <m:e>
-                        <m:r>
-                          <m:t>T</m:t>
-                        </m:r>
-                      </m:e>
-                      <m:sub>
-                        <m:r>
-                          <m:t>0</m:t>
-                        </m:r>
-                      </m:sub>
-                    </m:sSub>
-                    <m:r>
-                      <m:rPr>
-                        <m:sty m:val="p"/>
-                      </m:rPr>
-                      <m:t>=</m:t>
-                    </m:r>
-                    <m:f>
-                      <m:fPr>
-                        <m:type m:val="bar"/>
-                      </m:fPr>
-                      <m:num>
-                        <m:r>
-                          <m:t>2</m:t>
-                        </m:r>
-                        <m:r>
-                          <m:t>π</m:t>
-                        </m:r>
-                      </m:num>
-                      <m:den>
-                        <m:d>
-                          <m:dPr>
-                            <m:begChr m:val="|"/>
-                            <m:endChr m:val="|"/>
-                            <m:sepChr m:val=""/>
-                            <m:grow/>
-                          </m:dPr>
-                          <m:e>
-                            <m:sSub>
-                              <m:e>
-                                <m:r>
-                                  <m:t>ω</m:t>
-                                </m:r>
-                              </m:e>
-                              <m:sub>
-                                <m:r>
-                                  <m:t>0</m:t>
-                                </m:r>
-                              </m:sub>
-                            </m:sSub>
-                          </m:e>
-                        </m:d>
-                      </m:den>
-                    </m:f>
-                  </m:oMath>
-                </a14:m>
-                <a:r>
-                  <a:rPr/>
-                  <a:t>.</a:t>
-                </a:r>
-              </a:p>
-              <a:p>
-                <a:pPr lvl="0" indent="0" marL="1270000">
-                  <a:buNone/>
-                </a:pPr>
-                <a:r>
-                  <a:rPr sz="2000"/>
-                  <a:t>Speaker Notes: This is one of the most important signals in the entire field. The real and imaginary parts are sinusoids, which are fundamental to describing oscillations and periodic phenomena. The frequency is determined by omega_0.</a:t>
-                </a:r>
-              </a:p>
-              <a:p>
-                <a:pPr lvl="0" indent="0" marL="0">
-                  <a:spcBef>
-                    <a:spcPts val="3000"/>
-                  </a:spcBef>
-                  <a:buNone/>
-                </a:pPr>
-                <a:r>
-                  <a:rPr b="1"/>
-                  <a:t>The Sinusoidal Signal</a:t>
-                </a:r>
-              </a:p>
               <a:p>
                 <a:pPr lvl="0"/>
                 <a:r>
@@ -6052,80 +7330,19 @@
                   <a:t>Speaker Notes: We will frequently move back and forth between the sinusoidal representation and the complex exponential representation. The complex exponential form is often easier to manipulate mathematically, but the sinusoid is what we often measure in the real world (e.g., voltage, pressure).</a:t>
                 </a:r>
               </a:p>
-              <a:p>
-                <a:pPr lvl="0" indent="0" marL="0">
-                  <a:spcBef>
-                    <a:spcPts val="3000"/>
-                  </a:spcBef>
-                  <a:buNone/>
-                </a:pPr>
-                <a:r>
-                  <a:rPr b="1"/>
-                  <a:t>Visualizing </a:t>
-                </a:r>
-                <a14:m>
-                  <m:oMath xmlns:m="http://schemas.openxmlformats.org/officeDocument/2006/math">
-                    <m:sSup>
-                      <m:e>
-                        <m:r>
-                          <m:t>e</m:t>
-                        </m:r>
-                      </m:e>
-                      <m:sup>
-                        <m:r>
-                          <m:t>j</m:t>
-                        </m:r>
-                        <m:r>
-                          <m:t>ω</m:t>
-                        </m:r>
-                        <m:r>
-                          <m:t>t</m:t>
-                        </m:r>
-                      </m:sup>
-                    </m:sSup>
-                  </m:oMath>
-                </a14:m>
-              </a:p>
             </p:txBody>
           </p:sp>
         </mc:Choice>
       </mc:AlternateContent>
-      <p:pic>
-        <p:nvPicPr>
-          <p:cNvPr descr="presentation_files/figure-pptx/complex_exp_plot-3.png" id="0" name="Picture 1"/>
-          <p:cNvPicPr>
-            <a:picLocks noGrp="1" noChangeAspect="1"/>
-          </p:cNvPicPr>
-          <p:nvPr/>
-        </p:nvPicPr>
-        <p:blipFill>
-          <a:blip r:embed="rId2"/>
-          <a:stretch>
-            <a:fillRect/>
-          </a:stretch>
-        </p:blipFill>
-        <p:spPr bwMode="auto">
-          <a:xfrm>
-            <a:off x="3568700" y="800100"/>
-            <a:ext cx="5105400" cy="3187700"/>
-          </a:xfrm>
-          <a:prstGeom prst="rect">
-            <a:avLst/>
-          </a:prstGeom>
-          <a:noFill/>
-          <a:ln w="9525">
-            <a:noFill/>
-            <a:headEnd/>
-            <a:tailEnd/>
-          </a:ln>
-        </p:spPr>
-      </p:pic>
     </p:spTree>
   </p:cSld>
 </p:sld>
 </file>
 
-<file path=ppt/slides/slide17.xml><?xml version="1.0" encoding="utf-8"?>
+<file path=ppt/slides/slide38.xml><?xml version="1.0" encoding="UTF-8"?><p:sld xmlns:a="http://schemas.openxmlformats.org/drawingml/2006/main" xmlns:r="http://schemas.openxmlformats.org/officeDocument/2006/relationships" xmlns:p="http://schemas.openxmlformats.org/presentationml/2006/main"><p:cSld><p:spTree><p:nvGrpSpPr><p:cNvPr id="1" name="" /><p:cNvGrpSpPr /><p:nvPr /></p:nvGrpSpPr><p:grpSpPr><a:xfrm><a:off x="0" y="0" /><a:ext cx="0" cy="0" /><a:chOff x="0" y="0" /><a:chExt cx="0" cy="0" /></a:xfrm></p:grpSpPr><p:sp><p:nvSpPr><p:cNvPr id="2" name="Title 1" /><p:cNvSpPr><a:spLocks noGrp="1" /></p:cNvSpPr><p:nvPr><p:ph type="title" /></p:nvPr></p:nvSpPr><p:spPr /><p:txBody><a:bodyPr /><a:lstStyle /><a:p><a:pPr lvl="0" indent="0" marL="0"><a:buNone /></a:pPr><a:r><a:rPr /><a:t>Visualizing </a:t></a:r><a14:m><m:oMath xmlns:m="http://schemas.openxmlformats.org/officeDocument/2006/math"><m:sSup><m:e><m:r><m:t>e</m:t></m:r></m:e><m:sup><m:r><m:t>j</m:t></m:r><m:r><m:t>ω</m:t></m:r><m:r><m:t>t</m:t></m:r></m:sup></m:sSup></m:oMath></a14:m></a:p></p:txBody></p:sp><p:pic><p:nvPicPr><p:cNvPr descr="presentation_files/figure-pptx/complex_exp_plot-3.png" id="0" name="Picture 1" /><p:cNvPicPr><a:picLocks noGrp="1" noChangeAspect="1" /></p:cNvPicPr><p:nvPr /></p:nvPicPr><p:blipFill><a:blip r:embed="rId2" /><a:stretch><a:fillRect /></a:stretch></p:blipFill><p:spPr bwMode="auto"><a:xfrm><a:off x="1854200" y="1193800" /><a:ext cx="5422900" cy="3390900" /></a:xfrm><a:prstGeom prst="rect"><a:avLst /></a:prstGeom><a:noFill /><a:ln w="9525"><a:noFill /><a:headEnd /><a:tailEnd /></a:ln></p:spPr></p:pic></p:spTree></p:cSld></p:sld>
+</file>
+
+<file path=ppt/slides/slide39.xml><?xml version="1.0" encoding="utf-8"?>
 <p:sld xmlns:a="http://schemas.openxmlformats.org/drawingml/2006/main" xmlns:r="http://schemas.openxmlformats.org/officeDocument/2006/relationships" xmlns:p="http://schemas.openxmlformats.org/presentationml/2006/main">
   <p:cSld>
     <p:spTree>
@@ -6142,48 +7359,168 @@
           <a:chExt cx="0" cy="0"/>
         </a:xfrm>
       </p:grpSpPr>
+      <p:sp>
+        <p:nvSpPr>
+          <p:cNvPr id="3" name="Content Placeholder 2"/>
+          <p:cNvSpPr>
+            <a:spLocks noGrp="1"/>
+          </p:cNvSpPr>
+          <p:nvPr>
+            <p:ph idx="1"/>
+          </p:nvPr>
+        </p:nvSpPr>
+        <p:spPr/>
+        <p:txBody>
+          <a:bodyPr/>
+          <a:lstStyle/>
+          <a:p>
+            <a:pPr lvl="0" indent="0" marL="0">
+              <a:buNone/>
+            </a:pPr>
+          </a:p>
+          <a:p>
+            <a:pPr lvl="0" indent="0" marL="1270000">
+              <a:buNone/>
+            </a:pPr>
+            <a:r>
+              <a:rPr sz="2000"/>
+              <a:t>Speaker Notes: This plot shows the real part (cosine) and the imaginary part (sine) of the complex exponential signal. They are both sinusoids, but they are 90 degrees out of phase with each other. When the real part is at a maximum, the imaginary part is zero, and vice-versa.</a:t>
+            </a:r>
+          </a:p>
+        </p:txBody>
+      </p:sp>
+    </p:spTree>
+  </p:cSld>
+</p:sld>
+</file>
+
+<file path=ppt/slides/slide4.xml><?xml version="1.0" encoding="utf-8"?>
+<p:sld xmlns:a="http://schemas.openxmlformats.org/drawingml/2006/main" xmlns:r="http://schemas.openxmlformats.org/officeDocument/2006/relationships" xmlns:p="http://schemas.openxmlformats.org/presentationml/2006/main">
+  <p:cSld>
+    <p:spTree>
+      <p:nvGrpSpPr>
+        <p:cNvPr id="1" name=""/>
+        <p:cNvGrpSpPr/>
+        <p:nvPr/>
+      </p:nvGrpSpPr>
+      <p:grpSpPr>
+        <a:xfrm>
+          <a:off x="0" y="0"/>
+          <a:ext cx="0" cy="0"/>
+          <a:chOff x="0" y="0"/>
+          <a:chExt cx="0" cy="0"/>
+        </a:xfrm>
+      </p:grpSpPr>
+      <p:sp>
+        <p:nvSpPr>
+          <p:cNvPr id="3" name="Content Placeholder 2"/>
+          <p:cNvSpPr>
+            <a:spLocks noGrp="1"/>
+          </p:cNvSpPr>
+          <p:nvPr>
+            <p:ph idx="1"/>
+          </p:nvPr>
+        </p:nvSpPr>
+        <p:spPr/>
+        <p:txBody>
+          <a:bodyPr/>
+          <a:lstStyle/>
+          <a:p>
+            <a:pPr lvl="0"/>
+            <a:r>
+              <a:rPr b="1"/>
+              <a:t>Continuous-Time (CT) Signals:</a:t>
+            </a:r>
+            <a:r>
+              <a:rPr/>
+              <a:t> The independent variable is continuous. Examples include audio recordings and voltage in a circuit.</a:t>
+            </a:r>
+          </a:p>
+          <a:p>
+            <a:pPr lvl="0"/>
+            <a:r>
+              <a:rPr b="1"/>
+              <a:t>Discrete-Time (DT) Signals:</a:t>
+            </a:r>
+            <a:r>
+              <a:rPr/>
+              <a:t> The independent variable takes on only a discrete set of values. Examples include daily stock prices or digital images.</a:t>
+            </a:r>
+          </a:p>
+          <a:p>
+            <a:pPr lvl="0" indent="0" marL="1270000">
+              <a:buNone/>
+            </a:pPr>
+            <a:r>
+              <a:rPr sz="2000"/>
+              <a:t>Speaker Notes: Introduce the fundamental concepts of signals and systems. Use the examples from chapter1.md (RC circuit, automobile, speech) to illustrate the diversity of signals in the real world. Emphasize that the mathematical framework we’ll be learning is applicable across many different fields.</a:t>
+            </a:r>
+          </a:p>
+        </p:txBody>
+      </p:sp>
+    </p:spTree>
+  </p:cSld>
+</p:sld>
+</file>
+
+<file path=ppt/slides/slide40.xml><?xml version="1.0" encoding="utf-8"?>
+<p:sld xmlns:a="http://schemas.openxmlformats.org/drawingml/2006/main" xmlns:r="http://schemas.openxmlformats.org/officeDocument/2006/relationships" xmlns:p="http://schemas.openxmlformats.org/presentationml/2006/main">
+  <p:cSld>
+    <p:spTree>
+      <p:nvGrpSpPr>
+        <p:cNvPr id="1" name=""/>
+        <p:cNvGrpSpPr/>
+        <p:nvPr/>
+      </p:nvGrpSpPr>
+      <p:grpSpPr>
+        <a:xfrm>
+          <a:off x="0" y="0"/>
+          <a:ext cx="0" cy="0"/>
+          <a:chOff x="0" y="0"/>
+          <a:chExt cx="0" cy="0"/>
+        </a:xfrm>
+      </p:grpSpPr>
+      <p:sp>
+        <p:nvSpPr>
+          <p:cNvPr id="2" name="Title 1"/>
+          <p:cNvSpPr>
+            <a:spLocks noGrp="1"/>
+          </p:cNvSpPr>
+          <p:nvPr>
+            <p:ph type="title"/>
+          </p:nvPr>
+        </p:nvSpPr>
+        <p:spPr/>
+        <p:txBody>
+          <a:bodyPr/>
+          <a:lstStyle/>
+          <a:p>
+            <a:pPr lvl="0" indent="0" marL="0">
+              <a:buNone/>
+            </a:pPr>
+            <a:r>
+              <a:rPr/>
+              <a:t>Harmonically Related Exponentials</a:t>
+            </a:r>
+          </a:p>
+        </p:txBody>
+      </p:sp>
       <mc:AlternateContent xmlns:mc="http://schemas.openxmlformats.org/markup-compatibility/2006">
         <mc:Choice xmlns:a14="http://schemas.microsoft.com/office/drawing/2010/main" Requires="a14">
           <p:sp>
             <p:nvSpPr>
-              <p:cNvPr id="4" name="Text Placeholder 3"/>
+              <p:cNvPr id="3" name="Content Placeholder 2"/>
               <p:cNvSpPr>
                 <a:spLocks noGrp="1"/>
               </p:cNvSpPr>
               <p:nvPr>
-                <p:ph idx="2" sz="half" type="body"/>
+                <p:ph idx="1"/>
               </p:nvPr>
             </p:nvSpPr>
             <p:spPr/>
             <p:txBody>
               <a:bodyPr/>
               <a:lstStyle/>
-              <a:p>
-                <a:pPr lvl="0" indent="0" marL="0">
-                  <a:buNone/>
-                </a:pPr>
-              </a:p>
-              <a:p>
-                <a:pPr lvl="0" indent="0" marL="1270000">
-                  <a:buNone/>
-                </a:pPr>
-                <a:r>
-                  <a:rPr sz="2000"/>
-                  <a:t>Speaker Notes: This plot shows the real part (cosine) and the imaginary part (sine) of the complex exponential signal. They are both sinusoids, but they are 90 degrees out of phase with each other. When the real part is at a maximum, the imaginary part is zero, and vice-versa.</a:t>
-                </a:r>
-              </a:p>
-              <a:p>
-                <a:pPr lvl="0" indent="0" marL="0">
-                  <a:spcBef>
-                    <a:spcPts val="3000"/>
-                  </a:spcBef>
-                  <a:buNone/>
-                </a:pPr>
-                <a:r>
-                  <a:rPr b="1"/>
-                  <a:t>Harmonically Related Exponentials</a:t>
-                </a:r>
-              </a:p>
               <a:p>
                 <a:pPr lvl="0"/>
                 <a:r>
@@ -6484,22 +7821,57 @@
                   <a:t>Speaker Notes: The concept of harmonics is fundamental to music and, as we’ll see in Chapter 3, to the analysis of any periodic signal. It means that complex periodic signals can be broken down into a sum of simpler signals whose frequencies are neatly related as integer multiples.</a:t>
                 </a:r>
               </a:p>
-              <a:p>
-                <a:pPr lvl="0" indent="0" marL="0">
-                  <a:spcBef>
-                    <a:spcPts val="3000"/>
-                  </a:spcBef>
-                  <a:buNone/>
-                </a:pPr>
-                <a:r>
-                  <a:rPr b="1"/>
-                  <a:t>Visualizing Harmonics</a:t>
-                </a:r>
-              </a:p>
             </p:txBody>
           </p:sp>
         </mc:Choice>
       </mc:AlternateContent>
+    </p:spTree>
+  </p:cSld>
+</p:sld>
+</file>
+
+<file path=ppt/slides/slide41.xml><?xml version="1.0" encoding="utf-8"?>
+<p:sld xmlns:a="http://schemas.openxmlformats.org/drawingml/2006/main" xmlns:r="http://schemas.openxmlformats.org/officeDocument/2006/relationships" xmlns:p="http://schemas.openxmlformats.org/presentationml/2006/main">
+  <p:cSld>
+    <p:spTree>
+      <p:nvGrpSpPr>
+        <p:cNvPr id="1" name=""/>
+        <p:cNvGrpSpPr/>
+        <p:nvPr/>
+      </p:nvGrpSpPr>
+      <p:grpSpPr>
+        <a:xfrm>
+          <a:off x="0" y="0"/>
+          <a:ext cx="0" cy="0"/>
+          <a:chOff x="0" y="0"/>
+          <a:chExt cx="0" cy="0"/>
+        </a:xfrm>
+      </p:grpSpPr>
+      <p:sp>
+        <p:nvSpPr>
+          <p:cNvPr id="2" name="Title 1"/>
+          <p:cNvSpPr>
+            <a:spLocks noGrp="1"/>
+          </p:cNvSpPr>
+          <p:nvPr>
+            <p:ph type="title"/>
+          </p:nvPr>
+        </p:nvSpPr>
+        <p:spPr/>
+        <p:txBody>
+          <a:bodyPr/>
+          <a:lstStyle/>
+          <a:p>
+            <a:pPr lvl="0" indent="0" marL="0">
+              <a:buNone/>
+            </a:pPr>
+            <a:r>
+              <a:rPr/>
+              <a:t>Visualizing Harmonics</a:t>
+            </a:r>
+          </a:p>
+        </p:txBody>
+      </p:sp>
       <p:pic>
         <p:nvPicPr>
           <p:cNvPr descr="presentation_files/figure-pptx/harmonics_plot-1.png" id="0" name="Picture 1"/>
@@ -6516,8 +7888,8 @@
         </p:blipFill>
         <p:spPr bwMode="auto">
           <a:xfrm>
-            <a:off x="3568700" y="482600"/>
-            <a:ext cx="5105400" cy="3835400"/>
+            <a:off x="2311400" y="1193800"/>
+            <a:ext cx="4521200" cy="3390900"/>
           </a:xfrm>
           <a:prstGeom prst="rect">
             <a:avLst/>
@@ -6535,7 +7907,7 @@
 </p:sld>
 </file>
 
-<file path=ppt/slides/slide18.xml><?xml version="1.0" encoding="utf-8"?>
+<file path=ppt/slides/slide42.xml><?xml version="1.0" encoding="utf-8"?>
 <p:sld xmlns:a="http://schemas.openxmlformats.org/drawingml/2006/main" xmlns:r="http://schemas.openxmlformats.org/officeDocument/2006/relationships" xmlns:p="http://schemas.openxmlformats.org/presentationml/2006/main">
   <p:cSld>
     <p:spTree>
@@ -6552,16 +7924,96 @@
           <a:chExt cx="0" cy="0"/>
         </a:xfrm>
       </p:grpSpPr>
+      <p:sp>
+        <p:nvSpPr>
+          <p:cNvPr id="3" name="Content Placeholder 2"/>
+          <p:cNvSpPr>
+            <a:spLocks noGrp="1"/>
+          </p:cNvSpPr>
+          <p:nvPr>
+            <p:ph idx="1"/>
+          </p:nvPr>
+        </p:nvSpPr>
+        <p:spPr/>
+        <p:txBody>
+          <a:bodyPr/>
+          <a:lstStyle/>
+          <a:p>
+            <a:pPr lvl="0" indent="0" marL="0">
+              <a:buNone/>
+            </a:pPr>
+          </a:p>
+          <a:p>
+            <a:pPr lvl="0" indent="0" marL="1270000">
+              <a:buNone/>
+            </a:pPr>
+            <a:r>
+              <a:rPr sz="2000"/>
+              <a:t>Speaker Notes: This plot shows the first three harmonics of a signal with a fundamental frequency of 2. The top plot (k=1) shows the fundamental signal, which completes two cycles in this interval. The middle plot (k=2) is the second harmonic, which oscillates twice as fast. The bottom plot (k=3) is the third harmonic, oscillating three times as fast. All are periodic with the same fundamental period.</a:t>
+            </a:r>
+          </a:p>
+        </p:txBody>
+      </p:sp>
+    </p:spTree>
+  </p:cSld>
+</p:sld>
+</file>
+
+<file path=ppt/slides/slide43.xml><?xml version="1.0" encoding="UTF-8"?><p:sld xmlns:a="http://schemas.openxmlformats.org/drawingml/2006/main" xmlns:r="http://schemas.openxmlformats.org/officeDocument/2006/relationships" xmlns:p="http://schemas.openxmlformats.org/presentationml/2006/main"><p:cSld><p:spTree><p:nvGrpSpPr><p:cNvPr id="1" name="" /><p:cNvGrpSpPr /><p:nvPr /></p:nvGrpSpPr><p:grpSpPr><a:xfrm><a:off x="0" y="0" /><a:ext cx="0" cy="0" /><a:chOff x="0" y="0" /><a:chExt cx="0" cy="0" /></a:xfrm></p:grpSpPr><p:sp><p:nvSpPr><p:cNvPr id="2" name="Title 1" /><p:cNvSpPr><a:spLocks noGrp="1" /></p:cNvSpPr><p:nvPr><p:ph type="title" /></p:nvPr></p:nvSpPr><p:spPr /><p:txBody><a:bodyPr /><a:lstStyle /><a:p><a:pPr lvl="0" indent="0" marL="0"><a:buNone /></a:pPr><a:r><a:rPr /><a:t>General Complex Exponentials (</a:t></a:r><a14:m><m:oMath xmlns:m="http://schemas.openxmlformats.org/officeDocument/2006/math"><m:r><m:t>a</m:t></m:r><m:r><m:rPr><m:sty m:val="p" /></m:rPr><m:t>=</m:t></m:r><m:r><m:t>r</m:t></m:r><m:r><m:rPr><m:sty m:val="p" /></m:rPr><m:t>+</m:t></m:r><m:r><m:t>j</m:t></m:r><m:r><m:t>ω</m:t></m:r></m:oMath></a14:m><a:r><a:rPr /><a:t>)</a:t></a:r></a:p></p:txBody></p:sp><mc:AlternateContent xmlns:mc="http://schemas.openxmlformats.org/markup-compatibility/2006"><mc:Choice xmlns:a14="http://schemas.microsoft.com/office/drawing/2010/main" Requires="a14"><p:sp><p:nvSpPr><p:cNvPr id="3" name="Content Placeholder 2" /><p:cNvSpPr><a:spLocks noGrp="1" /></p:cNvSpPr><p:nvPr><p:ph idx="1" /></p:nvPr></p:nvSpPr><p:spPr /><p:txBody><a:bodyPr /><a:lstStyle /><a:p><a:pPr lvl="0" /><a:r><a:rPr /><a:t>When </a:t></a:r><a14:m><m:oMath xmlns:m="http://schemas.openxmlformats.org/officeDocument/2006/math"><m:r><m:t>a</m:t></m:r></m:oMath></a14:m><a:r><a:rPr /><a:t> is a general complex number, we combine the real and periodic cases.</a:t></a:r></a:p><a:p><a:pPr lvl="0" /><a14:m><m:oMathPara xmlns:m="http://schemas.openxmlformats.org/officeDocument/2006/math"><m:oMathParaPr><m:jc m:val="center" /></m:oMathParaPr><m:oMath><m:r><m:t>x</m:t></m:r><m:d><m:dPr><m:begChr m:val="(" /><m:endChr m:val=")" /><m:sepChr m:val="" /><m:grow /></m:dPr><m:e><m:r><m:t>t</m:t></m:r></m:e></m:d><m:r><m:rPr><m:sty m:val="p" /></m:rPr><m:t>=</m:t></m:r><m:r><m:t>C</m:t></m:r><m:sSup><m:e><m:r><m:t>e</m:t></m:r></m:e><m:sup><m:d><m:dPr><m:begChr m:val="(" /><m:endChr m:val=")" /><m:sepChr m:val="" /><m:grow /></m:dPr><m:e><m:r><m:t>r</m:t></m:r><m:r><m:rPr><m:sty m:val="p" /></m:rPr><m:t>+</m:t></m:r><m:r><m:t>j</m:t></m:r><m:sSub><m:e><m:r><m:t>ω</m:t></m:r></m:e><m:sub><m:r><m:t>0</m:t></m:r></m:sub></m:sSub></m:e></m:d><m:r><m:t>t</m:t></m:r></m:sup></m:sSup><m:r><m:rPr><m:sty m:val="p" /></m:rPr><m:t>=</m:t></m:r><m:r><m:t>C</m:t></m:r><m:sSup><m:e><m:r><m:t>e</m:t></m:r></m:e><m:sup><m:r><m:t>r</m:t></m:r><m:r><m:t>t</m:t></m:r></m:sup></m:sSup><m:sSup><m:e><m:r><m:t>e</m:t></m:r></m:e><m:sup><m:r><m:t>j</m:t></m:r><m:sSub><m:e><m:r><m:t>ω</m:t></m:r></m:e><m:sub><m:r><m:t>0</m:t></m:r></m:sub></m:sSub><m:r><m:t>t</m:t></m:r></m:sup></m:sSup></m:oMath></m:oMathPara></a14:m></a:p><a:p><a:pPr lvl="0" /><a:r><a:rPr /><a:t>This can be broken down into real and imaginary parts:</a:t></a:r></a:p><a:p><a:pPr lvl="0" /><a14:m><m:oMathPara xmlns:m="http://schemas.openxmlformats.org/officeDocument/2006/math"><m:oMathParaPr><m:jc m:val="center" /></m:oMathParaPr><m:oMath><m:r><m:t>x</m:t></m:r><m:d><m:dPr><m:begChr m:val="(" /><m:endChr m:val=")" /><m:sepChr m:val="" /><m:grow /></m:dPr><m:e><m:r><m:t>t</m:t></m:r></m:e></m:d><m:r><m:rPr><m:sty m:val="p" /></m:rPr><m:t>=</m:t></m:r><m:r><m:t>C</m:t></m:r><m:sSup><m:e><m:r><m:t>e</m:t></m:r></m:e><m:sup><m:r><m:t>r</m:t></m:r><m:r><m:t>t</m:t></m:r></m:sup></m:sSup><m:d><m:dPr><m:begChr m:val="(" /><m:endChr m:val=")" /><m:sepChr m:val="" /><m:grow /></m:dPr><m:e><m:r><m:rPr><m:sty m:val="p" /></m:rPr><m:t>cos</m:t></m:r><m:d><m:dPr><m:begChr m:val="(" /><m:endChr m:val=")" /><m:sepChr m:val="" /><m:grow /></m:dPr><m:e><m:sSub><m:e><m:r><m:t>ω</m:t></m:r></m:e><m:sub><m:r><m:t>0</m:t></m:r></m:sub></m:sSub><m:r><m:t>t</m:t></m:r></m:e></m:d><m:r><m:rPr><m:sty m:val="p" /></m:rPr><m:t>+</m:t></m:r><m:r><m:t>j</m:t></m:r><m:r><m:rPr><m:sty m:val="p" /></m:rPr><m:t>sin</m:t></m:r><m:d><m:dPr><m:begChr m:val="(" /><m:endChr m:val=")" /><m:sepChr m:val="" /><m:grow /></m:dPr><m:e><m:sSub><m:e><m:r><m:t>ω</m:t></m:r></m:e><m:sub><m:r><m:t>0</m:t></m:r></m:sub></m:sSub><m:r><m:t>t</m:t></m:r></m:e></m:d></m:e></m:d></m:oMath></m:oMathPara></a14:m></a:p><a:p><a:pPr lvl="0" /><a:r><a:rPr /><a:t>This represents a sinusoid whose amplitude is growing or decaying exponentially.</a:t></a:r></a:p><a:p><a:pPr lvl="0" indent="0" marL="1270000"><a:buNone /></a:pPr><a:r><a:rPr sz="2000" /><a:t>Speaker Notes: This is the most general form of the complex exponential. It’s a powerful signal that can represent pure growth/decay, pure oscillation, or, most interestingly, oscillations that grow or decay in amplitude over time.</a:t></a:r></a:p></p:txBody></p:sp></mc:Choice></mc:AlternateContent></p:spTree></p:cSld></p:sld>
+</file>
+
+<file path=ppt/slides/slide44.xml><?xml version="1.0" encoding="utf-8"?>
+<p:sld xmlns:a="http://schemas.openxmlformats.org/drawingml/2006/main" xmlns:r="http://schemas.openxmlformats.org/officeDocument/2006/relationships" xmlns:p="http://schemas.openxmlformats.org/presentationml/2006/main">
+  <p:cSld>
+    <p:spTree>
+      <p:nvGrpSpPr>
+        <p:cNvPr id="1" name=""/>
+        <p:cNvGrpSpPr/>
+        <p:nvPr/>
+      </p:nvGrpSpPr>
+      <p:grpSpPr>
+        <a:xfrm>
+          <a:off x="0" y="0"/>
+          <a:ext cx="0" cy="0"/>
+          <a:chOff x="0" y="0"/>
+          <a:chExt cx="0" cy="0"/>
+        </a:xfrm>
+      </p:grpSpPr>
+      <p:sp>
+        <p:nvSpPr>
+          <p:cNvPr id="2" name="Title 1"/>
+          <p:cNvSpPr>
+            <a:spLocks noGrp="1"/>
+          </p:cNvSpPr>
+          <p:nvPr>
+            <p:ph type="title"/>
+          </p:nvPr>
+        </p:nvSpPr>
+        <p:spPr/>
+        <p:txBody>
+          <a:bodyPr/>
+          <a:lstStyle/>
+          <a:p>
+            <a:pPr lvl="0" indent="0" marL="0">
+              <a:buNone/>
+            </a:pPr>
+            <a:r>
+              <a:rPr/>
+              <a:t>Damped Sinusoids</a:t>
+            </a:r>
+          </a:p>
+        </p:txBody>
+      </p:sp>
       <mc:AlternateContent xmlns:mc="http://schemas.openxmlformats.org/markup-compatibility/2006">
         <mc:Choice xmlns:a14="http://schemas.microsoft.com/office/drawing/2010/main" Requires="a14">
           <p:sp>
             <p:nvSpPr>
-              <p:cNvPr id="4" name="Text Placeholder 3"/>
+              <p:cNvPr id="3" name="Content Placeholder 2"/>
               <p:cNvSpPr>
                 <a:spLocks noGrp="1"/>
               </p:cNvSpPr>
               <p:nvPr>
-                <p:ph idx="2" sz="half" type="body"/>
+                <p:ph idx="1"/>
               </p:nvPr>
             </p:nvSpPr>
             <p:spPr/>
@@ -6569,9 +8021,64 @@
               <a:bodyPr/>
               <a:lstStyle/>
               <a:p>
-                <a:pPr lvl="0" indent="0" marL="0">
-                  <a:buNone/>
-                </a:pPr>
+                <a:pPr lvl="0"/>
+                <a:r>
+                  <a:rPr/>
+                  <a:t>A common case is the </a:t>
+                </a:r>
+                <a:r>
+                  <a:rPr b="1"/>
+                  <a:t>damped sinusoid</a:t>
+                </a:r>
+                <a:r>
+                  <a:rPr/>
+                  <a:t>, where the real part of </a:t>
+                </a:r>
+                <a14:m>
+                  <m:oMath xmlns:m="http://schemas.openxmlformats.org/officeDocument/2006/math">
+                    <m:r>
+                      <m:t>a</m:t>
+                    </m:r>
+                  </m:oMath>
+                </a14:m>
+                <a:r>
+                  <a:rPr/>
+                  <a:t> is negative (</a:t>
+                </a:r>
+                <a14:m>
+                  <m:oMath xmlns:m="http://schemas.openxmlformats.org/officeDocument/2006/math">
+                    <m:r>
+                      <m:t>r</m:t>
+                    </m:r>
+                    <m:r>
+                      <m:rPr>
+                        <m:sty m:val="p"/>
+                      </m:rPr>
+                      <m:t>&lt;</m:t>
+                    </m:r>
+                    <m:r>
+                      <m:t>0</m:t>
+                    </m:r>
+                  </m:oMath>
+                </a14:m>
+                <a:r>
+                  <a:rPr/>
+                  <a:t>).</a:t>
+                </a:r>
+              </a:p>
+              <a:p>
+                <a:pPr lvl="0"/>
+                <a:r>
+                  <a:rPr/>
+                  <a:t>These signals are sinusoids multiplied by a decaying exponential.</a:t>
+                </a:r>
+              </a:p>
+              <a:p>
+                <a:pPr lvl="0"/>
+                <a:r>
+                  <a:rPr/>
+                  <a:t>They are prevalent in physical systems with energy dissipation, like RLC circuits or mechanical systems with friction.</a:t>
+                </a:r>
               </a:p>
               <a:p>
                 <a:pPr lvl="0" indent="0" marL="1270000">
@@ -6579,458 +8086,60 @@
                 </a:pPr>
                 <a:r>
                   <a:rPr sz="2000"/>
-                  <a:t>Speaker Notes: This plot shows the first three harmonics of a signal with a fundamental frequency of 2. The top plot (k=1) shows the fundamental signal, which completes two cycles in this interval. The middle plot (k=2) is the second harmonic, which oscillates twice as fast. The bottom plot (k=3) is the third harmonic, oscillating three times as fast. All are periodic with the same fundamental period.</a:t>
-                </a:r>
-              </a:p>
-              <a:p>
-                <a:pPr lvl="0" indent="0" marL="0">
-                  <a:spcBef>
-                    <a:spcPts val="3000"/>
-                  </a:spcBef>
-                  <a:buNone/>
-                </a:pPr>
-                <a:r>
-                  <a:rPr b="1"/>
-                  <a:t>General Complex Exponentials (</a:t>
-                </a:r>
-                <a14:m>
-                  <m:oMath xmlns:m="http://schemas.openxmlformats.org/officeDocument/2006/math">
-                    <m:r>
-                      <m:t>a</m:t>
-                    </m:r>
-                    <m:r>
-                      <m:rPr>
-                        <m:sty m:val="p"/>
-                      </m:rPr>
-                      <m:t>=</m:t>
-                    </m:r>
-                    <m:r>
-                      <m:t>r</m:t>
-                    </m:r>
-                    <m:r>
-                      <m:rPr>
-                        <m:sty m:val="p"/>
-                      </m:rPr>
-                      <m:t>+</m:t>
-                    </m:r>
-                    <m:r>
-                      <m:t>j</m:t>
-                    </m:r>
-                    <m:r>
-                      <m:t>ω</m:t>
-                    </m:r>
-                  </m:oMath>
-                </a14:m>
-                <a:r>
-                  <a:rPr b="1"/>
-                  <a:t>)</a:t>
-                </a:r>
-              </a:p>
-              <a:p>
-                <a:pPr lvl="0"/>
-                <a:r>
-                  <a:rPr/>
-                  <a:t>When </a:t>
-                </a:r>
-                <a14:m>
-                  <m:oMath xmlns:m="http://schemas.openxmlformats.org/officeDocument/2006/math">
-                    <m:r>
-                      <m:t>a</m:t>
-                    </m:r>
-                  </m:oMath>
-                </a14:m>
-                <a:r>
-                  <a:rPr/>
-                  <a:t> is a general complex number, we combine the real and periodic cases.</a:t>
-                </a:r>
-              </a:p>
-              <a:p>
-                <a:pPr lvl="0"/>
-                <a14:m>
-                  <m:oMathPara xmlns:m="http://schemas.openxmlformats.org/officeDocument/2006/math">
-                    <m:oMathParaPr>
-                      <m:jc m:val="center"/>
-                    </m:oMathParaPr>
-                    <m:oMath>
-                      <m:r>
-                        <m:t>x</m:t>
-                      </m:r>
-                      <m:d>
-                        <m:dPr>
-                          <m:begChr m:val="("/>
-                          <m:endChr m:val=")"/>
-                          <m:sepChr m:val=""/>
-                          <m:grow/>
-                        </m:dPr>
-                        <m:e>
-                          <m:r>
-                            <m:t>t</m:t>
-                          </m:r>
-                        </m:e>
-                      </m:d>
-                      <m:r>
-                        <m:rPr>
-                          <m:sty m:val="p"/>
-                        </m:rPr>
-                        <m:t>=</m:t>
-                      </m:r>
-                      <m:r>
-                        <m:t>C</m:t>
-                      </m:r>
-                      <m:sSup>
-                        <m:e>
-                          <m:r>
-                            <m:t>e</m:t>
-                          </m:r>
-                        </m:e>
-                        <m:sup>
-                          <m:d>
-                            <m:dPr>
-                              <m:begChr m:val="("/>
-                              <m:endChr m:val=")"/>
-                              <m:sepChr m:val=""/>
-                              <m:grow/>
-                            </m:dPr>
-                            <m:e>
-                              <m:r>
-                                <m:t>r</m:t>
-                              </m:r>
-                              <m:r>
-                                <m:rPr>
-                                  <m:sty m:val="p"/>
-                                </m:rPr>
-                                <m:t>+</m:t>
-                              </m:r>
-                              <m:r>
-                                <m:t>j</m:t>
-                              </m:r>
-                              <m:sSub>
-                                <m:e>
-                                  <m:r>
-                                    <m:t>ω</m:t>
-                                  </m:r>
-                                </m:e>
-                                <m:sub>
-                                  <m:r>
-                                    <m:t>0</m:t>
-                                  </m:r>
-                                </m:sub>
-                              </m:sSub>
-                            </m:e>
-                          </m:d>
-                          <m:r>
-                            <m:t>t</m:t>
-                          </m:r>
-                        </m:sup>
-                      </m:sSup>
-                      <m:r>
-                        <m:rPr>
-                          <m:sty m:val="p"/>
-                        </m:rPr>
-                        <m:t>=</m:t>
-                      </m:r>
-                      <m:r>
-                        <m:t>C</m:t>
-                      </m:r>
-                      <m:sSup>
-                        <m:e>
-                          <m:r>
-                            <m:t>e</m:t>
-                          </m:r>
-                        </m:e>
-                        <m:sup>
-                          <m:r>
-                            <m:t>r</m:t>
-                          </m:r>
-                          <m:r>
-                            <m:t>t</m:t>
-                          </m:r>
-                        </m:sup>
-                      </m:sSup>
-                      <m:sSup>
-                        <m:e>
-                          <m:r>
-                            <m:t>e</m:t>
-                          </m:r>
-                        </m:e>
-                        <m:sup>
-                          <m:r>
-                            <m:t>j</m:t>
-                          </m:r>
-                          <m:sSub>
-                            <m:e>
-                              <m:r>
-                                <m:t>ω</m:t>
-                              </m:r>
-                            </m:e>
-                            <m:sub>
-                              <m:r>
-                                <m:t>0</m:t>
-                              </m:r>
-                            </m:sub>
-                          </m:sSub>
-                          <m:r>
-                            <m:t>t</m:t>
-                          </m:r>
-                        </m:sup>
-                      </m:sSup>
-                    </m:oMath>
-                  </m:oMathPara>
-                </a14:m>
-              </a:p>
-              <a:p>
-                <a:pPr lvl="0"/>
-                <a:r>
-                  <a:rPr/>
-                  <a:t>This can be broken down into real and imaginary parts:</a:t>
-                </a:r>
-              </a:p>
-              <a:p>
-                <a:pPr lvl="0"/>
-                <a14:m>
-                  <m:oMathPara xmlns:m="http://schemas.openxmlformats.org/officeDocument/2006/math">
-                    <m:oMathParaPr>
-                      <m:jc m:val="center"/>
-                    </m:oMathParaPr>
-                    <m:oMath>
-                      <m:r>
-                        <m:t>x</m:t>
-                      </m:r>
-                      <m:d>
-                        <m:dPr>
-                          <m:begChr m:val="("/>
-                          <m:endChr m:val=")"/>
-                          <m:sepChr m:val=""/>
-                          <m:grow/>
-                        </m:dPr>
-                        <m:e>
-                          <m:r>
-                            <m:t>t</m:t>
-                          </m:r>
-                        </m:e>
-                      </m:d>
-                      <m:r>
-                        <m:rPr>
-                          <m:sty m:val="p"/>
-                        </m:rPr>
-                        <m:t>=</m:t>
-                      </m:r>
-                      <m:r>
-                        <m:t>C</m:t>
-                      </m:r>
-                      <m:sSup>
-                        <m:e>
-                          <m:r>
-                            <m:t>e</m:t>
-                          </m:r>
-                        </m:e>
-                        <m:sup>
-                          <m:r>
-                            <m:t>r</m:t>
-                          </m:r>
-                          <m:r>
-                            <m:t>t</m:t>
-                          </m:r>
-                        </m:sup>
-                      </m:sSup>
-                      <m:d>
-                        <m:dPr>
-                          <m:begChr m:val="("/>
-                          <m:endChr m:val=")"/>
-                          <m:sepChr m:val=""/>
-                          <m:grow/>
-                        </m:dPr>
-                        <m:e>
-                          <m:r>
-                            <m:rPr>
-                              <m:sty m:val="p"/>
-                            </m:rPr>
-                            <m:t>cos</m:t>
-                          </m:r>
-                          <m:d>
-                            <m:dPr>
-                              <m:begChr m:val="("/>
-                              <m:endChr m:val=")"/>
-                              <m:sepChr m:val=""/>
-                              <m:grow/>
-                            </m:dPr>
-                            <m:e>
-                              <m:sSub>
-                                <m:e>
-                                  <m:r>
-                                    <m:t>ω</m:t>
-                                  </m:r>
-                                </m:e>
-                                <m:sub>
-                                  <m:r>
-                                    <m:t>0</m:t>
-                                  </m:r>
-                                </m:sub>
-                              </m:sSub>
-                              <m:r>
-                                <m:t>t</m:t>
-                              </m:r>
-                            </m:e>
-                          </m:d>
-                          <m:r>
-                            <m:rPr>
-                              <m:sty m:val="p"/>
-                            </m:rPr>
-                            <m:t>+</m:t>
-                          </m:r>
-                          <m:r>
-                            <m:t>j</m:t>
-                          </m:r>
-                          <m:r>
-                            <m:rPr>
-                              <m:sty m:val="p"/>
-                            </m:rPr>
-                            <m:t>sin</m:t>
-                          </m:r>
-                          <m:d>
-                            <m:dPr>
-                              <m:begChr m:val="("/>
-                              <m:endChr m:val=")"/>
-                              <m:sepChr m:val=""/>
-                              <m:grow/>
-                            </m:dPr>
-                            <m:e>
-                              <m:sSub>
-                                <m:e>
-                                  <m:r>
-                                    <m:t>ω</m:t>
-                                  </m:r>
-                                </m:e>
-                                <m:sub>
-                                  <m:r>
-                                    <m:t>0</m:t>
-                                  </m:r>
-                                </m:sub>
-                              </m:sSub>
-                              <m:r>
-                                <m:t>t</m:t>
-                              </m:r>
-                            </m:e>
-                          </m:d>
-                        </m:e>
-                      </m:d>
-                    </m:oMath>
-                  </m:oMathPara>
-                </a14:m>
-              </a:p>
-              <a:p>
-                <a:pPr lvl="0"/>
-                <a:r>
-                  <a:rPr/>
-                  <a:t>This represents a sinusoid whose amplitude is growing or decaying exponentially.</a:t>
-                </a:r>
-              </a:p>
-              <a:p>
-                <a:pPr lvl="0" indent="0" marL="1270000">
-                  <a:buNone/>
-                </a:pPr>
-                <a:r>
-                  <a:rPr sz="2000"/>
-                  <a:t>Speaker Notes: This is the most general form of the complex exponential. It’s a powerful signal that can represent pure growth/decay, pure oscillation, or, most interestingly, oscillations that grow or decay in amplitude over time.</a:t>
-                </a:r>
-              </a:p>
-              <a:p>
-                <a:pPr lvl="0" indent="0" marL="0">
-                  <a:spcBef>
-                    <a:spcPts val="3000"/>
-                  </a:spcBef>
-                  <a:buNone/>
-                </a:pPr>
-                <a:r>
-                  <a:rPr b="1"/>
-                  <a:t>Damped Sinusoids</a:t>
-                </a:r>
-              </a:p>
-              <a:p>
-                <a:pPr lvl="0"/>
-                <a:r>
-                  <a:rPr/>
-                  <a:t>A common case is the </a:t>
-                </a:r>
-                <a:r>
-                  <a:rPr b="1"/>
-                  <a:t>damped sinusoid</a:t>
-                </a:r>
-                <a:r>
-                  <a:rPr/>
-                  <a:t>, where the real part of </a:t>
-                </a:r>
-                <a14:m>
-                  <m:oMath xmlns:m="http://schemas.openxmlformats.org/officeDocument/2006/math">
-                    <m:r>
-                      <m:t>a</m:t>
-                    </m:r>
-                  </m:oMath>
-                </a14:m>
-                <a:r>
-                  <a:rPr/>
-                  <a:t> is negative (</a:t>
-                </a:r>
-                <a14:m>
-                  <m:oMath xmlns:m="http://schemas.openxmlformats.org/officeDocument/2006/math">
-                    <m:r>
-                      <m:t>r</m:t>
-                    </m:r>
-                    <m:r>
-                      <m:rPr>
-                        <m:sty m:val="p"/>
-                      </m:rPr>
-                      <m:t>&lt;</m:t>
-                    </m:r>
-                    <m:r>
-                      <m:t>0</m:t>
-                    </m:r>
-                  </m:oMath>
-                </a14:m>
-                <a:r>
-                  <a:rPr/>
-                  <a:t>).</a:t>
-                </a:r>
-              </a:p>
-              <a:p>
-                <a:pPr lvl="0"/>
-                <a:r>
-                  <a:rPr/>
-                  <a:t>These signals are sinusoids multiplied by a decaying exponential.</a:t>
-                </a:r>
-              </a:p>
-              <a:p>
-                <a:pPr lvl="0"/>
-                <a:r>
-                  <a:rPr/>
-                  <a:t>They are prevalent in physical systems with energy dissipation, like RLC circuits or mechanical systems with friction.</a:t>
-                </a:r>
-              </a:p>
-              <a:p>
-                <a:pPr lvl="0" indent="0" marL="1270000">
-                  <a:buNone/>
-                </a:pPr>
-                <a:r>
-                  <a:rPr sz="2000"/>
                   <a:t>Speaker Notes: Damped sinusoids are what you see in the real world when something oscillates and then settles down. Think of a guitar string being plucked or a car’s suspension after hitting a bump. The oscillation is the sinusoidal part, and the settling down is the exponential decay.</a:t>
-                </a:r>
-              </a:p>
-              <a:p>
-                <a:pPr lvl="0" indent="0" marL="0">
-                  <a:spcBef>
-                    <a:spcPts val="3000"/>
-                  </a:spcBef>
-                  <a:buNone/>
-                </a:pPr>
-                <a:r>
-                  <a:rPr b="1"/>
-                  <a:t>Visualizing a Damped Sinusoid</a:t>
                 </a:r>
               </a:p>
             </p:txBody>
           </p:sp>
         </mc:Choice>
       </mc:AlternateContent>
+    </p:spTree>
+  </p:cSld>
+</p:sld>
+</file>
+
+<file path=ppt/slides/slide45.xml><?xml version="1.0" encoding="utf-8"?>
+<p:sld xmlns:a="http://schemas.openxmlformats.org/drawingml/2006/main" xmlns:r="http://schemas.openxmlformats.org/officeDocument/2006/relationships" xmlns:p="http://schemas.openxmlformats.org/presentationml/2006/main">
+  <p:cSld>
+    <p:spTree>
+      <p:nvGrpSpPr>
+        <p:cNvPr id="1" name=""/>
+        <p:cNvGrpSpPr/>
+        <p:nvPr/>
+      </p:nvGrpSpPr>
+      <p:grpSpPr>
+        <a:xfrm>
+          <a:off x="0" y="0"/>
+          <a:ext cx="0" cy="0"/>
+          <a:chOff x="0" y="0"/>
+          <a:chExt cx="0" cy="0"/>
+        </a:xfrm>
+      </p:grpSpPr>
+      <p:sp>
+        <p:nvSpPr>
+          <p:cNvPr id="2" name="Title 1"/>
+          <p:cNvSpPr>
+            <a:spLocks noGrp="1"/>
+          </p:cNvSpPr>
+          <p:nvPr>
+            <p:ph type="title"/>
+          </p:nvPr>
+        </p:nvSpPr>
+        <p:spPr/>
+        <p:txBody>
+          <a:bodyPr/>
+          <a:lstStyle/>
+          <a:p>
+            <a:pPr lvl="0" indent="0" marL="0">
+              <a:buNone/>
+            </a:pPr>
+            <a:r>
+              <a:rPr/>
+              <a:t>Visualizing a Damped Sinusoid</a:t>
+            </a:r>
+          </a:p>
+        </p:txBody>
+      </p:sp>
       <p:pic>
         <p:nvPicPr>
           <p:cNvPr descr="presentation_files/figure-pptx/damped_sinusoid_plot-1.png" id="0" name="Picture 1"/>
@@ -7047,8 +8156,8 @@
         </p:blipFill>
         <p:spPr bwMode="auto">
           <a:xfrm>
-            <a:off x="3568700" y="863600"/>
-            <a:ext cx="5105400" cy="3060700"/>
+            <a:off x="1752600" y="1193800"/>
+            <a:ext cx="5651500" cy="3390900"/>
           </a:xfrm>
           <a:prstGeom prst="rect">
             <a:avLst/>
@@ -7066,7 +8175,7 @@
 </p:sld>
 </file>
 
-<file path=ppt/slides/slide19.xml><?xml version="1.0" encoding="utf-8"?>
+<file path=ppt/slides/slide46.xml><?xml version="1.0" encoding="utf-8"?>
 <p:sld xmlns:a="http://schemas.openxmlformats.org/drawingml/2006/main" xmlns:r="http://schemas.openxmlformats.org/officeDocument/2006/relationships" xmlns:p="http://schemas.openxmlformats.org/presentationml/2006/main">
   <p:cSld>
     <p:spTree>
@@ -7083,48 +8192,99 @@
           <a:chExt cx="0" cy="0"/>
         </a:xfrm>
       </p:grpSpPr>
+      <p:sp>
+        <p:nvSpPr>
+          <p:cNvPr id="3" name="Content Placeholder 2"/>
+          <p:cNvSpPr>
+            <a:spLocks noGrp="1"/>
+          </p:cNvSpPr>
+          <p:nvPr>
+            <p:ph idx="1"/>
+          </p:nvPr>
+        </p:nvSpPr>
+        <p:spPr/>
+        <p:txBody>
+          <a:bodyPr/>
+          <a:lstStyle/>
+          <a:p>
+            <a:pPr lvl="0" indent="0" marL="0">
+              <a:buNone/>
+            </a:pPr>
+          </a:p>
+          <a:p>
+            <a:pPr lvl="0" indent="0" marL="1270000">
+              <a:buNone/>
+            </a:pPr>
+            <a:r>
+              <a:rPr sz="2000"/>
+              <a:t>Speaker Notes: This plot clearly illustrates the concept of a damped sinusoid. The blue curve is the signal itself, oscillating back and forth. The red dashed lines form the exponential envelope. The amplitude of the oscillations is bounded by this decaying envelope, showing how the signal loses energy over time.</a:t>
+            </a:r>
+          </a:p>
+        </p:txBody>
+      </p:sp>
+    </p:spTree>
+  </p:cSld>
+</p:sld>
+</file>
+
+<file path=ppt/slides/slide47.xml><?xml version="1.0" encoding="utf-8"?>
+<p:sld xmlns:a="http://schemas.openxmlformats.org/drawingml/2006/main" xmlns:r="http://schemas.openxmlformats.org/officeDocument/2006/relationships" xmlns:p="http://schemas.openxmlformats.org/presentationml/2006/main">
+  <p:cSld>
+    <p:spTree>
+      <p:nvGrpSpPr>
+        <p:cNvPr id="1" name=""/>
+        <p:cNvGrpSpPr/>
+        <p:nvPr/>
+      </p:nvGrpSpPr>
+      <p:grpSpPr>
+        <a:xfrm>
+          <a:off x="0" y="0"/>
+          <a:ext cx="0" cy="0"/>
+          <a:chOff x="0" y="0"/>
+          <a:chExt cx="0" cy="0"/>
+        </a:xfrm>
+      </p:grpSpPr>
+      <p:sp>
+        <p:nvSpPr>
+          <p:cNvPr id="2" name="Title 1"/>
+          <p:cNvSpPr>
+            <a:spLocks noGrp="1"/>
+          </p:cNvSpPr>
+          <p:nvPr>
+            <p:ph type="title"/>
+          </p:nvPr>
+        </p:nvSpPr>
+        <p:spPr/>
+        <p:txBody>
+          <a:bodyPr/>
+          <a:lstStyle/>
+          <a:p>
+            <a:pPr lvl="0" indent="0" marL="0">
+              <a:buNone/>
+            </a:pPr>
+            <a:r>
+              <a:rPr/>
+              <a:t>Discrete-Time Periodicity Rules (CRITICAL)</a:t>
+            </a:r>
+          </a:p>
+        </p:txBody>
+      </p:sp>
       <mc:AlternateContent xmlns:mc="http://schemas.openxmlformats.org/markup-compatibility/2006">
         <mc:Choice xmlns:a14="http://schemas.microsoft.com/office/drawing/2010/main" Requires="a14">
           <p:sp>
             <p:nvSpPr>
-              <p:cNvPr id="4" name="Text Placeholder 3"/>
+              <p:cNvPr id="3" name="Content Placeholder 2"/>
               <p:cNvSpPr>
                 <a:spLocks noGrp="1"/>
               </p:cNvSpPr>
               <p:nvPr>
-                <p:ph idx="2" sz="half" type="body"/>
+                <p:ph idx="1"/>
               </p:nvPr>
             </p:nvSpPr>
             <p:spPr/>
             <p:txBody>
               <a:bodyPr/>
               <a:lstStyle/>
-              <a:p>
-                <a:pPr lvl="0" indent="0" marL="0">
-                  <a:buNone/>
-                </a:pPr>
-              </a:p>
-              <a:p>
-                <a:pPr lvl="0" indent="0" marL="1270000">
-                  <a:buNone/>
-                </a:pPr>
-                <a:r>
-                  <a:rPr sz="2000"/>
-                  <a:t>Speaker Notes: This plot clearly illustrates the concept of a damped sinusoid. The blue curve is the signal itself, oscillating back and forth. The red dashed lines form the exponential envelope. The amplitude of the oscillations is bounded by this decaying envelope, showing how the signal loses energy over time.</a:t>
-                </a:r>
-              </a:p>
-              <a:p>
-                <a:pPr lvl="0" indent="0" marL="0">
-                  <a:spcBef>
-                    <a:spcPts val="3000"/>
-                  </a:spcBef>
-                  <a:buNone/>
-                </a:pPr>
-                <a:r>
-                  <a:rPr b="1"/>
-                  <a:t>Discrete-Time Periodicity Rules (CRITICAL)</a:t>
-                </a:r>
-              </a:p>
               <a:p>
                 <a:pPr lvl="0"/>
                 <a:r>
@@ -7414,58 +8574,16 @@
                   <a:t>pi.</a:t>
                 </a:r>
               </a:p>
-              <a:p>
-                <a:pPr lvl="0" indent="0" marL="0">
-                  <a:spcBef>
-                    <a:spcPts val="3000"/>
-                  </a:spcBef>
-                  <a:buNone/>
-                </a:pPr>
-                <a:r>
-                  <a:rPr b="1"/>
-                  <a:t>Discrete Periodicity Example</a:t>
-                </a:r>
-              </a:p>
             </p:txBody>
           </p:sp>
         </mc:Choice>
       </mc:AlternateContent>
-      <p:pic>
-        <p:nvPicPr>
-          <p:cNvPr descr="presentation_files/figure-pptx/dt_periodicity_plot-3.png" id="0" name="Picture 1"/>
-          <p:cNvPicPr>
-            <a:picLocks noGrp="1" noChangeAspect="1"/>
-          </p:cNvPicPr>
-          <p:nvPr/>
-        </p:nvPicPr>
-        <p:blipFill>
-          <a:blip r:embed="rId2"/>
-          <a:stretch>
-            <a:fillRect/>
-          </a:stretch>
-        </p:blipFill>
-        <p:spPr bwMode="auto">
-          <a:xfrm>
-            <a:off x="3568700" y="800100"/>
-            <a:ext cx="5105400" cy="3187700"/>
-          </a:xfrm>
-          <a:prstGeom prst="rect">
-            <a:avLst/>
-          </a:prstGeom>
-          <a:noFill/>
-          <a:ln w="9525">
-            <a:noFill/>
-            <a:headEnd/>
-            <a:tailEnd/>
-          </a:ln>
-        </p:spPr>
-      </p:pic>
     </p:spTree>
   </p:cSld>
 </p:sld>
 </file>
 
-<file path=ppt/slides/slide2.xml><?xml version="1.0" encoding="utf-8"?>
+<file path=ppt/slides/slide48.xml><?xml version="1.0" encoding="utf-8"?>
 <p:sld xmlns:a="http://schemas.openxmlformats.org/drawingml/2006/main" xmlns:r="http://schemas.openxmlformats.org/officeDocument/2006/relationships" xmlns:p="http://schemas.openxmlformats.org/presentationml/2006/main">
   <p:cSld>
     <p:spTree>
@@ -7502,7 +8620,221 @@
             </a:pPr>
             <a:r>
               <a:rPr/>
-              <a:t>Introduction to Signals and Systems</a:t>
+              <a:t>Discrete Periodicity Example</a:t>
+            </a:r>
+          </a:p>
+        </p:txBody>
+      </p:sp>
+      <p:pic>
+        <p:nvPicPr>
+          <p:cNvPr descr="presentation_files/figure-pptx/dt_periodicity_plot-3.png" id="0" name="Picture 1"/>
+          <p:cNvPicPr>
+            <a:picLocks noGrp="1" noChangeAspect="1"/>
+          </p:cNvPicPr>
+          <p:nvPr/>
+        </p:nvPicPr>
+        <p:blipFill>
+          <a:blip r:embed="rId2"/>
+          <a:stretch>
+            <a:fillRect/>
+          </a:stretch>
+        </p:blipFill>
+        <p:spPr bwMode="auto">
+          <a:xfrm>
+            <a:off x="1854200" y="1193800"/>
+            <a:ext cx="5422900" cy="3390900"/>
+          </a:xfrm>
+          <a:prstGeom prst="rect">
+            <a:avLst/>
+          </a:prstGeom>
+          <a:noFill/>
+          <a:ln w="9525">
+            <a:noFill/>
+            <a:headEnd/>
+            <a:tailEnd/>
+          </a:ln>
+        </p:spPr>
+      </p:pic>
+    </p:spTree>
+  </p:cSld>
+</p:sld>
+</file>
+
+<file path=ppt/slides/slide49.xml><?xml version="1.0" encoding="utf-8"?>
+<p:sld xmlns:a="http://schemas.openxmlformats.org/drawingml/2006/main" xmlns:r="http://schemas.openxmlformats.org/officeDocument/2006/relationships" xmlns:p="http://schemas.openxmlformats.org/presentationml/2006/main">
+  <p:cSld>
+    <p:spTree>
+      <p:nvGrpSpPr>
+        <p:cNvPr id="1" name=""/>
+        <p:cNvGrpSpPr/>
+        <p:nvPr/>
+      </p:nvGrpSpPr>
+      <p:grpSpPr>
+        <a:xfrm>
+          <a:off x="0" y="0"/>
+          <a:ext cx="0" cy="0"/>
+          <a:chOff x="0" y="0"/>
+          <a:chExt cx="0" cy="0"/>
+        </a:xfrm>
+      </p:grpSpPr>
+      <p:sp>
+        <p:nvSpPr>
+          <p:cNvPr id="3" name="Content Placeholder 2"/>
+          <p:cNvSpPr>
+            <a:spLocks noGrp="1"/>
+          </p:cNvSpPr>
+          <p:nvPr>
+            <p:ph idx="1"/>
+          </p:nvPr>
+        </p:nvSpPr>
+        <p:spPr/>
+        <p:txBody>
+          <a:bodyPr/>
+          <a:lstStyle/>
+          <a:p>
+            <a:pPr lvl="0" indent="0" marL="0">
+              <a:buNone/>
+            </a:pPr>
+          </a:p>
+          <a:p>
+            <a:pPr lvl="0" indent="0" marL="1270000">
+              <a:buNone/>
+            </a:pPr>
+            <a:r>
+              <a:rPr sz="2000"/>
+              <a:t>Speaker Notes: The top plot shows cos(pi</a:t>
+            </a:r>
+            <a:r>
+              <a:rPr sz="2000" i="1"/>
+              <a:t>n/8). You can see a clear repeating pattern. The fundamental period is N=16, because after 16 samples, the phase has advanced by (pi/8)</a:t>
+            </a:r>
+            <a:r>
+              <a:rPr sz="2000"/>
+              <a:t>16 = 2*pi. The bottom plot shows cos(n). Although the underlying continuous cosine is periodic, the samples of it are not. The pattern of sample values never exactly repeats, making the discrete-time signal non-periodic.</a:t>
+            </a:r>
+          </a:p>
+        </p:txBody>
+      </p:sp>
+    </p:spTree>
+  </p:cSld>
+</p:sld>
+</file>
+
+<file path=ppt/slides/slide5.xml><?xml version="1.0" encoding="utf-8"?>
+<p:sld xmlns:a="http://schemas.openxmlformats.org/drawingml/2006/main" xmlns:r="http://schemas.openxmlformats.org/officeDocument/2006/relationships" xmlns:p="http://schemas.openxmlformats.org/presentationml/2006/main">
+  <p:cSld>
+    <p:spTree>
+      <p:nvGrpSpPr>
+        <p:cNvPr id="1" name=""/>
+        <p:cNvGrpSpPr/>
+        <p:nvPr/>
+      </p:nvGrpSpPr>
+      <p:grpSpPr>
+        <a:xfrm>
+          <a:off x="0" y="0"/>
+          <a:ext cx="0" cy="0"/>
+          <a:chOff x="0" y="0"/>
+          <a:chExt cx="0" cy="0"/>
+        </a:xfrm>
+      </p:grpSpPr>
+      <p:sp>
+        <p:nvSpPr>
+          <p:cNvPr id="2" name="Title 1"/>
+          <p:cNvSpPr>
+            <a:spLocks noGrp="1"/>
+          </p:cNvSpPr>
+          <p:nvPr>
+            <p:ph type="title"/>
+          </p:nvPr>
+        </p:nvSpPr>
+        <p:spPr/>
+        <p:txBody>
+          <a:bodyPr/>
+          <a:lstStyle/>
+          <a:p>
+            <a:pPr lvl="0" indent="0" marL="0">
+              <a:buNone/>
+            </a:pPr>
+            <a:r>
+              <a:rPr/>
+              <a:t>Visualizing Signals</a:t>
+            </a:r>
+          </a:p>
+        </p:txBody>
+      </p:sp>
+      <p:pic>
+        <p:nvPicPr>
+          <p:cNvPr descr="presentation_files/figure-pptx/speech_vs_wind-1.png" id="0" name="Picture 1"/>
+          <p:cNvPicPr>
+            <a:picLocks noGrp="1" noChangeAspect="1"/>
+          </p:cNvPicPr>
+          <p:nvPr/>
+        </p:nvPicPr>
+        <p:blipFill>
+          <a:blip r:embed="rId2"/>
+          <a:stretch>
+            <a:fillRect/>
+          </a:stretch>
+        </p:blipFill>
+        <p:spPr bwMode="auto">
+          <a:xfrm>
+            <a:off x="1181100" y="1193800"/>
+            <a:ext cx="6781800" cy="3390900"/>
+          </a:xfrm>
+          <a:prstGeom prst="rect">
+            <a:avLst/>
+          </a:prstGeom>
+          <a:noFill/>
+          <a:ln w="9525">
+            <a:noFill/>
+            <a:headEnd/>
+            <a:tailEnd/>
+          </a:ln>
+        </p:spPr>
+      </p:pic>
+    </p:spTree>
+  </p:cSld>
+</p:sld>
+</file>
+
+<file path=ppt/slides/slide50.xml><?xml version="1.0" encoding="utf-8"?>
+<p:sld xmlns:a="http://schemas.openxmlformats.org/drawingml/2006/main" xmlns:r="http://schemas.openxmlformats.org/officeDocument/2006/relationships" xmlns:p="http://schemas.openxmlformats.org/presentationml/2006/main">
+  <p:cSld>
+    <p:spTree>
+      <p:nvGrpSpPr>
+        <p:cNvPr id="1" name=""/>
+        <p:cNvGrpSpPr/>
+        <p:nvPr/>
+      </p:nvGrpSpPr>
+      <p:grpSpPr>
+        <a:xfrm>
+          <a:off x="0" y="0"/>
+          <a:ext cx="0" cy="0"/>
+          <a:chOff x="0" y="0"/>
+          <a:chExt cx="0" cy="0"/>
+        </a:xfrm>
+      </p:grpSpPr>
+      <p:sp>
+        <p:nvSpPr>
+          <p:cNvPr id="2" name="Title 1"/>
+          <p:cNvSpPr>
+            <a:spLocks noGrp="1"/>
+          </p:cNvSpPr>
+          <p:nvPr>
+            <p:ph type="title"/>
+          </p:nvPr>
+        </p:nvSpPr>
+        <p:spPr/>
+        <p:txBody>
+          <a:bodyPr/>
+          <a:lstStyle/>
+          <a:p>
+            <a:pPr lvl="0" indent="0" marL="0">
+              <a:buNone/>
+            </a:pPr>
+            <a:r>
+              <a:rPr/>
+              <a:t>Frequency Aliasing in Discrete Time</a:t>
             </a:r>
           </a:p>
         </p:txBody>
@@ -7523,156 +8855,6 @@
             <p:txBody>
               <a:bodyPr/>
               <a:lstStyle/>
-              <a:p>
-                <a:pPr lvl="0" indent="0" marL="0">
-                  <a:spcBef>
-                    <a:spcPts val="3000"/>
-                  </a:spcBef>
-                  <a:buNone/>
-                </a:pPr>
-                <a:r>
-                  <a:rPr b="1"/>
-                  <a:t>What are Signals?</a:t>
-                </a:r>
-              </a:p>
-              <a:p>
-                <a:pPr lvl="0"/>
-                <a:r>
-                  <a:rPr/>
-                  <a:t>Signals are functions of one or more independent variables that contain information about a physical phenomenon.</a:t>
-                </a:r>
-              </a:p>
-              <a:p>
-                <a:pPr lvl="0"/>
-                <a:r>
-                  <a:rPr/>
-                  <a:t>We represent signals mathematically as functions, like </a:t>
-                </a:r>
-                <a14:m>
-                  <m:oMath xmlns:m="http://schemas.openxmlformats.org/officeDocument/2006/math">
-                    <m:r>
-                      <m:t>x</m:t>
-                    </m:r>
-                    <m:d>
-                      <m:dPr>
-                        <m:begChr m:val="("/>
-                        <m:endChr m:val=")"/>
-                        <m:sepChr m:val=""/>
-                        <m:grow/>
-                      </m:dPr>
-                      <m:e>
-                        <m:r>
-                          <m:t>t</m:t>
-                        </m:r>
-                      </m:e>
-                    </m:d>
-                  </m:oMath>
-                </a14:m>
-                <a:r>
-                  <a:rPr/>
-                  <a:t> for continuous-time signals or </a:t>
-                </a:r>
-                <a14:m>
-                  <m:oMath xmlns:m="http://schemas.openxmlformats.org/officeDocument/2006/math">
-                    <m:r>
-                      <m:t>x</m:t>
-                    </m:r>
-                    <m:d>
-                      <m:dPr>
-                        <m:begChr m:val="["/>
-                        <m:endChr m:val="]"/>
-                        <m:sepChr m:val=""/>
-                        <m:grow/>
-                      </m:dPr>
-                      <m:e>
-                        <m:r>
-                          <m:t>n</m:t>
-                        </m:r>
-                      </m:e>
-                    </m:d>
-                  </m:oMath>
-                </a14:m>
-                <a:r>
-                  <a:rPr/>
-                  <a:t> for discrete-time signals.</a:t>
-                </a:r>
-              </a:p>
-            </p:txBody>
-          </p:sp>
-        </mc:Choice>
-      </mc:AlternateContent>
-    </p:spTree>
-  </p:cSld>
-</p:sld>
-</file>
-
-<file path=ppt/slides/slide20.xml><?xml version="1.0" encoding="utf-8"?>
-<p:sld xmlns:a="http://schemas.openxmlformats.org/drawingml/2006/main" xmlns:r="http://schemas.openxmlformats.org/officeDocument/2006/relationships" xmlns:p="http://schemas.openxmlformats.org/presentationml/2006/main">
-  <p:cSld>
-    <p:spTree>
-      <p:nvGrpSpPr>
-        <p:cNvPr id="1" name=""/>
-        <p:cNvGrpSpPr/>
-        <p:nvPr/>
-      </p:nvGrpSpPr>
-      <p:grpSpPr>
-        <a:xfrm>
-          <a:off x="0" y="0"/>
-          <a:ext cx="0" cy="0"/>
-          <a:chOff x="0" y="0"/>
-          <a:chExt cx="0" cy="0"/>
-        </a:xfrm>
-      </p:grpSpPr>
-      <mc:AlternateContent xmlns:mc="http://schemas.openxmlformats.org/markup-compatibility/2006">
-        <mc:Choice xmlns:a14="http://schemas.microsoft.com/office/drawing/2010/main" Requires="a14">
-          <p:sp>
-            <p:nvSpPr>
-              <p:cNvPr id="4" name="Text Placeholder 3"/>
-              <p:cNvSpPr>
-                <a:spLocks noGrp="1"/>
-              </p:cNvSpPr>
-              <p:nvPr>
-                <p:ph idx="2" sz="half" type="body"/>
-              </p:nvPr>
-            </p:nvSpPr>
-            <p:spPr/>
-            <p:txBody>
-              <a:bodyPr/>
-              <a:lstStyle/>
-              <a:p>
-                <a:pPr lvl="0" indent="0" marL="0">
-                  <a:buNone/>
-                </a:pPr>
-              </a:p>
-              <a:p>
-                <a:pPr lvl="0" indent="0" marL="1270000">
-                  <a:buNone/>
-                </a:pPr>
-                <a:r>
-                  <a:rPr sz="2000"/>
-                  <a:t>Speaker Notes: The top plot shows cos(pi</a:t>
-                </a:r>
-                <a:r>
-                  <a:rPr sz="2000" i="1"/>
-                  <a:t>n/8). You can see a clear repeating pattern. The fundamental period is N=16, because after 16 samples, the phase has advanced by (pi/8)</a:t>
-                </a:r>
-                <a:r>
-                  <a:rPr sz="2000"/>
-                  <a:t>16 = 2*pi. The bottom plot shows cos(n). Although the underlying continuous cosine is periodic, the samples of it are not. The pattern of sample values never exactly repeats, making the discrete-time signal non-periodic.</a:t>
-                </a:r>
-              </a:p>
-              <a:p>
-                <a:pPr lvl="0" indent="0" marL="0">
-                  <a:spcBef>
-                    <a:spcPts val="3000"/>
-                  </a:spcBef>
-                  <a:buNone/>
-                </a:pPr>
-                <a:r>
-                  <a:rPr b="1"/>
-                  <a:t>Frequency Aliasing in Discrete Time</a:t>
-                </a:r>
-              </a:p>
               <a:p>
                 <a:pPr lvl="0"/>
                 <a:r>
@@ -8060,22 +9242,57 @@
                   <a:t>Speaker Notes: This is a profound concept. In continuous time, increasing the frequency omega always increases the rate of oscillation. In discrete time, this is not true. Once you go past pi, the perceived rate of oscillation starts to decrease. Frequencies like 3*pi/2 and -pi/2 are identical. This is called aliasing.</a:t>
                 </a:r>
               </a:p>
-              <a:p>
-                <a:pPr lvl="0" indent="0" marL="0">
-                  <a:spcBef>
-                    <a:spcPts val="3000"/>
-                  </a:spcBef>
-                  <a:buNone/>
-                </a:pPr>
-                <a:r>
-                  <a:rPr b="1"/>
-                  <a:t>Visualizing Frequency Aliasing</a:t>
-                </a:r>
-              </a:p>
             </p:txBody>
           </p:sp>
         </mc:Choice>
       </mc:AlternateContent>
+    </p:spTree>
+  </p:cSld>
+</p:sld>
+</file>
+
+<file path=ppt/slides/slide51.xml><?xml version="1.0" encoding="utf-8"?>
+<p:sld xmlns:a="http://schemas.openxmlformats.org/drawingml/2006/main" xmlns:r="http://schemas.openxmlformats.org/officeDocument/2006/relationships" xmlns:p="http://schemas.openxmlformats.org/presentationml/2006/main">
+  <p:cSld>
+    <p:spTree>
+      <p:nvGrpSpPr>
+        <p:cNvPr id="1" name=""/>
+        <p:cNvGrpSpPr/>
+        <p:nvPr/>
+      </p:nvGrpSpPr>
+      <p:grpSpPr>
+        <a:xfrm>
+          <a:off x="0" y="0"/>
+          <a:ext cx="0" cy="0"/>
+          <a:chOff x="0" y="0"/>
+          <a:chExt cx="0" cy="0"/>
+        </a:xfrm>
+      </p:grpSpPr>
+      <p:sp>
+        <p:nvSpPr>
+          <p:cNvPr id="2" name="Title 1"/>
+          <p:cNvSpPr>
+            <a:spLocks noGrp="1"/>
+          </p:cNvSpPr>
+          <p:nvPr>
+            <p:ph type="title"/>
+          </p:nvPr>
+        </p:nvSpPr>
+        <p:spPr/>
+        <p:txBody>
+          <a:bodyPr/>
+          <a:lstStyle/>
+          <a:p>
+            <a:pPr lvl="0" indent="0" marL="0">
+              <a:buNone/>
+            </a:pPr>
+            <a:r>
+              <a:rPr/>
+              <a:t>Visualizing Frequency Aliasing</a:t>
+            </a:r>
+          </a:p>
+        </p:txBody>
+      </p:sp>
       <p:pic>
         <p:nvPicPr>
           <p:cNvPr descr="presentation_files/figure-pptx/aliasing_plot-1.png" id="0" name="Picture 1"/>
@@ -8092,8 +9309,8 @@
         </p:blipFill>
         <p:spPr bwMode="auto">
           <a:xfrm>
-            <a:off x="3568700" y="800100"/>
-            <a:ext cx="5105400" cy="3187700"/>
+            <a:off x="1854200" y="1193800"/>
+            <a:ext cx="5422900" cy="3390900"/>
           </a:xfrm>
           <a:prstGeom prst="rect">
             <a:avLst/>
@@ -8111,7 +9328,7 @@
 </p:sld>
 </file>
 
-<file path=ppt/slides/slide21.xml><?xml version="1.0" encoding="utf-8"?>
+<file path=ppt/slides/slide52.xml><?xml version="1.0" encoding="utf-8"?>
 <p:sld xmlns:a="http://schemas.openxmlformats.org/drawingml/2006/main" xmlns:r="http://schemas.openxmlformats.org/officeDocument/2006/relationships" xmlns:p="http://schemas.openxmlformats.org/presentationml/2006/main">
   <p:cSld>
     <p:spTree>
@@ -8163,7 +9380,7 @@
 </p:sld>
 </file>
 
-<file path=ppt/slides/slide22.xml><?xml version="1.0" encoding="utf-8"?>
+<file path=ppt/slides/slide53.xml><?xml version="1.0" encoding="utf-8"?>
 <p:sld xmlns:a="http://schemas.openxmlformats.org/drawingml/2006/main" xmlns:r="http://schemas.openxmlformats.org/officeDocument/2006/relationships" xmlns:p="http://schemas.openxmlformats.org/presentationml/2006/main">
   <p:cSld>
     <p:spTree>
@@ -8192,8 +9409,8 @@
         </p:nvSpPr>
         <p:spPr>
           <a:xfrm>
-            <a:off x="457201" y="204787"/>
-            <a:ext cx="3008313" cy="871538"/>
+            <a:off x="722313" y="3305176"/>
+            <a:ext cx="7772400" cy="1021556"/>
           </a:xfrm>
         </p:spPr>
         <p:txBody>
@@ -8206,6 +9423,53 @@
             <a:r>
               <a:rPr/>
               <a:t>The Unit Impulse and Unit Step Functions</a:t>
+            </a:r>
+          </a:p>
+        </p:txBody>
+      </p:sp>
+    </p:spTree>
+  </p:cSld>
+</p:sld>
+</file>
+
+<file path=ppt/slides/slide54.xml><?xml version="1.0" encoding="utf-8"?>
+<p:sld xmlns:a="http://schemas.openxmlformats.org/drawingml/2006/main" xmlns:r="http://schemas.openxmlformats.org/officeDocument/2006/relationships" xmlns:p="http://schemas.openxmlformats.org/presentationml/2006/main">
+  <p:cSld>
+    <p:spTree>
+      <p:nvGrpSpPr>
+        <p:cNvPr id="1" name=""/>
+        <p:cNvGrpSpPr/>
+        <p:nvPr/>
+      </p:nvGrpSpPr>
+      <p:grpSpPr>
+        <a:xfrm>
+          <a:off x="0" y="0"/>
+          <a:ext cx="0" cy="0"/>
+          <a:chOff x="0" y="0"/>
+          <a:chExt cx="0" cy="0"/>
+        </a:xfrm>
+      </p:grpSpPr>
+      <p:sp>
+        <p:nvSpPr>
+          <p:cNvPr id="2" name="Title 1"/>
+          <p:cNvSpPr>
+            <a:spLocks noGrp="1"/>
+          </p:cNvSpPr>
+          <p:nvPr>
+            <p:ph type="title"/>
+          </p:nvPr>
+        </p:nvSpPr>
+        <p:spPr/>
+        <p:txBody>
+          <a:bodyPr/>
+          <a:lstStyle/>
+          <a:p>
+            <a:pPr lvl="0" indent="0" marL="0">
+              <a:buNone/>
+            </a:pPr>
+            <a:r>
+              <a:rPr/>
+              <a:t>Discrete-Time Impulse and Step</a:t>
             </a:r>
           </a:p>
         </p:txBody>
@@ -8214,30 +9478,18 @@
         <mc:Choice xmlns:a14="http://schemas.microsoft.com/office/drawing/2010/main" Requires="a14">
           <p:sp>
             <p:nvSpPr>
-              <p:cNvPr id="4" name="Text Placeholder 3"/>
+              <p:cNvPr id="3" name="Content Placeholder 2"/>
               <p:cNvSpPr>
                 <a:spLocks noGrp="1"/>
               </p:cNvSpPr>
               <p:nvPr>
-                <p:ph idx="2" sz="half" type="body"/>
+                <p:ph idx="1"/>
               </p:nvPr>
             </p:nvSpPr>
             <p:spPr/>
             <p:txBody>
               <a:bodyPr/>
               <a:lstStyle/>
-              <a:p>
-                <a:pPr lvl="0" indent="0" marL="0">
-                  <a:spcBef>
-                    <a:spcPts val="3000"/>
-                  </a:spcBef>
-                  <a:buNone/>
-                </a:pPr>
-                <a:r>
-                  <a:rPr b="1"/>
-                  <a:t>Discrete-Time Impulse and Step</a:t>
-                </a:r>
-              </a:p>
               <a:p>
                 <a:pPr lvl="0"/>
                 <a:r>
@@ -8733,22 +9985,57 @@
                   <a:t>Speaker Notes: The impulse and step functions are idealized signals that are incredibly important in system analysis. The impulse can be thought of as a single, instantaneous burst, while the step represents a signal that turns on at a specific time and stays on. Their relationship as a difference and a sum is a key concept.</a:t>
                 </a:r>
               </a:p>
-              <a:p>
-                <a:pPr lvl="0" indent="0" marL="0">
-                  <a:spcBef>
-                    <a:spcPts val="3000"/>
-                  </a:spcBef>
-                  <a:buNone/>
-                </a:pPr>
-                <a:r>
-                  <a:rPr b="1"/>
-                  <a:t>Unit Step as a Sum of Impulses</a:t>
-                </a:r>
-              </a:p>
             </p:txBody>
           </p:sp>
         </mc:Choice>
       </mc:AlternateContent>
+    </p:spTree>
+  </p:cSld>
+</p:sld>
+</file>
+
+<file path=ppt/slides/slide55.xml><?xml version="1.0" encoding="utf-8"?>
+<p:sld xmlns:a="http://schemas.openxmlformats.org/drawingml/2006/main" xmlns:r="http://schemas.openxmlformats.org/officeDocument/2006/relationships" xmlns:p="http://schemas.openxmlformats.org/presentationml/2006/main">
+  <p:cSld>
+    <p:spTree>
+      <p:nvGrpSpPr>
+        <p:cNvPr id="1" name=""/>
+        <p:cNvGrpSpPr/>
+        <p:nvPr/>
+      </p:nvGrpSpPr>
+      <p:grpSpPr>
+        <a:xfrm>
+          <a:off x="0" y="0"/>
+          <a:ext cx="0" cy="0"/>
+          <a:chOff x="0" y="0"/>
+          <a:chExt cx="0" cy="0"/>
+        </a:xfrm>
+      </p:grpSpPr>
+      <p:sp>
+        <p:nvSpPr>
+          <p:cNvPr id="2" name="Title 1"/>
+          <p:cNvSpPr>
+            <a:spLocks noGrp="1"/>
+          </p:cNvSpPr>
+          <p:nvPr>
+            <p:ph type="title"/>
+          </p:nvPr>
+        </p:nvSpPr>
+        <p:spPr/>
+        <p:txBody>
+          <a:bodyPr/>
+          <a:lstStyle/>
+          <a:p>
+            <a:pPr lvl="0" indent="0" marL="0">
+              <a:buNone/>
+            </a:pPr>
+            <a:r>
+              <a:rPr/>
+              <a:t>Unit Step as a Sum of Impulses</a:t>
+            </a:r>
+          </a:p>
+        </p:txBody>
+      </p:sp>
       <p:pic>
         <p:nvPicPr>
           <p:cNvPr descr="presentation_files/figure-pptx/step_from_impulse_plot-1.png" id="0" name="Picture 1"/>
@@ -8765,8 +10052,8 @@
         </p:blipFill>
         <p:spPr bwMode="auto">
           <a:xfrm>
-            <a:off x="3568700" y="482600"/>
-            <a:ext cx="5105400" cy="3835400"/>
+            <a:off x="2311400" y="1193800"/>
+            <a:ext cx="4521200" cy="3390900"/>
           </a:xfrm>
           <a:prstGeom prst="rect">
             <a:avLst/>
@@ -8784,7 +10071,7 @@
 </p:sld>
 </file>
 
-<file path=ppt/slides/slide23.xml><?xml version="1.0" encoding="utf-8"?>
+<file path=ppt/slides/slide56.xml><?xml version="1.0" encoding="utf-8"?>
 <p:sld xmlns:a="http://schemas.openxmlformats.org/drawingml/2006/main" xmlns:r="http://schemas.openxmlformats.org/officeDocument/2006/relationships" xmlns:p="http://schemas.openxmlformats.org/presentationml/2006/main">
   <p:cSld>
     <p:spTree>
@@ -8801,48 +10088,99 @@
           <a:chExt cx="0" cy="0"/>
         </a:xfrm>
       </p:grpSpPr>
+      <p:sp>
+        <p:nvSpPr>
+          <p:cNvPr id="3" name="Content Placeholder 2"/>
+          <p:cNvSpPr>
+            <a:spLocks noGrp="1"/>
+          </p:cNvSpPr>
+          <p:nvPr>
+            <p:ph idx="1"/>
+          </p:nvPr>
+        </p:nvSpPr>
+        <p:spPr/>
+        <p:txBody>
+          <a:bodyPr/>
+          <a:lstStyle/>
+          <a:p>
+            <a:pPr lvl="0" indent="0" marL="0">
+              <a:buNone/>
+            </a:pPr>
+          </a:p>
+          <a:p>
+            <a:pPr lvl="0" indent="0" marL="1270000">
+              <a:buNone/>
+            </a:pPr>
+            <a:r>
+              <a:rPr sz="2000"/>
+              <a:t>Speaker Notes: This sequence of plots shows how the unit step is constructed by summing impulses. In Stage 1, we sum up to n=0, and we only capture the impulse at n=0. In Stage 2, we sum up to n=2, accumulating the impulses at 0, 1, and 2. In the final stage, the running sum has accumulated all impulses up to the current point, resulting in the full unit step sequence.</a:t>
+            </a:r>
+          </a:p>
+        </p:txBody>
+      </p:sp>
+    </p:spTree>
+  </p:cSld>
+</p:sld>
+</file>
+
+<file path=ppt/slides/slide57.xml><?xml version="1.0" encoding="utf-8"?>
+<p:sld xmlns:a="http://schemas.openxmlformats.org/drawingml/2006/main" xmlns:r="http://schemas.openxmlformats.org/officeDocument/2006/relationships" xmlns:p="http://schemas.openxmlformats.org/presentationml/2006/main">
+  <p:cSld>
+    <p:spTree>
+      <p:nvGrpSpPr>
+        <p:cNvPr id="1" name=""/>
+        <p:cNvGrpSpPr/>
+        <p:nvPr/>
+      </p:nvGrpSpPr>
+      <p:grpSpPr>
+        <a:xfrm>
+          <a:off x="0" y="0"/>
+          <a:ext cx="0" cy="0"/>
+          <a:chOff x="0" y="0"/>
+          <a:chExt cx="0" cy="0"/>
+        </a:xfrm>
+      </p:grpSpPr>
+      <p:sp>
+        <p:nvSpPr>
+          <p:cNvPr id="2" name="Title 1"/>
+          <p:cNvSpPr>
+            <a:spLocks noGrp="1"/>
+          </p:cNvSpPr>
+          <p:nvPr>
+            <p:ph type="title"/>
+          </p:nvPr>
+        </p:nvSpPr>
+        <p:spPr/>
+        <p:txBody>
+          <a:bodyPr/>
+          <a:lstStyle/>
+          <a:p>
+            <a:pPr lvl="0" indent="0" marL="0">
+              <a:buNone/>
+            </a:pPr>
+            <a:r>
+              <a:rPr/>
+              <a:t>Continuous-Time Impulse and Step</a:t>
+            </a:r>
+          </a:p>
+        </p:txBody>
+      </p:sp>
       <mc:AlternateContent xmlns:mc="http://schemas.openxmlformats.org/markup-compatibility/2006">
         <mc:Choice xmlns:a14="http://schemas.microsoft.com/office/drawing/2010/main" Requires="a14">
           <p:sp>
             <p:nvSpPr>
-              <p:cNvPr id="4" name="Text Placeholder 3"/>
+              <p:cNvPr id="3" name="Content Placeholder 2"/>
               <p:cNvSpPr>
                 <a:spLocks noGrp="1"/>
               </p:cNvSpPr>
               <p:nvPr>
-                <p:ph idx="2" sz="half" type="body"/>
+                <p:ph idx="1"/>
               </p:nvPr>
             </p:nvSpPr>
             <p:spPr/>
             <p:txBody>
               <a:bodyPr/>
               <a:lstStyle/>
-              <a:p>
-                <a:pPr lvl="0" indent="0" marL="0">
-                  <a:buNone/>
-                </a:pPr>
-              </a:p>
-              <a:p>
-                <a:pPr lvl="0" indent="0" marL="1270000">
-                  <a:buNone/>
-                </a:pPr>
-                <a:r>
-                  <a:rPr sz="2000"/>
-                  <a:t>Speaker Notes: This sequence of plots shows how the unit step is constructed by summing impulses. In Stage 1, we sum up to n=0, and we only capture the impulse at n=0. In Stage 2, we sum up to n=2, accumulating the impulses at 0, 1, and 2. In the final stage, the running sum has accumulated all impulses up to the current point, resulting in the full unit step sequence.</a:t>
-                </a:r>
-              </a:p>
-              <a:p>
-                <a:pPr lvl="0" indent="0" marL="0">
-                  <a:spcBef>
-                    <a:spcPts val="3000"/>
-                  </a:spcBef>
-                  <a:buNone/>
-                </a:pPr>
-                <a:r>
-                  <a:rPr b="1"/>
-                  <a:t>Continuous-Time Impulse and Step</a:t>
-                </a:r>
-              </a:p>
               <a:p>
                 <a:pPr lvl="0"/>
                 <a:r>
@@ -9214,22 +10552,57 @@
                   <a:t>Speaker Notes: The continuous-time impulse is a “singularity function.” It’s not a function in the traditional sense. It’s an idealization of a pulse that is infinitely short in duration but has a finite area of one. We can visualize it as the limit of a sequence of progressively shorter and taller pulses.</a:t>
                 </a:r>
               </a:p>
-              <a:p>
-                <a:pPr lvl="0" indent="0" marL="0">
-                  <a:spcBef>
-                    <a:spcPts val="3000"/>
-                  </a:spcBef>
-                  <a:buNone/>
-                </a:pPr>
-                <a:r>
-                  <a:rPr b="1"/>
-                  <a:t>The Impulse as the Derivative of the Step</a:t>
-                </a:r>
-              </a:p>
             </p:txBody>
           </p:sp>
         </mc:Choice>
       </mc:AlternateContent>
+    </p:spTree>
+  </p:cSld>
+</p:sld>
+</file>
+
+<file path=ppt/slides/slide58.xml><?xml version="1.0" encoding="utf-8"?>
+<p:sld xmlns:a="http://schemas.openxmlformats.org/drawingml/2006/main" xmlns:r="http://schemas.openxmlformats.org/officeDocument/2006/relationships" xmlns:p="http://schemas.openxmlformats.org/presentationml/2006/main">
+  <p:cSld>
+    <p:spTree>
+      <p:nvGrpSpPr>
+        <p:cNvPr id="1" name=""/>
+        <p:cNvGrpSpPr/>
+        <p:nvPr/>
+      </p:nvGrpSpPr>
+      <p:grpSpPr>
+        <a:xfrm>
+          <a:off x="0" y="0"/>
+          <a:ext cx="0" cy="0"/>
+          <a:chOff x="0" y="0"/>
+          <a:chExt cx="0" cy="0"/>
+        </a:xfrm>
+      </p:grpSpPr>
+      <p:sp>
+        <p:nvSpPr>
+          <p:cNvPr id="2" name="Title 1"/>
+          <p:cNvSpPr>
+            <a:spLocks noGrp="1"/>
+          </p:cNvSpPr>
+          <p:nvPr>
+            <p:ph type="title"/>
+          </p:nvPr>
+        </p:nvSpPr>
+        <p:spPr/>
+        <p:txBody>
+          <a:bodyPr/>
+          <a:lstStyle/>
+          <a:p>
+            <a:pPr lvl="0" indent="0" marL="0">
+              <a:buNone/>
+            </a:pPr>
+            <a:r>
+              <a:rPr/>
+              <a:t>The Impulse as the Derivative of the Step</a:t>
+            </a:r>
+          </a:p>
+        </p:txBody>
+      </p:sp>
       <p:pic>
         <p:nvPicPr>
           <p:cNvPr descr="presentation_files/figure-pptx/step_derivative_plot-1.png" id="0" name="Picture 1"/>
@@ -9246,8 +10619,8 @@
         </p:blipFill>
         <p:spPr bwMode="auto">
           <a:xfrm>
-            <a:off x="3568700" y="1333500"/>
-            <a:ext cx="5105400" cy="2133600"/>
+            <a:off x="508000" y="1193800"/>
+            <a:ext cx="8140700" cy="3390900"/>
           </a:xfrm>
           <a:prstGeom prst="rect">
             <a:avLst/>
@@ -9265,7 +10638,7 @@
 </p:sld>
 </file>
 
-<file path=ppt/slides/slide24.xml><?xml version="1.0" encoding="utf-8"?>
+<file path=ppt/slides/slide59.xml><?xml version="1.0" encoding="utf-8"?>
 <p:sld xmlns:a="http://schemas.openxmlformats.org/drawingml/2006/main" xmlns:r="http://schemas.openxmlformats.org/officeDocument/2006/relationships" xmlns:p="http://schemas.openxmlformats.org/presentationml/2006/main">
   <p:cSld>
     <p:spTree>
@@ -9282,48 +10655,151 @@
           <a:chExt cx="0" cy="0"/>
         </a:xfrm>
       </p:grpSpPr>
+      <p:sp>
+        <p:nvSpPr>
+          <p:cNvPr id="3" name="Content Placeholder 2"/>
+          <p:cNvSpPr>
+            <a:spLocks noGrp="1"/>
+          </p:cNvSpPr>
+          <p:nvPr>
+            <p:ph idx="1"/>
+          </p:nvPr>
+        </p:nvSpPr>
+        <p:spPr/>
+        <p:txBody>
+          <a:bodyPr/>
+          <a:lstStyle/>
+          <a:p>
+            <a:pPr lvl="0" indent="0" marL="0">
+              <a:buNone/>
+            </a:pPr>
+          </a:p>
+          <a:p>
+            <a:pPr lvl="0" indent="0" marL="1270000">
+              <a:buNone/>
+            </a:pPr>
+            <a:r>
+              <a:rPr sz="2000"/>
+              <a:t>Speaker Notes: Since the unit step has a discontinuity, its derivative is formally undefined. However, we can think of it by approximating the step with a smooth, steep function like the sigmoid shown on the left. The derivative of this steep function, shown on the right, is a narrow, tall pulse. As the sigmoid gets steeper and closer to an ideal step, its derivative gets narrower and taller, approaching our idealization of the unit impulse.</a:t>
+            </a:r>
+          </a:p>
+        </p:txBody>
+      </p:sp>
+    </p:spTree>
+  </p:cSld>
+</p:sld>
+</file>
+
+<file path=ppt/slides/slide6.xml><?xml version="1.0" encoding="utf-8"?>
+<p:sld xmlns:a="http://schemas.openxmlformats.org/drawingml/2006/main" xmlns:r="http://schemas.openxmlformats.org/officeDocument/2006/relationships" xmlns:p="http://schemas.openxmlformats.org/presentationml/2006/main">
+  <p:cSld>
+    <p:spTree>
+      <p:nvGrpSpPr>
+        <p:cNvPr id="1" name=""/>
+        <p:cNvGrpSpPr/>
+        <p:nvPr/>
+      </p:nvGrpSpPr>
+      <p:grpSpPr>
+        <a:xfrm>
+          <a:off x="0" y="0"/>
+          <a:ext cx="0" cy="0"/>
+          <a:chOff x="0" y="0"/>
+          <a:chExt cx="0" cy="0"/>
+        </a:xfrm>
+      </p:grpSpPr>
+      <p:sp>
+        <p:nvSpPr>
+          <p:cNvPr id="3" name="Content Placeholder 2"/>
+          <p:cNvSpPr>
+            <a:spLocks noGrp="1"/>
+          </p:cNvSpPr>
+          <p:nvPr>
+            <p:ph idx="1"/>
+          </p:nvPr>
+        </p:nvSpPr>
+        <p:spPr/>
+        <p:txBody>
+          <a:bodyPr/>
+          <a:lstStyle/>
+          <a:p>
+            <a:pPr lvl="0" indent="0" marL="0">
+              <a:buNone/>
+            </a:pPr>
+          </a:p>
+          <a:p>
+            <a:pPr lvl="0" indent="0" marL="1270000">
+              <a:buNone/>
+            </a:pPr>
+            <a:r>
+              <a:rPr sz="2000"/>
+              <a:t>Speaker Notes: This slide illustrates two different types of signals. The speech signal on the left is characterized by rapid, high-frequency variations. This is typical of audio signals. On the right, the vertical wind profile shows a much smoother, slowly varying curve. This highlights the vast range of behaviors that signals can exhibit.</a:t>
+            </a:r>
+          </a:p>
+        </p:txBody>
+      </p:sp>
+    </p:spTree>
+  </p:cSld>
+</p:sld>
+</file>
+
+<file path=ppt/slides/slide60.xml><?xml version="1.0" encoding="utf-8"?>
+<p:sld xmlns:a="http://schemas.openxmlformats.org/drawingml/2006/main" xmlns:r="http://schemas.openxmlformats.org/officeDocument/2006/relationships" xmlns:p="http://schemas.openxmlformats.org/presentationml/2006/main">
+  <p:cSld>
+    <p:spTree>
+      <p:nvGrpSpPr>
+        <p:cNvPr id="1" name=""/>
+        <p:cNvGrpSpPr/>
+        <p:nvPr/>
+      </p:nvGrpSpPr>
+      <p:grpSpPr>
+        <a:xfrm>
+          <a:off x="0" y="0"/>
+          <a:ext cx="0" cy="0"/>
+          <a:chOff x="0" y="0"/>
+          <a:chExt cx="0" cy="0"/>
+        </a:xfrm>
+      </p:grpSpPr>
+      <p:sp>
+        <p:nvSpPr>
+          <p:cNvPr id="2" name="Title 1"/>
+          <p:cNvSpPr>
+            <a:spLocks noGrp="1"/>
+          </p:cNvSpPr>
+          <p:nvPr>
+            <p:ph type="title"/>
+          </p:nvPr>
+        </p:nvSpPr>
+        <p:spPr/>
+        <p:txBody>
+          <a:bodyPr/>
+          <a:lstStyle/>
+          <a:p>
+            <a:pPr lvl="0" indent="0" marL="0">
+              <a:buNone/>
+            </a:pPr>
+            <a:r>
+              <a:rPr/>
+              <a:t>The Sifting Property of the Impulse</a:t>
+            </a:r>
+          </a:p>
+        </p:txBody>
+      </p:sp>
       <mc:AlternateContent xmlns:mc="http://schemas.openxmlformats.org/markup-compatibility/2006">
         <mc:Choice xmlns:a14="http://schemas.microsoft.com/office/drawing/2010/main" Requires="a14">
           <p:sp>
             <p:nvSpPr>
-              <p:cNvPr id="4" name="Text Placeholder 3"/>
+              <p:cNvPr id="3" name="Content Placeholder 2"/>
               <p:cNvSpPr>
                 <a:spLocks noGrp="1"/>
               </p:cNvSpPr>
               <p:nvPr>
-                <p:ph idx="2" sz="half" type="body"/>
+                <p:ph idx="1"/>
               </p:nvPr>
             </p:nvSpPr>
             <p:spPr/>
             <p:txBody>
               <a:bodyPr/>
               <a:lstStyle/>
-              <a:p>
-                <a:pPr lvl="0" indent="0" marL="0">
-                  <a:buNone/>
-                </a:pPr>
-              </a:p>
-              <a:p>
-                <a:pPr lvl="0" indent="0" marL="1270000">
-                  <a:buNone/>
-                </a:pPr>
-                <a:r>
-                  <a:rPr sz="2000"/>
-                  <a:t>Speaker Notes: Since the unit step has a discontinuity, its derivative is formally undefined. However, we can think of it by approximating the step with a smooth, steep function like the sigmoid shown on the left. The derivative of this steep function, shown on the right, is a narrow, tall pulse. As the sigmoid gets steeper and closer to an ideal step, its derivative gets narrower and taller, approaching our idealization of the unit impulse.</a:t>
-                </a:r>
-              </a:p>
-              <a:p>
-                <a:pPr lvl="0" indent="0" marL="0">
-                  <a:spcBef>
-                    <a:spcPts val="3000"/>
-                  </a:spcBef>
-                  <a:buNone/>
-                </a:pPr>
-                <a:r>
-                  <a:rPr b="1"/>
-                  <a:t>The Sifting Property of the Impulse</a:t>
-                </a:r>
-              </a:p>
               <a:p>
                 <a:pPr lvl="0"/>
                 <a:r>
@@ -9630,22 +11106,57 @@
                   <a:t>Speaker Notes: The term “sifting” is very descriptive. Think of the impulse as a sieve that only lets the value of the signal at one specific point pass through. All other values are multiplied by zero and eliminated. We will use this property extensively when we discuss system responses.</a:t>
                 </a:r>
               </a:p>
-              <a:p>
-                <a:pPr lvl="0" indent="0" marL="0">
-                  <a:spcBef>
-                    <a:spcPts val="3000"/>
-                  </a:spcBef>
-                  <a:buNone/>
-                </a:pPr>
-                <a:r>
-                  <a:rPr b="1"/>
-                  <a:t>Visualizing the Sifting Property</a:t>
-                </a:r>
-              </a:p>
             </p:txBody>
           </p:sp>
         </mc:Choice>
       </mc:AlternateContent>
+    </p:spTree>
+  </p:cSld>
+</p:sld>
+</file>
+
+<file path=ppt/slides/slide61.xml><?xml version="1.0" encoding="utf-8"?>
+<p:sld xmlns:a="http://schemas.openxmlformats.org/drawingml/2006/main" xmlns:r="http://schemas.openxmlformats.org/officeDocument/2006/relationships" xmlns:p="http://schemas.openxmlformats.org/presentationml/2006/main">
+  <p:cSld>
+    <p:spTree>
+      <p:nvGrpSpPr>
+        <p:cNvPr id="1" name=""/>
+        <p:cNvGrpSpPr/>
+        <p:nvPr/>
+      </p:nvGrpSpPr>
+      <p:grpSpPr>
+        <a:xfrm>
+          <a:off x="0" y="0"/>
+          <a:ext cx="0" cy="0"/>
+          <a:chOff x="0" y="0"/>
+          <a:chExt cx="0" cy="0"/>
+        </a:xfrm>
+      </p:grpSpPr>
+      <p:sp>
+        <p:nvSpPr>
+          <p:cNvPr id="2" name="Title 1"/>
+          <p:cNvSpPr>
+            <a:spLocks noGrp="1"/>
+          </p:cNvSpPr>
+          <p:nvPr>
+            <p:ph type="title"/>
+          </p:nvPr>
+        </p:nvSpPr>
+        <p:spPr/>
+        <p:txBody>
+          <a:bodyPr/>
+          <a:lstStyle/>
+          <a:p>
+            <a:pPr lvl="0" indent="0" marL="0">
+              <a:buNone/>
+            </a:pPr>
+            <a:r>
+              <a:rPr/>
+              <a:t>Visualizing the Sifting Property</a:t>
+            </a:r>
+          </a:p>
+        </p:txBody>
+      </p:sp>
       <p:pic>
         <p:nvPicPr>
           <p:cNvPr descr="presentation_files/figure-pptx/sifting_plot-3.png" id="0" name="Picture 1"/>
@@ -9662,8 +11173,8 @@
         </p:blipFill>
         <p:spPr bwMode="auto">
           <a:xfrm>
-            <a:off x="3568700" y="482600"/>
-            <a:ext cx="5105400" cy="3835400"/>
+            <a:off x="2311400" y="1193800"/>
+            <a:ext cx="4521200" cy="3390900"/>
           </a:xfrm>
           <a:prstGeom prst="rect">
             <a:avLst/>
@@ -9681,7 +11192,7 @@
 </p:sld>
 </file>
 
-<file path=ppt/slides/slide25.xml><?xml version="1.0" encoding="utf-8"?>
+<file path=ppt/slides/slide62.xml><?xml version="1.0" encoding="utf-8"?>
 <p:sld xmlns:a="http://schemas.openxmlformats.org/drawingml/2006/main" xmlns:r="http://schemas.openxmlformats.org/officeDocument/2006/relationships" xmlns:p="http://schemas.openxmlformats.org/presentationml/2006/main">
   <p:cSld>
     <p:spTree>
@@ -9733,7 +11244,7 @@
 </p:sld>
 </file>
 
-<file path=ppt/slides/slide26.xml><?xml version="1.0" encoding="utf-8"?>
+<file path=ppt/slides/slide63.xml><?xml version="1.0" encoding="utf-8"?>
 <p:sld xmlns:a="http://schemas.openxmlformats.org/drawingml/2006/main" xmlns:r="http://schemas.openxmlformats.org/officeDocument/2006/relationships" xmlns:p="http://schemas.openxmlformats.org/presentationml/2006/main">
   <p:cSld>
     <p:spTree>
@@ -9762,8 +11273,8 @@
         </p:nvSpPr>
         <p:spPr>
           <a:xfrm>
-            <a:off x="457201" y="204787"/>
-            <a:ext cx="3008313" cy="871538"/>
+            <a:off x="722313" y="3305176"/>
+            <a:ext cx="7772400" cy="1021556"/>
           </a:xfrm>
         </p:spPr>
         <p:txBody>
@@ -9776,6 +11287,53 @@
             <a:r>
               <a:rPr/>
               <a:t>Systems</a:t>
+            </a:r>
+          </a:p>
+        </p:txBody>
+      </p:sp>
+    </p:spTree>
+  </p:cSld>
+</p:sld>
+</file>
+
+<file path=ppt/slides/slide64.xml><?xml version="1.0" encoding="utf-8"?>
+<p:sld xmlns:a="http://schemas.openxmlformats.org/drawingml/2006/main" xmlns:r="http://schemas.openxmlformats.org/officeDocument/2006/relationships" xmlns:p="http://schemas.openxmlformats.org/presentationml/2006/main">
+  <p:cSld>
+    <p:spTree>
+      <p:nvGrpSpPr>
+        <p:cNvPr id="1" name=""/>
+        <p:cNvGrpSpPr/>
+        <p:nvPr/>
+      </p:nvGrpSpPr>
+      <p:grpSpPr>
+        <a:xfrm>
+          <a:off x="0" y="0"/>
+          <a:ext cx="0" cy="0"/>
+          <a:chOff x="0" y="0"/>
+          <a:chExt cx="0" cy="0"/>
+        </a:xfrm>
+      </p:grpSpPr>
+      <p:sp>
+        <p:nvSpPr>
+          <p:cNvPr id="2" name="Title 1"/>
+          <p:cNvSpPr>
+            <a:spLocks noGrp="1"/>
+          </p:cNvSpPr>
+          <p:nvPr>
+            <p:ph type="title"/>
+          </p:nvPr>
+        </p:nvSpPr>
+        <p:spPr/>
+        <p:txBody>
+          <a:bodyPr/>
+          <a:lstStyle/>
+          <a:p>
+            <a:pPr lvl="0" indent="0" marL="0">
+              <a:buNone/>
+            </a:pPr>
+            <a:r>
+              <a:rPr/>
+              <a:t>Systems with and without Memory</a:t>
             </a:r>
           </a:p>
         </p:txBody>
@@ -9784,30 +11342,18 @@
         <mc:Choice xmlns:a14="http://schemas.microsoft.com/office/drawing/2010/main" Requires="a14">
           <p:sp>
             <p:nvSpPr>
-              <p:cNvPr id="4" name="Text Placeholder 3"/>
+              <p:cNvPr id="3" name="Content Placeholder 2"/>
               <p:cNvSpPr>
                 <a:spLocks noGrp="1"/>
               </p:cNvSpPr>
               <p:nvPr>
-                <p:ph idx="2" sz="half" type="body"/>
+                <p:ph idx="1"/>
               </p:nvPr>
             </p:nvSpPr>
             <p:spPr/>
             <p:txBody>
               <a:bodyPr/>
               <a:lstStyle/>
-              <a:p>
-                <a:pPr lvl="0" indent="0" marL="0">
-                  <a:spcBef>
-                    <a:spcPts val="3000"/>
-                  </a:spcBef>
-                  <a:buNone/>
-                </a:pPr>
-                <a:r>
-                  <a:rPr b="1"/>
-                  <a:t>Systems with and without Memory</a:t>
-                </a:r>
-              </a:p>
               <a:p>
                 <a:pPr lvl="0"/>
                 <a:r>
@@ -10012,22 +11558,57 @@
                   <a:t>Speaker Notes: The concept of memory is about cause and effect. In a memoryless system, the effect is simultaneous with the cause. In a system with memory, past inputs influence the present output. This is often associated with the system’s ability to store energy, like a capacitor storing charge or a mass storing kinetic energy.</a:t>
                 </a:r>
               </a:p>
-              <a:p>
-                <a:pPr lvl="0" indent="0" marL="0">
-                  <a:spcBef>
-                    <a:spcPts val="3000"/>
-                  </a:spcBef>
-                  <a:buNone/>
-                </a:pPr>
-                <a:r>
-                  <a:rPr b="1"/>
-                  <a:t>Memory vs. Memoryless Systems</a:t>
-                </a:r>
-              </a:p>
             </p:txBody>
           </p:sp>
         </mc:Choice>
       </mc:AlternateContent>
+    </p:spTree>
+  </p:cSld>
+</p:sld>
+</file>
+
+<file path=ppt/slides/slide65.xml><?xml version="1.0" encoding="utf-8"?>
+<p:sld xmlns:a="http://schemas.openxmlformats.org/drawingml/2006/main" xmlns:r="http://schemas.openxmlformats.org/officeDocument/2006/relationships" xmlns:p="http://schemas.openxmlformats.org/presentationml/2006/main">
+  <p:cSld>
+    <p:spTree>
+      <p:nvGrpSpPr>
+        <p:cNvPr id="1" name=""/>
+        <p:cNvGrpSpPr/>
+        <p:nvPr/>
+      </p:nvGrpSpPr>
+      <p:grpSpPr>
+        <a:xfrm>
+          <a:off x="0" y="0"/>
+          <a:ext cx="0" cy="0"/>
+          <a:chOff x="0" y="0"/>
+          <a:chExt cx="0" cy="0"/>
+        </a:xfrm>
+      </p:grpSpPr>
+      <p:sp>
+        <p:nvSpPr>
+          <p:cNvPr id="2" name="Title 1"/>
+          <p:cNvSpPr>
+            <a:spLocks noGrp="1"/>
+          </p:cNvSpPr>
+          <p:nvPr>
+            <p:ph type="title"/>
+          </p:nvPr>
+        </p:nvSpPr>
+        <p:spPr/>
+        <p:txBody>
+          <a:bodyPr/>
+          <a:lstStyle/>
+          <a:p>
+            <a:pPr lvl="0" indent="0" marL="0">
+              <a:buNone/>
+            </a:pPr>
+            <a:r>
+              <a:rPr/>
+              <a:t>Memory vs. Memoryless Systems</a:t>
+            </a:r>
+          </a:p>
+        </p:txBody>
+      </p:sp>
       <p:pic>
         <p:nvPicPr>
           <p:cNvPr descr="presentation_files/figure-pptx/memory_plot-1.png" id="0" name="Picture 1"/>
@@ -10044,8 +11625,8 @@
         </p:blipFill>
         <p:spPr bwMode="auto">
           <a:xfrm>
-            <a:off x="3568700" y="1333500"/>
-            <a:ext cx="5105400" cy="2133600"/>
+            <a:off x="508000" y="1193800"/>
+            <a:ext cx="8140700" cy="3390900"/>
           </a:xfrm>
           <a:prstGeom prst="rect">
             <a:avLst/>
@@ -10063,7 +11644,7 @@
 </p:sld>
 </file>
 
-<file path=ppt/slides/slide27.xml><?xml version="1.0" encoding="utf-8"?>
+<file path=ppt/slides/slide66.xml><?xml version="1.0" encoding="utf-8"?>
 <p:sld xmlns:a="http://schemas.openxmlformats.org/drawingml/2006/main" xmlns:r="http://schemas.openxmlformats.org/officeDocument/2006/relationships" xmlns:p="http://schemas.openxmlformats.org/presentationml/2006/main">
   <p:cSld>
     <p:spTree>
@@ -10080,48 +11661,99 @@
           <a:chExt cx="0" cy="0"/>
         </a:xfrm>
       </p:grpSpPr>
+      <p:sp>
+        <p:nvSpPr>
+          <p:cNvPr id="3" name="Content Placeholder 2"/>
+          <p:cNvSpPr>
+            <a:spLocks noGrp="1"/>
+          </p:cNvSpPr>
+          <p:nvPr>
+            <p:ph idx="1"/>
+          </p:nvPr>
+        </p:nvSpPr>
+        <p:spPr/>
+        <p:txBody>
+          <a:bodyPr/>
+          <a:lstStyle/>
+          <a:p>
+            <a:pPr lvl="0" indent="0" marL="0">
+              <a:buNone/>
+            </a:pPr>
+          </a:p>
+          <a:p>
+            <a:pPr lvl="0" indent="0" marL="1270000">
+              <a:buNone/>
+            </a:pPr>
+            <a:r>
+              <a:rPr sz="2000"/>
+              <a:t>Speaker Notes: The plot on the left shows the input-output relationship for a resistor. It’s a straight line, meaning the output voltage is always directly proportional to the input current at that instant. This is a memoryless system. The plot on the right shows the relationship for a capacitor with a sinusoidal input current. It forms a loop, known as a hysteresis loop. For a given input current, the output voltage can be different depending on the history of the input, demonstrating the system’s memory.</a:t>
+            </a:r>
+          </a:p>
+        </p:txBody>
+      </p:sp>
+    </p:spTree>
+  </p:cSld>
+</p:sld>
+</file>
+
+<file path=ppt/slides/slide67.xml><?xml version="1.0" encoding="utf-8"?>
+<p:sld xmlns:a="http://schemas.openxmlformats.org/drawingml/2006/main" xmlns:r="http://schemas.openxmlformats.org/officeDocument/2006/relationships" xmlns:p="http://schemas.openxmlformats.org/presentationml/2006/main">
+  <p:cSld>
+    <p:spTree>
+      <p:nvGrpSpPr>
+        <p:cNvPr id="1" name=""/>
+        <p:cNvGrpSpPr/>
+        <p:nvPr/>
+      </p:nvGrpSpPr>
+      <p:grpSpPr>
+        <a:xfrm>
+          <a:off x="0" y="0"/>
+          <a:ext cx="0" cy="0"/>
+          <a:chOff x="0" y="0"/>
+          <a:chExt cx="0" cy="0"/>
+        </a:xfrm>
+      </p:grpSpPr>
+      <p:sp>
+        <p:nvSpPr>
+          <p:cNvPr id="2" name="Title 1"/>
+          <p:cNvSpPr>
+            <a:spLocks noGrp="1"/>
+          </p:cNvSpPr>
+          <p:nvPr>
+            <p:ph type="title"/>
+          </p:nvPr>
+        </p:nvSpPr>
+        <p:spPr/>
+        <p:txBody>
+          <a:bodyPr/>
+          <a:lstStyle/>
+          <a:p>
+            <a:pPr lvl="0" indent="0" marL="0">
+              <a:buNone/>
+            </a:pPr>
+            <a:r>
+              <a:rPr/>
+              <a:t>Invertibility and Inverse Systems</a:t>
+            </a:r>
+          </a:p>
+        </p:txBody>
+      </p:sp>
       <mc:AlternateContent xmlns:mc="http://schemas.openxmlformats.org/markup-compatibility/2006">
         <mc:Choice xmlns:a14="http://schemas.microsoft.com/office/drawing/2010/main" Requires="a14">
           <p:sp>
             <p:nvSpPr>
-              <p:cNvPr id="4" name="Text Placeholder 3"/>
+              <p:cNvPr id="3" name="Content Placeholder 2"/>
               <p:cNvSpPr>
                 <a:spLocks noGrp="1"/>
               </p:cNvSpPr>
               <p:nvPr>
-                <p:ph idx="2" sz="half" type="body"/>
+                <p:ph idx="1"/>
               </p:nvPr>
             </p:nvSpPr>
             <p:spPr/>
             <p:txBody>
               <a:bodyPr/>
               <a:lstStyle/>
-              <a:p>
-                <a:pPr lvl="0" indent="0" marL="0">
-                  <a:buNone/>
-                </a:pPr>
-              </a:p>
-              <a:p>
-                <a:pPr lvl="0" indent="0" marL="1270000">
-                  <a:buNone/>
-                </a:pPr>
-                <a:r>
-                  <a:rPr sz="2000"/>
-                  <a:t>Speaker Notes: The plot on the left shows the input-output relationship for a resistor. It’s a straight line, meaning the output voltage is always directly proportional to the input current at that instant. This is a memoryless system. The plot on the right shows the relationship for a capacitor with a sinusoidal input current. It forms a loop, known as a hysteresis loop. For a given input current, the output voltage can be different depending on the history of the input, demonstrating the system’s memory.</a:t>
-                </a:r>
-              </a:p>
-              <a:p>
-                <a:pPr lvl="0" indent="0" marL="0">
-                  <a:spcBef>
-                    <a:spcPts val="3000"/>
-                  </a:spcBef>
-                  <a:buNone/>
-                </a:pPr>
-                <a:r>
-                  <a:rPr b="1"/>
-                  <a:t>Invertibility and Inverse Systems</a:t>
-                </a:r>
-              </a:p>
               <a:p>
                 <a:pPr lvl="0"/>
                 <a:r>
@@ -10453,22 +12085,57 @@
                   <a:t>Speaker Notes: Invertibility is crucial in applications like communications and data compression. If you apply an encoding or compression scheme to a signal, you need to be able to reverse the process to get the original signal back. This means the encoding system must be invertible.</a:t>
                 </a:r>
               </a:p>
-              <a:p>
-                <a:pPr lvl="0" indent="0" marL="0">
-                  <a:spcBef>
-                    <a:spcPts val="3000"/>
-                  </a:spcBef>
-                  <a:buNone/>
-                </a:pPr>
-                <a:r>
-                  <a:rPr b="1"/>
-                  <a:t>Visualizing Invertibility</a:t>
-                </a:r>
-              </a:p>
             </p:txBody>
           </p:sp>
         </mc:Choice>
       </mc:AlternateContent>
+    </p:spTree>
+  </p:cSld>
+</p:sld>
+</file>
+
+<file path=ppt/slides/slide68.xml><?xml version="1.0" encoding="utf-8"?>
+<p:sld xmlns:a="http://schemas.openxmlformats.org/drawingml/2006/main" xmlns:r="http://schemas.openxmlformats.org/officeDocument/2006/relationships" xmlns:p="http://schemas.openxmlformats.org/presentationml/2006/main">
+  <p:cSld>
+    <p:spTree>
+      <p:nvGrpSpPr>
+        <p:cNvPr id="1" name=""/>
+        <p:cNvGrpSpPr/>
+        <p:nvPr/>
+      </p:nvGrpSpPr>
+      <p:grpSpPr>
+        <a:xfrm>
+          <a:off x="0" y="0"/>
+          <a:ext cx="0" cy="0"/>
+          <a:chOff x="0" y="0"/>
+          <a:chExt cx="0" cy="0"/>
+        </a:xfrm>
+      </p:grpSpPr>
+      <p:sp>
+        <p:nvSpPr>
+          <p:cNvPr id="2" name="Title 1"/>
+          <p:cNvSpPr>
+            <a:spLocks noGrp="1"/>
+          </p:cNvSpPr>
+          <p:nvPr>
+            <p:ph type="title"/>
+          </p:nvPr>
+        </p:nvSpPr>
+        <p:spPr/>
+        <p:txBody>
+          <a:bodyPr/>
+          <a:lstStyle/>
+          <a:p>
+            <a:pPr lvl="0" indent="0" marL="0">
+              <a:buNone/>
+            </a:pPr>
+            <a:r>
+              <a:rPr/>
+              <a:t>Visualizing Invertibility</a:t>
+            </a:r>
+          </a:p>
+        </p:txBody>
+      </p:sp>
       <p:pic>
         <p:nvPicPr>
           <p:cNvPr descr="presentation_files/figure-pptx/invertibility_plot-3.png" id="0" name="Picture 1"/>
@@ -10485,8 +12152,8 @@
         </p:blipFill>
         <p:spPr bwMode="auto">
           <a:xfrm>
-            <a:off x="3568700" y="800100"/>
-            <a:ext cx="5105400" cy="3187700"/>
+            <a:off x="1854200" y="1193800"/>
+            <a:ext cx="5422900" cy="3390900"/>
           </a:xfrm>
           <a:prstGeom prst="rect">
             <a:avLst/>
@@ -10504,7 +12171,7 @@
 </p:sld>
 </file>
 
-<file path=ppt/slides/slide28.xml><?xml version="1.0" encoding="utf-8"?>
+<file path=ppt/slides/slide69.xml><?xml version="1.0" encoding="utf-8"?>
 <p:sld xmlns:a="http://schemas.openxmlformats.org/drawingml/2006/main" xmlns:r="http://schemas.openxmlformats.org/officeDocument/2006/relationships" xmlns:p="http://schemas.openxmlformats.org/presentationml/2006/main">
   <p:cSld>
     <p:spTree>
@@ -10521,16 +12188,170 @@
           <a:chExt cx="0" cy="0"/>
         </a:xfrm>
       </p:grpSpPr>
+      <p:sp>
+        <p:nvSpPr>
+          <p:cNvPr id="3" name="Content Placeholder 2"/>
+          <p:cNvSpPr>
+            <a:spLocks noGrp="1"/>
+          </p:cNvSpPr>
+          <p:nvPr>
+            <p:ph idx="1"/>
+          </p:nvPr>
+        </p:nvSpPr>
+        <p:spPr/>
+        <p:txBody>
+          <a:bodyPr/>
+          <a:lstStyle/>
+          <a:p>
+            <a:pPr lvl="0" indent="0" marL="0">
+              <a:buNone/>
+            </a:pPr>
+          </a:p>
+          <a:p>
+            <a:pPr lvl="0" indent="0" marL="1270000">
+              <a:buNone/>
+            </a:pPr>
+            <a:r>
+              <a:rPr sz="2000"/>
+              <a:t>Speaker Notes: The plot on the left shows a clear, one-to-one mapping between input and output. For any given output value, there is only one possible input value. This system is invertible. The plot on the right shows the relationship y=x^2. Notice that for an output value of y=4 (the dashed red line), there are two possible input values, x=-2 and x=2. Since we can’t uniquely determine the input, this system is non-invertible.</a:t>
+            </a:r>
+          </a:p>
+        </p:txBody>
+      </p:sp>
+    </p:spTree>
+  </p:cSld>
+</p:sld>
+</file>
+
+<file path=ppt/slides/slide7.xml><?xml version="1.0" encoding="utf-8"?>
+<p:sld xmlns:a="http://schemas.openxmlformats.org/drawingml/2006/main" xmlns:r="http://schemas.openxmlformats.org/officeDocument/2006/relationships" xmlns:p="http://schemas.openxmlformats.org/presentationml/2006/main">
+  <p:cSld>
+    <p:spTree>
+      <p:nvGrpSpPr>
+        <p:cNvPr id="1" name=""/>
+        <p:cNvGrpSpPr/>
+        <p:nvPr/>
+      </p:nvGrpSpPr>
+      <p:grpSpPr>
+        <a:xfrm>
+          <a:off x="0" y="0"/>
+          <a:ext cx="0" cy="0"/>
+          <a:chOff x="0" y="0"/>
+          <a:chExt cx="0" cy="0"/>
+        </a:xfrm>
+      </p:grpSpPr>
+      <p:sp>
+        <p:nvSpPr>
+          <p:cNvPr id="2" name="Title 1"/>
+          <p:cNvSpPr>
+            <a:spLocks noGrp="1"/>
+          </p:cNvSpPr>
+          <p:nvPr>
+            <p:ph type="title"/>
+          </p:nvPr>
+        </p:nvSpPr>
+        <p:spPr/>
+        <p:txBody>
+          <a:bodyPr/>
+          <a:lstStyle/>
+          <a:p>
+            <a:pPr lvl="0" indent="0" marL="0">
+              <a:buNone/>
+            </a:pPr>
+            <a:r>
+              <a:rPr/>
+              <a:t>Continuous vs. Discrete Signals</a:t>
+            </a:r>
+          </a:p>
+        </p:txBody>
+      </p:sp>
+      <p:pic>
+        <p:nvPicPr>
+          <p:cNvPr descr="presentation_files/figure-pptx/ct_vs_dt-1.png" id="0" name="Picture 1"/>
+          <p:cNvPicPr>
+            <a:picLocks noGrp="1" noChangeAspect="1"/>
+          </p:cNvPicPr>
+          <p:nvPr/>
+        </p:nvPicPr>
+        <p:blipFill>
+          <a:blip r:embed="rId2"/>
+          <a:stretch>
+            <a:fillRect/>
+          </a:stretch>
+        </p:blipFill>
+        <p:spPr bwMode="auto">
+          <a:xfrm>
+            <a:off x="1181100" y="1193800"/>
+            <a:ext cx="6781800" cy="3390900"/>
+          </a:xfrm>
+          <a:prstGeom prst="rect">
+            <a:avLst/>
+          </a:prstGeom>
+          <a:noFill/>
+          <a:ln w="9525">
+            <a:noFill/>
+            <a:headEnd/>
+            <a:tailEnd/>
+          </a:ln>
+        </p:spPr>
+      </p:pic>
+    </p:spTree>
+  </p:cSld>
+</p:sld>
+</file>
+
+<file path=ppt/slides/slide70.xml><?xml version="1.0" encoding="utf-8"?>
+<p:sld xmlns:a="http://schemas.openxmlformats.org/drawingml/2006/main" xmlns:r="http://schemas.openxmlformats.org/officeDocument/2006/relationships" xmlns:p="http://schemas.openxmlformats.org/presentationml/2006/main">
+  <p:cSld>
+    <p:spTree>
+      <p:nvGrpSpPr>
+        <p:cNvPr id="1" name=""/>
+        <p:cNvGrpSpPr/>
+        <p:nvPr/>
+      </p:nvGrpSpPr>
+      <p:grpSpPr>
+        <a:xfrm>
+          <a:off x="0" y="0"/>
+          <a:ext cx="0" cy="0"/>
+          <a:chOff x="0" y="0"/>
+          <a:chExt cx="0" cy="0"/>
+        </a:xfrm>
+      </p:grpSpPr>
+      <p:sp>
+        <p:nvSpPr>
+          <p:cNvPr id="2" name="Title 1"/>
+          <p:cNvSpPr>
+            <a:spLocks noGrp="1"/>
+          </p:cNvSpPr>
+          <p:nvPr>
+            <p:ph type="title"/>
+          </p:nvPr>
+        </p:nvSpPr>
+        <p:spPr/>
+        <p:txBody>
+          <a:bodyPr/>
+          <a:lstStyle/>
+          <a:p>
+            <a:pPr lvl="0" indent="0" marL="0">
+              <a:buNone/>
+            </a:pPr>
+            <a:r>
+              <a:rPr/>
+              <a:t>Linearity</a:t>
+            </a:r>
+          </a:p>
+        </p:txBody>
+      </p:sp>
       <mc:AlternateContent xmlns:mc="http://schemas.openxmlformats.org/markup-compatibility/2006">
         <mc:Choice xmlns:a14="http://schemas.microsoft.com/office/drawing/2010/main" Requires="a14">
           <p:sp>
             <p:nvSpPr>
-              <p:cNvPr id="4" name="Text Placeholder 3"/>
+              <p:cNvPr id="3" name="Content Placeholder 2"/>
               <p:cNvSpPr>
                 <a:spLocks noGrp="1"/>
               </p:cNvSpPr>
               <p:nvPr>
-                <p:ph idx="2" sz="half" type="body"/>
+                <p:ph idx="1"/>
               </p:nvPr>
             </p:nvSpPr>
             <p:spPr/>
@@ -10538,9 +12359,568 @@
               <a:bodyPr/>
               <a:lstStyle/>
               <a:p>
-                <a:pPr lvl="0" indent="0" marL="0">
-                  <a:buNone/>
-                </a:pPr>
+                <a:pPr lvl="0"/>
+                <a:r>
+                  <a:rPr/>
+                  <a:t>A system is </a:t>
+                </a:r>
+                <a:r>
+                  <a:rPr b="1"/>
+                  <a:t>linear</a:t>
+                </a:r>
+                <a:r>
+                  <a:rPr/>
+                  <a:t> if it possesses the property of </a:t>
+                </a:r>
+                <a:r>
+                  <a:rPr b="1"/>
+                  <a:t>superposition</a:t>
+                </a:r>
+                <a:r>
+                  <a:rPr/>
+                  <a:t>.</a:t>
+                </a:r>
+              </a:p>
+              <a:p>
+                <a:pPr lvl="0"/>
+                <a:r>
+                  <a:rPr b="1"/>
+                  <a:t>Superposition</a:t>
+                </a:r>
+                <a:r>
+                  <a:rPr/>
+                  <a:t> = Additivity + Homogeneity</a:t>
+                </a:r>
+              </a:p>
+              <a:p>
+                <a:pPr lvl="0"/>
+                <a:r>
+                  <a:rPr b="1"/>
+                  <a:t>Additivity:</a:t>
+                </a:r>
+                <a:r>
+                  <a:rPr/>
+                  <a:t> If </a:t>
+                </a:r>
+                <a14:m>
+                  <m:oMath xmlns:m="http://schemas.openxmlformats.org/officeDocument/2006/math">
+                    <m:sSub>
+                      <m:e>
+                        <m:r>
+                          <m:t>x</m:t>
+                        </m:r>
+                      </m:e>
+                      <m:sub>
+                        <m:r>
+                          <m:t>1</m:t>
+                        </m:r>
+                      </m:sub>
+                    </m:sSub>
+                    <m:d>
+                      <m:dPr>
+                        <m:begChr m:val="("/>
+                        <m:endChr m:val=")"/>
+                        <m:sepChr m:val=""/>
+                        <m:grow/>
+                      </m:dPr>
+                      <m:e>
+                        <m:r>
+                          <m:t>t</m:t>
+                        </m:r>
+                      </m:e>
+                    </m:d>
+                    <m:r>
+                      <m:rPr>
+                        <m:sty m:val="p"/>
+                      </m:rPr>
+                      <m:t>→</m:t>
+                    </m:r>
+                    <m:sSub>
+                      <m:e>
+                        <m:r>
+                          <m:t>y</m:t>
+                        </m:r>
+                      </m:e>
+                      <m:sub>
+                        <m:r>
+                          <m:t>1</m:t>
+                        </m:r>
+                      </m:sub>
+                    </m:sSub>
+                    <m:d>
+                      <m:dPr>
+                        <m:begChr m:val="("/>
+                        <m:endChr m:val=")"/>
+                        <m:sepChr m:val=""/>
+                        <m:grow/>
+                      </m:dPr>
+                      <m:e>
+                        <m:r>
+                          <m:t>t</m:t>
+                        </m:r>
+                      </m:e>
+                    </m:d>
+                  </m:oMath>
+                </a14:m>
+                <a:r>
+                  <a:rPr/>
+                  <a:t> and </a:t>
+                </a:r>
+                <a14:m>
+                  <m:oMath xmlns:m="http://schemas.openxmlformats.org/officeDocument/2006/math">
+                    <m:sSub>
+                      <m:e>
+                        <m:r>
+                          <m:t>x</m:t>
+                        </m:r>
+                      </m:e>
+                      <m:sub>
+                        <m:r>
+                          <m:t>2</m:t>
+                        </m:r>
+                      </m:sub>
+                    </m:sSub>
+                    <m:d>
+                      <m:dPr>
+                        <m:begChr m:val="("/>
+                        <m:endChr m:val=")"/>
+                        <m:sepChr m:val=""/>
+                        <m:grow/>
+                      </m:dPr>
+                      <m:e>
+                        <m:r>
+                          <m:t>t</m:t>
+                        </m:r>
+                      </m:e>
+                    </m:d>
+                    <m:r>
+                      <m:rPr>
+                        <m:sty m:val="p"/>
+                      </m:rPr>
+                      <m:t>→</m:t>
+                    </m:r>
+                    <m:sSub>
+                      <m:e>
+                        <m:r>
+                          <m:t>y</m:t>
+                        </m:r>
+                      </m:e>
+                      <m:sub>
+                        <m:r>
+                          <m:t>2</m:t>
+                        </m:r>
+                      </m:sub>
+                    </m:sSub>
+                    <m:d>
+                      <m:dPr>
+                        <m:begChr m:val="("/>
+                        <m:endChr m:val=")"/>
+                        <m:sepChr m:val=""/>
+                        <m:grow/>
+                      </m:dPr>
+                      <m:e>
+                        <m:r>
+                          <m:t>t</m:t>
+                        </m:r>
+                      </m:e>
+                    </m:d>
+                  </m:oMath>
+                </a14:m>
+                <a:r>
+                  <a:rPr/>
+                  <a:t>, then </a:t>
+                </a:r>
+                <a14:m>
+                  <m:oMath xmlns:m="http://schemas.openxmlformats.org/officeDocument/2006/math">
+                    <m:sSub>
+                      <m:e>
+                        <m:r>
+                          <m:t>x</m:t>
+                        </m:r>
+                      </m:e>
+                      <m:sub>
+                        <m:r>
+                          <m:t>1</m:t>
+                        </m:r>
+                      </m:sub>
+                    </m:sSub>
+                    <m:d>
+                      <m:dPr>
+                        <m:begChr m:val="("/>
+                        <m:endChr m:val=")"/>
+                        <m:sepChr m:val=""/>
+                        <m:grow/>
+                      </m:dPr>
+                      <m:e>
+                        <m:r>
+                          <m:t>t</m:t>
+                        </m:r>
+                      </m:e>
+                    </m:d>
+                    <m:r>
+                      <m:rPr>
+                        <m:sty m:val="p"/>
+                      </m:rPr>
+                      <m:t>+</m:t>
+                    </m:r>
+                    <m:sSub>
+                      <m:e>
+                        <m:r>
+                          <m:t>x</m:t>
+                        </m:r>
+                      </m:e>
+                      <m:sub>
+                        <m:r>
+                          <m:t>2</m:t>
+                        </m:r>
+                      </m:sub>
+                    </m:sSub>
+                    <m:d>
+                      <m:dPr>
+                        <m:begChr m:val="("/>
+                        <m:endChr m:val=")"/>
+                        <m:sepChr m:val=""/>
+                        <m:grow/>
+                      </m:dPr>
+                      <m:e>
+                        <m:r>
+                          <m:t>t</m:t>
+                        </m:r>
+                      </m:e>
+                    </m:d>
+                    <m:r>
+                      <m:rPr>
+                        <m:sty m:val="p"/>
+                      </m:rPr>
+                      <m:t>→</m:t>
+                    </m:r>
+                    <m:sSub>
+                      <m:e>
+                        <m:r>
+                          <m:t>y</m:t>
+                        </m:r>
+                      </m:e>
+                      <m:sub>
+                        <m:r>
+                          <m:t>1</m:t>
+                        </m:r>
+                      </m:sub>
+                    </m:sSub>
+                    <m:d>
+                      <m:dPr>
+                        <m:begChr m:val="("/>
+                        <m:endChr m:val=")"/>
+                        <m:sepChr m:val=""/>
+                        <m:grow/>
+                      </m:dPr>
+                      <m:e>
+                        <m:r>
+                          <m:t>t</m:t>
+                        </m:r>
+                      </m:e>
+                    </m:d>
+                    <m:r>
+                      <m:rPr>
+                        <m:sty m:val="p"/>
+                      </m:rPr>
+                      <m:t>+</m:t>
+                    </m:r>
+                    <m:sSub>
+                      <m:e>
+                        <m:r>
+                          <m:t>y</m:t>
+                        </m:r>
+                      </m:e>
+                      <m:sub>
+                        <m:r>
+                          <m:t>2</m:t>
+                        </m:r>
+                      </m:sub>
+                    </m:sSub>
+                    <m:d>
+                      <m:dPr>
+                        <m:begChr m:val="("/>
+                        <m:endChr m:val=")"/>
+                        <m:sepChr m:val=""/>
+                        <m:grow/>
+                      </m:dPr>
+                      <m:e>
+                        <m:r>
+                          <m:t>t</m:t>
+                        </m:r>
+                      </m:e>
+                    </m:d>
+                  </m:oMath>
+                </a14:m>
+                <a:r>
+                  <a:rPr/>
+                  <a:t>.</a:t>
+                </a:r>
+              </a:p>
+              <a:p>
+                <a:pPr lvl="0"/>
+                <a:r>
+                  <a:rPr b="1"/>
+                  <a:t>Homogeneity:</a:t>
+                </a:r>
+                <a:r>
+                  <a:rPr/>
+                  <a:t> If </a:t>
+                </a:r>
+                <a14:m>
+                  <m:oMath xmlns:m="http://schemas.openxmlformats.org/officeDocument/2006/math">
+                    <m:r>
+                      <m:t>x</m:t>
+                    </m:r>
+                    <m:d>
+                      <m:dPr>
+                        <m:begChr m:val="("/>
+                        <m:endChr m:val=")"/>
+                        <m:sepChr m:val=""/>
+                        <m:grow/>
+                      </m:dPr>
+                      <m:e>
+                        <m:r>
+                          <m:t>t</m:t>
+                        </m:r>
+                      </m:e>
+                    </m:d>
+                    <m:r>
+                      <m:rPr>
+                        <m:sty m:val="p"/>
+                      </m:rPr>
+                      <m:t>→</m:t>
+                    </m:r>
+                    <m:r>
+                      <m:t>y</m:t>
+                    </m:r>
+                    <m:d>
+                      <m:dPr>
+                        <m:begChr m:val="("/>
+                        <m:endChr m:val=")"/>
+                        <m:sepChr m:val=""/>
+                        <m:grow/>
+                      </m:dPr>
+                      <m:e>
+                        <m:r>
+                          <m:t>t</m:t>
+                        </m:r>
+                      </m:e>
+                    </m:d>
+                  </m:oMath>
+                </a14:m>
+                <a:r>
+                  <a:rPr/>
+                  <a:t>, then </a:t>
+                </a:r>
+                <a14:m>
+                  <m:oMath xmlns:m="http://schemas.openxmlformats.org/officeDocument/2006/math">
+                    <m:r>
+                      <m:t>a</m:t>
+                    </m:r>
+                    <m:r>
+                      <m:t>x</m:t>
+                    </m:r>
+                    <m:d>
+                      <m:dPr>
+                        <m:begChr m:val="("/>
+                        <m:endChr m:val=")"/>
+                        <m:sepChr m:val=""/>
+                        <m:grow/>
+                      </m:dPr>
+                      <m:e>
+                        <m:r>
+                          <m:t>t</m:t>
+                        </m:r>
+                      </m:e>
+                    </m:d>
+                    <m:r>
+                      <m:rPr>
+                        <m:sty m:val="p"/>
+                      </m:rPr>
+                      <m:t>→</m:t>
+                    </m:r>
+                    <m:r>
+                      <m:t>a</m:t>
+                    </m:r>
+                    <m:r>
+                      <m:t>y</m:t>
+                    </m:r>
+                    <m:d>
+                      <m:dPr>
+                        <m:begChr m:val="("/>
+                        <m:endChr m:val=")"/>
+                        <m:sepChr m:val=""/>
+                        <m:grow/>
+                      </m:dPr>
+                      <m:e>
+                        <m:r>
+                          <m:t>t</m:t>
+                        </m:r>
+                      </m:e>
+                    </m:d>
+                  </m:oMath>
+                </a14:m>
+                <a:r>
+                  <a:rPr/>
+                  <a:t> for any complex constant </a:t>
+                </a:r>
+                <a14:m>
+                  <m:oMath xmlns:m="http://schemas.openxmlformats.org/officeDocument/2006/math">
+                    <m:r>
+                      <m:t>a</m:t>
+                    </m:r>
+                  </m:oMath>
+                </a14:m>
+                <a:r>
+                  <a:rPr/>
+                  <a:t>.</a:t>
+                </a:r>
+              </a:p>
+              <a:p>
+                <a:pPr lvl="0"/>
+                <a:r>
+                  <a:rPr/>
+                  <a:t>Combined: </a:t>
+                </a:r>
+                <a14:m>
+                  <m:oMath xmlns:m="http://schemas.openxmlformats.org/officeDocument/2006/math">
+                    <m:r>
+                      <m:t>a</m:t>
+                    </m:r>
+                    <m:sSub>
+                      <m:e>
+                        <m:r>
+                          <m:t>x</m:t>
+                        </m:r>
+                      </m:e>
+                      <m:sub>
+                        <m:r>
+                          <m:t>1</m:t>
+                        </m:r>
+                      </m:sub>
+                    </m:sSub>
+                    <m:d>
+                      <m:dPr>
+                        <m:begChr m:val="("/>
+                        <m:endChr m:val=")"/>
+                        <m:sepChr m:val=""/>
+                        <m:grow/>
+                      </m:dPr>
+                      <m:e>
+                        <m:r>
+                          <m:t>t</m:t>
+                        </m:r>
+                      </m:e>
+                    </m:d>
+                    <m:r>
+                      <m:rPr>
+                        <m:sty m:val="p"/>
+                      </m:rPr>
+                      <m:t>+</m:t>
+                    </m:r>
+                    <m:r>
+                      <m:t>b</m:t>
+                    </m:r>
+                    <m:sSub>
+                      <m:e>
+                        <m:r>
+                          <m:t>x</m:t>
+                        </m:r>
+                      </m:e>
+                      <m:sub>
+                        <m:r>
+                          <m:t>2</m:t>
+                        </m:r>
+                      </m:sub>
+                    </m:sSub>
+                    <m:d>
+                      <m:dPr>
+                        <m:begChr m:val="("/>
+                        <m:endChr m:val=")"/>
+                        <m:sepChr m:val=""/>
+                        <m:grow/>
+                      </m:dPr>
+                      <m:e>
+                        <m:r>
+                          <m:t>t</m:t>
+                        </m:r>
+                      </m:e>
+                    </m:d>
+                    <m:r>
+                      <m:rPr>
+                        <m:sty m:val="p"/>
+                      </m:rPr>
+                      <m:t>→</m:t>
+                    </m:r>
+                    <m:r>
+                      <m:t>a</m:t>
+                    </m:r>
+                    <m:sSub>
+                      <m:e>
+                        <m:r>
+                          <m:t>y</m:t>
+                        </m:r>
+                      </m:e>
+                      <m:sub>
+                        <m:r>
+                          <m:t>1</m:t>
+                        </m:r>
+                      </m:sub>
+                    </m:sSub>
+                    <m:d>
+                      <m:dPr>
+                        <m:begChr m:val="("/>
+                        <m:endChr m:val=")"/>
+                        <m:sepChr m:val=""/>
+                        <m:grow/>
+                      </m:dPr>
+                      <m:e>
+                        <m:r>
+                          <m:t>t</m:t>
+                        </m:r>
+                      </m:e>
+                    </m:d>
+                    <m:r>
+                      <m:rPr>
+                        <m:sty m:val="p"/>
+                      </m:rPr>
+                      <m:t>+</m:t>
+                    </m:r>
+                    <m:r>
+                      <m:t>b</m:t>
+                    </m:r>
+                    <m:sSub>
+                      <m:e>
+                        <m:r>
+                          <m:t>y</m:t>
+                        </m:r>
+                      </m:e>
+                      <m:sub>
+                        <m:r>
+                          <m:t>2</m:t>
+                        </m:r>
+                      </m:sub>
+                    </m:sSub>
+                    <m:d>
+                      <m:dPr>
+                        <m:begChr m:val="("/>
+                        <m:endChr m:val=")"/>
+                        <m:sepChr m:val=""/>
+                        <m:grow/>
+                      </m:dPr>
+                      <m:e>
+                        <m:r>
+                          <m:t>t</m:t>
+                        </m:r>
+                      </m:e>
+                    </m:d>
+                  </m:oMath>
+                </a14:m>
+                <a:r>
+                  <a:rPr/>
+                  <a:t>.</a:t>
+                </a:r>
               </a:p>
               <a:p>
                 <a:pPr lvl="0" indent="0" marL="1270000">
@@ -10548,21 +12928,336 @@
                 </a:pPr>
                 <a:r>
                   <a:rPr sz="2000"/>
-                  <a:t>Speaker Notes: The plot on the left shows a clear, one-to-one mapping between input and output. For any given output value, there is only one possible input value. This system is invertible. The plot on the right shows the relationship y=x^2. Notice that for an output value of y=4 (the dashed red line), there are two possible input values, x=-2 and x=2. Since we can’t uniquely determine the input, this system is non-invertible.</a:t>
+                  <a:t>Speaker Notes: Linearity is arguably the most important property we will study. Linear systems are much easier to analyze than non-linear ones, and many real-world systems can be approximated as linear. The superposition principle allows us to break down complex inputs into simpler components, analyze the system’s response to each, and then add the responses up.</a:t>
+                </a:r>
+              </a:p>
+            </p:txBody>
+          </p:sp>
+        </mc:Choice>
+      </mc:AlternateContent>
+    </p:spTree>
+  </p:cSld>
+</p:sld>
+</file>
+
+<file path=ppt/slides/slide71.xml><?xml version="1.0" encoding="utf-8"?>
+<p:sld xmlns:a="http://schemas.openxmlformats.org/drawingml/2006/main" xmlns:r="http://schemas.openxmlformats.org/officeDocument/2006/relationships" xmlns:p="http://schemas.openxmlformats.org/presentationml/2006/main">
+  <p:cSld>
+    <p:spTree>
+      <p:nvGrpSpPr>
+        <p:cNvPr id="1" name=""/>
+        <p:cNvGrpSpPr/>
+        <p:nvPr/>
+      </p:nvGrpSpPr>
+      <p:grpSpPr>
+        <a:xfrm>
+          <a:off x="0" y="0"/>
+          <a:ext cx="0" cy="0"/>
+          <a:chOff x="0" y="0"/>
+          <a:chExt cx="0" cy="0"/>
+        </a:xfrm>
+      </p:grpSpPr>
+      <p:sp>
+        <p:nvSpPr>
+          <p:cNvPr id="2" name="Title 1"/>
+          <p:cNvSpPr>
+            <a:spLocks noGrp="1"/>
+          </p:cNvSpPr>
+          <p:nvPr>
+            <p:ph type="title"/>
+          </p:nvPr>
+        </p:nvSpPr>
+        <p:spPr/>
+        <p:txBody>
+          <a:bodyPr/>
+          <a:lstStyle/>
+          <a:p>
+            <a:pPr lvl="0" indent="0" marL="0">
+              <a:buNone/>
+            </a:pPr>
+            <a:r>
+              <a:rPr/>
+              <a:t>Time-Invariance</a:t>
+            </a:r>
+          </a:p>
+        </p:txBody>
+      </p:sp>
+      <mc:AlternateContent xmlns:mc="http://schemas.openxmlformats.org/markup-compatibility/2006">
+        <mc:Choice xmlns:a14="http://schemas.microsoft.com/office/drawing/2010/main" Requires="a14">
+          <p:sp>
+            <p:nvSpPr>
+              <p:cNvPr id="3" name="Content Placeholder 2"/>
+              <p:cNvSpPr>
+                <a:spLocks noGrp="1"/>
+              </p:cNvSpPr>
+              <p:nvPr>
+                <p:ph idx="1"/>
+              </p:nvPr>
+            </p:nvSpPr>
+            <p:spPr/>
+            <p:txBody>
+              <a:bodyPr/>
+              <a:lstStyle/>
+              <a:p>
+                <a:pPr lvl="0"/>
+                <a:r>
+                  <a:rPr/>
+                  <a:t>A system is </a:t>
+                </a:r>
+                <a:r>
+                  <a:rPr b="1"/>
+                  <a:t>time-invariant</a:t>
+                </a:r>
+                <a:r>
+                  <a:rPr/>
+                  <a:t> if its behavior does not depend on what time it is.</a:t>
                 </a:r>
               </a:p>
               <a:p>
-                <a:pPr lvl="0" indent="0" marL="0">
-                  <a:spcBef>
-                    <a:spcPts val="3000"/>
-                  </a:spcBef>
+                <a:pPr lvl="0"/>
+                <a:r>
+                  <a:rPr/>
+                  <a:t>Mathematically: If </a:t>
+                </a:r>
+                <a14:m>
+                  <m:oMath xmlns:m="http://schemas.openxmlformats.org/officeDocument/2006/math">
+                    <m:r>
+                      <m:t>x</m:t>
+                    </m:r>
+                    <m:d>
+                      <m:dPr>
+                        <m:begChr m:val="("/>
+                        <m:endChr m:val=")"/>
+                        <m:sepChr m:val=""/>
+                        <m:grow/>
+                      </m:dPr>
+                      <m:e>
+                        <m:r>
+                          <m:t>t</m:t>
+                        </m:r>
+                      </m:e>
+                    </m:d>
+                    <m:r>
+                      <m:rPr>
+                        <m:sty m:val="p"/>
+                      </m:rPr>
+                      <m:t>→</m:t>
+                    </m:r>
+                    <m:r>
+                      <m:t>y</m:t>
+                    </m:r>
+                    <m:d>
+                      <m:dPr>
+                        <m:begChr m:val="("/>
+                        <m:endChr m:val=")"/>
+                        <m:sepChr m:val=""/>
+                        <m:grow/>
+                      </m:dPr>
+                      <m:e>
+                        <m:r>
+                          <m:t>t</m:t>
+                        </m:r>
+                      </m:e>
+                    </m:d>
+                  </m:oMath>
+                </a14:m>
+                <a:r>
+                  <a:rPr/>
+                  <a:t>, then </a:t>
+                </a:r>
+                <a14:m>
+                  <m:oMath xmlns:m="http://schemas.openxmlformats.org/officeDocument/2006/math">
+                    <m:r>
+                      <m:t>x</m:t>
+                    </m:r>
+                    <m:d>
+                      <m:dPr>
+                        <m:begChr m:val="("/>
+                        <m:endChr m:val=")"/>
+                        <m:sepChr m:val=""/>
+                        <m:grow/>
+                      </m:dPr>
+                      <m:e>
+                        <m:r>
+                          <m:t>t</m:t>
+                        </m:r>
+                        <m:r>
+                          <m:rPr>
+                            <m:sty m:val="p"/>
+                          </m:rPr>
+                          <m:t>−</m:t>
+                        </m:r>
+                        <m:sSub>
+                          <m:e>
+                            <m:r>
+                              <m:t>t</m:t>
+                            </m:r>
+                          </m:e>
+                          <m:sub>
+                            <m:r>
+                              <m:t>0</m:t>
+                            </m:r>
+                          </m:sub>
+                        </m:sSub>
+                      </m:e>
+                    </m:d>
+                    <m:r>
+                      <m:rPr>
+                        <m:sty m:val="p"/>
+                      </m:rPr>
+                      <m:t>→</m:t>
+                    </m:r>
+                    <m:r>
+                      <m:t>y</m:t>
+                    </m:r>
+                    <m:d>
+                      <m:dPr>
+                        <m:begChr m:val="("/>
+                        <m:endChr m:val=")"/>
+                        <m:sepChr m:val=""/>
+                        <m:grow/>
+                      </m:dPr>
+                      <m:e>
+                        <m:r>
+                          <m:t>t</m:t>
+                        </m:r>
+                        <m:r>
+                          <m:rPr>
+                            <m:sty m:val="p"/>
+                          </m:rPr>
+                          <m:t>−</m:t>
+                        </m:r>
+                        <m:sSub>
+                          <m:e>
+                            <m:r>
+                              <m:t>t</m:t>
+                            </m:r>
+                          </m:e>
+                          <m:sub>
+                            <m:r>
+                              <m:t>0</m:t>
+                            </m:r>
+                          </m:sub>
+                        </m:sSub>
+                      </m:e>
+                    </m:d>
+                  </m:oMath>
+                </a14:m>
+                <a:r>
+                  <a:rPr/>
+                  <a:t> for any time shift </a:t>
+                </a:r>
+                <a14:m>
+                  <m:oMath xmlns:m="http://schemas.openxmlformats.org/officeDocument/2006/math">
+                    <m:sSub>
+                      <m:e>
+                        <m:r>
+                          <m:t>t</m:t>
+                        </m:r>
+                      </m:e>
+                      <m:sub>
+                        <m:r>
+                          <m:t>0</m:t>
+                        </m:r>
+                      </m:sub>
+                    </m:sSub>
+                  </m:oMath>
+                </a14:m>
+                <a:r>
+                  <a:rPr/>
+                  <a:t>.</a:t>
+                </a:r>
+              </a:p>
+              <a:p>
+                <a:pPr lvl="0"/>
+                <a:r>
+                  <a:rPr/>
+                  <a:t>A time-shift in the input signal causes an identical time-shift in the output signal.</a:t>
+                </a:r>
+              </a:p>
+              <a:p>
+                <a:pPr lvl="0"/>
+                <a:r>
+                  <a:rPr/>
+                  <a:t>An RC circuit with constant R and C values is time-invariant. If R or C varied with time, the system would be time-varying.</a:t>
+                </a:r>
+              </a:p>
+              <a:p>
+                <a:pPr lvl="0" indent="0" marL="1270000">
                   <a:buNone/>
                 </a:pPr>
                 <a:r>
-                  <a:rPr b="1"/>
-                  <a:t>Causality</a:t>
+                  <a:rPr sz="2000"/>
+                  <a:t>Speaker Notes: Time-invariance means the “rules” of the system don’t change over time. If you perform an experiment today and get a certain result, you should get the same result if you perform the exact same experiment tomorrow. The combination of Linearity and Time-Invariance (LTI) defines the class of systems we will focus on for most of this course.</a:t>
                 </a:r>
               </a:p>
+            </p:txBody>
+          </p:sp>
+        </mc:Choice>
+      </mc:AlternateContent>
+    </p:spTree>
+  </p:cSld>
+</p:sld>
+</file>
+
+<file path=ppt/slides/slide72.xml><?xml version="1.0" encoding="utf-8"?>
+<p:sld xmlns:a="http://schemas.openxmlformats.org/drawingml/2006/main" xmlns:r="http://schemas.openxmlformats.org/officeDocument/2006/relationships" xmlns:p="http://schemas.openxmlformats.org/presentationml/2006/main">
+  <p:cSld>
+    <p:spTree>
+      <p:nvGrpSpPr>
+        <p:cNvPr id="1" name=""/>
+        <p:cNvGrpSpPr/>
+        <p:nvPr/>
+      </p:nvGrpSpPr>
+      <p:grpSpPr>
+        <a:xfrm>
+          <a:off x="0" y="0"/>
+          <a:ext cx="0" cy="0"/>
+          <a:chOff x="0" y="0"/>
+          <a:chExt cx="0" cy="0"/>
+        </a:xfrm>
+      </p:grpSpPr>
+      <p:sp>
+        <p:nvSpPr>
+          <p:cNvPr id="2" name="Title 1"/>
+          <p:cNvSpPr>
+            <a:spLocks noGrp="1"/>
+          </p:cNvSpPr>
+          <p:nvPr>
+            <p:ph type="title"/>
+          </p:nvPr>
+        </p:nvSpPr>
+        <p:spPr/>
+        <p:txBody>
+          <a:bodyPr/>
+          <a:lstStyle/>
+          <a:p>
+            <a:pPr lvl="0" indent="0" marL="0">
+              <a:buNone/>
+            </a:pPr>
+            <a:r>
+              <a:rPr/>
+              <a:t>Causality</a:t>
+            </a:r>
+          </a:p>
+        </p:txBody>
+      </p:sp>
+      <mc:AlternateContent xmlns:mc="http://schemas.openxmlformats.org/markup-compatibility/2006">
+        <mc:Choice xmlns:a14="http://schemas.microsoft.com/office/drawing/2010/main" Requires="a14">
+          <p:sp>
+            <p:nvSpPr>
+              <p:cNvPr id="3" name="Content Placeholder 2"/>
+              <p:cNvSpPr>
+                <a:spLocks noGrp="1"/>
+              </p:cNvSpPr>
+              <p:nvPr>
+                <p:ph idx="1"/>
+              </p:nvPr>
+            </p:nvSpPr>
+            <p:spPr/>
+            <p:txBody>
+              <a:bodyPr/>
+              <a:lstStyle/>
               <a:p>
                 <a:pPr lvl="0"/>
                 <a:r>
@@ -10756,478 +13451,16 @@
                   <a:t>Speaker Notes: Causality is a fundamental constraint in systems that operate in real time. You can’t react to an event before it happens. However, if you have a complete recording of a signal, you can design a non-causal filter. For example, to smooth a noisy signal at a certain point, you might want to average the values just before and just after that point, which requires knowledge of “future” data.</a:t>
                 </a:r>
               </a:p>
-              <a:p>
-                <a:pPr lvl="0" indent="0" marL="0">
-                  <a:spcBef>
-                    <a:spcPts val="3000"/>
-                  </a:spcBef>
-                  <a:buNone/>
-                </a:pPr>
-                <a:r>
-                  <a:rPr b="1"/>
-                  <a:t>Causal vs. Non-Causal Filtering</a:t>
-                </a:r>
-              </a:p>
             </p:txBody>
           </p:sp>
         </mc:Choice>
       </mc:AlternateContent>
-      <p:pic>
-        <p:nvPicPr>
-          <p:cNvPr descr="presentation_files/figure-pptx/causality_plot-1.png" id="0" name="Picture 1"/>
-          <p:cNvPicPr>
-            <a:picLocks noGrp="1" noChangeAspect="1"/>
-          </p:cNvPicPr>
-          <p:nvPr/>
-        </p:nvPicPr>
-        <p:blipFill>
-          <a:blip r:embed="rId2"/>
-          <a:stretch>
-            <a:fillRect/>
-          </a:stretch>
-        </p:blipFill>
-        <p:spPr bwMode="auto">
-          <a:xfrm>
-            <a:off x="3568700" y="1117600"/>
-            <a:ext cx="5105400" cy="2552700"/>
-          </a:xfrm>
-          <a:prstGeom prst="rect">
-            <a:avLst/>
-          </a:prstGeom>
-          <a:noFill/>
-          <a:ln w="9525">
-            <a:noFill/>
-            <a:headEnd/>
-            <a:tailEnd/>
-          </a:ln>
-        </p:spPr>
-      </p:pic>
     </p:spTree>
   </p:cSld>
 </p:sld>
 </file>
 
-<file path=ppt/slides/slide29.xml><?xml version="1.0" encoding="utf-8"?>
-<p:sld xmlns:a="http://schemas.openxmlformats.org/drawingml/2006/main" xmlns:r="http://schemas.openxmlformats.org/officeDocument/2006/relationships" xmlns:p="http://schemas.openxmlformats.org/presentationml/2006/main">
-  <p:cSld>
-    <p:spTree>
-      <p:nvGrpSpPr>
-        <p:cNvPr id="1" name=""/>
-        <p:cNvGrpSpPr/>
-        <p:nvPr/>
-      </p:nvGrpSpPr>
-      <p:grpSpPr>
-        <a:xfrm>
-          <a:off x="0" y="0"/>
-          <a:ext cx="0" cy="0"/>
-          <a:chOff x="0" y="0"/>
-          <a:chExt cx="0" cy="0"/>
-        </a:xfrm>
-      </p:grpSpPr>
-      <mc:AlternateContent xmlns:mc="http://schemas.openxmlformats.org/markup-compatibility/2006">
-        <mc:Choice xmlns:a14="http://schemas.microsoft.com/office/drawing/2010/main" Requires="a14">
-          <p:sp>
-            <p:nvSpPr>
-              <p:cNvPr id="4" name="Text Placeholder 3"/>
-              <p:cNvSpPr>
-                <a:spLocks noGrp="1"/>
-              </p:cNvSpPr>
-              <p:nvPr>
-                <p:ph idx="2" sz="half" type="body"/>
-              </p:nvPr>
-            </p:nvSpPr>
-            <p:spPr/>
-            <p:txBody>
-              <a:bodyPr/>
-              <a:lstStyle/>
-              <a:p>
-                <a:pPr lvl="0" indent="0" marL="0">
-                  <a:buNone/>
-                </a:pPr>
-              </a:p>
-              <a:p>
-                <a:pPr lvl="0" indent="0" marL="1270000">
-                  <a:buNone/>
-                </a:pPr>
-                <a:r>
-                  <a:rPr sz="2000"/>
-                  <a:t>Speaker Notes: The black dots represent a noisy step input. The blue line is the output of a non-causal smoothing filter. Notice how it starts to rise </a:t>
-                </a:r>
-                <a:r>
-                  <a:rPr sz="2000" i="1"/>
-                  <a:t>before</a:t>
-                </a:r>
-                <a:r>
-                  <a:rPr sz="2000"/>
-                  <a:t> the step at n=30. This is because it averages future values, anticipating the jump. The red line is from a causal filter. It only starts to react at n=30 and exhibits a characteristic lag as it catches up to the input. This lag is typical of real-time causal systems.</a:t>
-                </a:r>
-              </a:p>
-              <a:p>
-                <a:pPr lvl="0" indent="0" marL="0">
-                  <a:spcBef>
-                    <a:spcPts val="3000"/>
-                  </a:spcBef>
-                  <a:buNone/>
-                </a:pPr>
-                <a:r>
-                  <a:rPr b="1"/>
-                  <a:t>Stability</a:t>
-                </a:r>
-              </a:p>
-              <a:p>
-                <a:pPr lvl="0"/>
-                <a:r>
-                  <a:rPr b="1"/>
-                  <a:t>Stability</a:t>
-                </a:r>
-                <a:r>
-                  <a:rPr/>
-                  <a:t> is a critical property for most systems. Informally, a stable system is one where small inputs lead to responses that do not diverge.</a:t>
-                </a:r>
-              </a:p>
-              <a:p>
-                <a:pPr lvl="0"/>
-                <a:r>
-                  <a:rPr/>
-                  <a:t>We use the </a:t>
-                </a:r>
-                <a:r>
-                  <a:rPr b="1"/>
-                  <a:t>Bounded-Input, Bounded-Output (BIBO)</a:t>
-                </a:r>
-                <a:r>
-                  <a:rPr/>
-                  <a:t> definition: &gt; A system is stable if every bounded input produces a bounded output.</a:t>
-                </a:r>
-              </a:p>
-              <a:p>
-                <a:pPr lvl="0"/>
-                <a:r>
-                  <a:rPr b="1"/>
-                  <a:t>Bounded Input:</a:t>
-                </a:r>
-                <a:r>
-                  <a:rPr/>
-                  <a:t> There exists a constant </a:t>
-                </a:r>
-                <a14:m>
-                  <m:oMath xmlns:m="http://schemas.openxmlformats.org/officeDocument/2006/math">
-                    <m:r>
-                      <m:t>B</m:t>
-                    </m:r>
-                  </m:oMath>
-                </a14:m>
-                <a:r>
-                  <a:rPr/>
-                  <a:t> such that </a:t>
-                </a:r>
-                <a14:m>
-                  <m:oMath xmlns:m="http://schemas.openxmlformats.org/officeDocument/2006/math">
-                    <m:d>
-                      <m:dPr>
-                        <m:begChr m:val="|"/>
-                        <m:endChr m:val="|"/>
-                        <m:sepChr m:val=""/>
-                        <m:grow/>
-                      </m:dPr>
-                      <m:e>
-                        <m:r>
-                          <m:t>x</m:t>
-                        </m:r>
-                        <m:d>
-                          <m:dPr>
-                            <m:begChr m:val="("/>
-                            <m:endChr m:val=")"/>
-                            <m:sepChr m:val=""/>
-                            <m:grow/>
-                          </m:dPr>
-                          <m:e>
-                            <m:r>
-                              <m:t>t</m:t>
-                            </m:r>
-                          </m:e>
-                        </m:d>
-                      </m:e>
-                    </m:d>
-                    <m:r>
-                      <m:rPr>
-                        <m:sty m:val="p"/>
-                      </m:rPr>
-                      <m:t>≤</m:t>
-                    </m:r>
-                    <m:r>
-                      <m:t>B</m:t>
-                    </m:r>
-                  </m:oMath>
-                </a14:m>
-                <a:r>
-                  <a:rPr/>
-                  <a:t> for all </a:t>
-                </a:r>
-                <a14:m>
-                  <m:oMath xmlns:m="http://schemas.openxmlformats.org/officeDocument/2006/math">
-                    <m:r>
-                      <m:t>t</m:t>
-                    </m:r>
-                  </m:oMath>
-                </a14:m>
-                <a:r>
-                  <a:rPr/>
-                  <a:t>.</a:t>
-                </a:r>
-              </a:p>
-              <a:p>
-                <a:pPr lvl="0"/>
-                <a:r>
-                  <a:rPr b="1"/>
-                  <a:t>Bounded Output:</a:t>
-                </a:r>
-                <a:r>
-                  <a:rPr/>
-                  <a:t> There exists a constant </a:t>
-                </a:r>
-                <a14:m>
-                  <m:oMath xmlns:m="http://schemas.openxmlformats.org/officeDocument/2006/math">
-                    <m:r>
-                      <m:t>C</m:t>
-                    </m:r>
-                  </m:oMath>
-                </a14:m>
-                <a:r>
-                  <a:rPr/>
-                  <a:t> such that </a:t>
-                </a:r>
-                <a14:m>
-                  <m:oMath xmlns:m="http://schemas.openxmlformats.org/officeDocument/2006/math">
-                    <m:d>
-                      <m:dPr>
-                        <m:begChr m:val="|"/>
-                        <m:endChr m:val="|"/>
-                        <m:sepChr m:val=""/>
-                        <m:grow/>
-                      </m:dPr>
-                      <m:e>
-                        <m:r>
-                          <m:t>y</m:t>
-                        </m:r>
-                        <m:d>
-                          <m:dPr>
-                            <m:begChr m:val="("/>
-                            <m:endChr m:val=")"/>
-                            <m:sepChr m:val=""/>
-                            <m:grow/>
-                          </m:dPr>
-                          <m:e>
-                            <m:r>
-                              <m:t>t</m:t>
-                            </m:r>
-                          </m:e>
-                        </m:d>
-                      </m:e>
-                    </m:d>
-                    <m:r>
-                      <m:rPr>
-                        <m:sty m:val="p"/>
-                      </m:rPr>
-                      <m:t>≤</m:t>
-                    </m:r>
-                    <m:r>
-                      <m:t>C</m:t>
-                    </m:r>
-                  </m:oMath>
-                </a14:m>
-                <a:r>
-                  <a:rPr/>
-                  <a:t> for all </a:t>
-                </a:r>
-                <a14:m>
-                  <m:oMath xmlns:m="http://schemas.openxmlformats.org/officeDocument/2006/math">
-                    <m:r>
-                      <m:t>t</m:t>
-                    </m:r>
-                  </m:oMath>
-                </a14:m>
-                <a:r>
-                  <a:rPr/>
-                  <a:t>.</a:t>
-                </a:r>
-              </a:p>
-              <a:p>
-                <a:pPr lvl="0"/>
-                <a:r>
-                  <a:rPr/>
-                  <a:t>Example of an unstable system: an accumulator. </a:t>
-                </a:r>
-                <a14:m>
-                  <m:oMath xmlns:m="http://schemas.openxmlformats.org/officeDocument/2006/math">
-                    <m:r>
-                      <m:t>y</m:t>
-                    </m:r>
-                    <m:d>
-                      <m:dPr>
-                        <m:begChr m:val="["/>
-                        <m:endChr m:val="]"/>
-                        <m:sepChr m:val=""/>
-                        <m:grow/>
-                      </m:dPr>
-                      <m:e>
-                        <m:r>
-                          <m:t>n</m:t>
-                        </m:r>
-                      </m:e>
-                    </m:d>
-                    <m:r>
-                      <m:rPr>
-                        <m:sty m:val="p"/>
-                      </m:rPr>
-                      <m:t>=</m:t>
-                    </m:r>
-                    <m:nary>
-                      <m:naryPr>
-                        <m:chr m:val="∑"/>
-                        <m:limLoc m:val="undOvr"/>
-                        <m:subHide m:val="off"/>
-                        <m:supHide m:val="off"/>
-                      </m:naryPr>
-                      <m:sub>
-                        <m:r>
-                          <m:t>k</m:t>
-                        </m:r>
-                        <m:r>
-                          <m:rPr>
-                            <m:sty m:val="p"/>
-                          </m:rPr>
-                          <m:t>=</m:t>
-                        </m:r>
-                        <m:r>
-                          <m:rPr>
-                            <m:sty m:val="p"/>
-                          </m:rPr>
-                          <m:t>−</m:t>
-                        </m:r>
-                        <m:r>
-                          <m:rPr>
-                            <m:sty m:val="p"/>
-                          </m:rPr>
-                          <m:t>∞</m:t>
-                        </m:r>
-                      </m:sub>
-                      <m:sup>
-                        <m:r>
-                          <m:t>n</m:t>
-                        </m:r>
-                      </m:sup>
-                      <m:e>
-                        <m:r>
-                          <m:t>x</m:t>
-                        </m:r>
-                      </m:e>
-                    </m:nary>
-                    <m:d>
-                      <m:dPr>
-                        <m:begChr m:val="["/>
-                        <m:endChr m:val="]"/>
-                        <m:sepChr m:val=""/>
-                        <m:grow/>
-                      </m:dPr>
-                      <m:e>
-                        <m:r>
-                          <m:t>k</m:t>
-                        </m:r>
-                      </m:e>
-                    </m:d>
-                  </m:oMath>
-                </a14:m>
-                <a:r>
-                  <a:rPr/>
-                  <a:t>. A bounded step input </a:t>
-                </a:r>
-                <a14:m>
-                  <m:oMath xmlns:m="http://schemas.openxmlformats.org/officeDocument/2006/math">
-                    <m:r>
-                      <m:t>u</m:t>
-                    </m:r>
-                    <m:d>
-                      <m:dPr>
-                        <m:begChr m:val="["/>
-                        <m:endChr m:val="]"/>
-                        <m:sepChr m:val=""/>
-                        <m:grow/>
-                      </m:dPr>
-                      <m:e>
-                        <m:r>
-                          <m:t>n</m:t>
-                        </m:r>
-                      </m:e>
-                    </m:d>
-                  </m:oMath>
-                </a14:m>
-                <a:r>
-                  <a:rPr/>
-                  <a:t> leads to an unbounded ramp output.</a:t>
-                </a:r>
-              </a:p>
-              <a:p>
-                <a:pPr lvl="0" indent="0" marL="1270000">
-                  <a:buNone/>
-                </a:pPr>
-                <a:r>
-                  <a:rPr sz="2000"/>
-                  <a:t>Speaker Notes: Stability is about predictability and control. If you put a bounded, well-behaved signal into a system, you expect the output to also be well-behaved. If it can “explode” or grow without limit, the system is unstable and often dangerous in physical applications. Think of the inverted pendulum vs. the stable one.</a:t>
-                </a:r>
-              </a:p>
-              <a:p>
-                <a:pPr lvl="0" indent="0" marL="0">
-                  <a:spcBef>
-                    <a:spcPts val="3000"/>
-                  </a:spcBef>
-                  <a:buNone/>
-                </a:pPr>
-                <a:r>
-                  <a:rPr b="1"/>
-                  <a:t>Stable vs. Unstable System Response</a:t>
-                </a:r>
-              </a:p>
-            </p:txBody>
-          </p:sp>
-        </mc:Choice>
-      </mc:AlternateContent>
-      <p:pic>
-        <p:nvPicPr>
-          <p:cNvPr descr="presentation_files/figure-pptx/stability_plot-3.png" id="0" name="Picture 1"/>
-          <p:cNvPicPr>
-            <a:picLocks noGrp="1" noChangeAspect="1"/>
-          </p:cNvPicPr>
-          <p:nvPr/>
-        </p:nvPicPr>
-        <p:blipFill>
-          <a:blip r:embed="rId2"/>
-          <a:stretch>
-            <a:fillRect/>
-          </a:stretch>
-        </p:blipFill>
-        <p:spPr bwMode="auto">
-          <a:xfrm>
-            <a:off x="3568700" y="800100"/>
-            <a:ext cx="5105400" cy="3187700"/>
-          </a:xfrm>
-          <a:prstGeom prst="rect">
-            <a:avLst/>
-          </a:prstGeom>
-          <a:noFill/>
-          <a:ln w="9525">
-            <a:noFill/>
-            <a:headEnd/>
-            <a:tailEnd/>
-          </a:ln>
-        </p:spPr>
-      </p:pic>
-    </p:spTree>
-  </p:cSld>
-</p:sld>
-</file>
-
-<file path=ppt/slides/slide3.xml><?xml version="1.0" encoding="utf-8"?>
+<file path=ppt/slides/slide73.xml><?xml version="1.0" encoding="utf-8"?>
 <p:sld xmlns:a="http://schemas.openxmlformats.org/drawingml/2006/main" xmlns:r="http://schemas.openxmlformats.org/officeDocument/2006/relationships" xmlns:p="http://schemas.openxmlformats.org/presentationml/2006/main">
   <p:cSld>
     <p:spTree>
@@ -11246,12 +13479,12 @@
       </p:grpSpPr>
       <p:sp>
         <p:nvSpPr>
-          <p:cNvPr id="4" name="Text Placeholder 3"/>
+          <p:cNvPr id="2" name="Title 1"/>
           <p:cNvSpPr>
             <a:spLocks noGrp="1"/>
           </p:cNvSpPr>
           <p:nvPr>
-            <p:ph idx="2" sz="half" type="body"/>
+            <p:ph type="title"/>
           </p:nvPr>
         </p:nvSpPr>
         <p:spPr/>
@@ -11259,53 +13492,19 @@
           <a:bodyPr/>
           <a:lstStyle/>
           <a:p>
-            <a:pPr lvl="0"/>
-            <a:r>
-              <a:rPr b="1"/>
-              <a:t>Continuous-Time (CT) Signals:</a:t>
-            </a:r>
+            <a:pPr lvl="0" indent="0" marL="0">
+              <a:buNone/>
+            </a:pPr>
             <a:r>
               <a:rPr/>
-              <a:t> The independent variable is continuous. Examples include audio recordings and voltage in a circuit.</a:t>
-            </a:r>
-          </a:p>
-          <a:p>
-            <a:pPr lvl="0"/>
-            <a:r>
-              <a:rPr b="1"/>
-              <a:t>Discrete-Time (DT) Signals:</a:t>
-            </a:r>
-            <a:r>
-              <a:rPr/>
-              <a:t> The independent variable takes on only a discrete set of values. Examples include daily stock prices or digital images.</a:t>
-            </a:r>
-          </a:p>
-          <a:p>
-            <a:pPr lvl="0" indent="0" marL="1270000">
-              <a:buNone/>
-            </a:pPr>
-            <a:r>
-              <a:rPr sz="2000"/>
-              <a:t>Speaker Notes: Introduce the fundamental concepts of signals and systems. Use the examples from chapter1.md (RC circuit, automobile, speech) to illustrate the diversity of signals in the real world. Emphasize that the mathematical framework we’ll be learning is applicable across many different fields.</a:t>
-            </a:r>
-          </a:p>
-          <a:p>
-            <a:pPr lvl="0" indent="0" marL="0">
-              <a:spcBef>
-                <a:spcPts val="3000"/>
-              </a:spcBef>
-              <a:buNone/>
-            </a:pPr>
-            <a:r>
-              <a:rPr b="1"/>
-              <a:t>Visualizing Signals</a:t>
+              <a:t>Causal vs. Non-Causal Filtering</a:t>
             </a:r>
           </a:p>
         </p:txBody>
       </p:sp>
       <p:pic>
         <p:nvPicPr>
-          <p:cNvPr descr="presentation_files/figure-pptx/speech_vs_wind-1.png" id="0" name="Picture 1"/>
+          <p:cNvPr descr="presentation_files/figure-pptx/causality_plot-1.png" id="0" name="Picture 1"/>
           <p:cNvPicPr>
             <a:picLocks noGrp="1" noChangeAspect="1"/>
           </p:cNvPicPr>
@@ -11319,8 +13518,8 @@
         </p:blipFill>
         <p:spPr bwMode="auto">
           <a:xfrm>
-            <a:off x="3568700" y="1117600"/>
-            <a:ext cx="5105400" cy="2552700"/>
+            <a:off x="1181100" y="1193800"/>
+            <a:ext cx="6781800" cy="3390900"/>
           </a:xfrm>
           <a:prstGeom prst="rect">
             <a:avLst/>
@@ -11338,7 +13537,7 @@
 </p:sld>
 </file>
 
-<file path=ppt/slides/slide30.xml><?xml version="1.0" encoding="utf-8"?>
+<file path=ppt/slides/slide74.xml><?xml version="1.0" encoding="utf-8"?>
 <p:sld xmlns:a="http://schemas.openxmlformats.org/drawingml/2006/main" xmlns:r="http://schemas.openxmlformats.org/officeDocument/2006/relationships" xmlns:p="http://schemas.openxmlformats.org/presentationml/2006/main">
   <p:cSld>
     <p:spTree>
@@ -11382,120 +13581,276 @@
                 </a:pPr>
                 <a:r>
                   <a:rPr sz="2000"/>
-                  <a:t>Speaker Notes: Both systems are given the same bounded step input. The stable system on the left has a response that rises and settles to a finite, bounded value. The unstable system on the right, however, has a response that grows exponentially without limit. Even though the input is perfectly bounded, the output diverges. This is the hallmark of an unstable system.</a:t>
-                </a:r>
-              </a:p>
-              <a:p>
-                <a:pPr lvl="0" indent="0" marL="0">
-                  <a:spcBef>
-                    <a:spcPts val="3000"/>
-                  </a:spcBef>
-                  <a:buNone/>
-                </a:pPr>
-                <a:r>
-                  <a:rPr b="1"/>
-                  <a:t>Linearity</a:t>
+                  <a:t>Speaker Notes: The black dots represent a noisy step input. The blue line is the output of a non-causal smoothing filter. Notice how it starts to rise </a:t>
+                </a:r>
+                <a:r>
+                  <a:rPr sz="2000" i="1"/>
+                  <a:t>before</a:t>
+                </a:r>
+                <a:r>
+                  <a:rPr sz="2000"/>
+                  <a:t> the step at n=30. This is because it averages future values, anticipating the jump. The red line is from a causal filter. It only starts to react at n=30 and exhibits a characteristic lag as it catches up to the input. This lag is typical of real-time causal systems. ## Stability</a:t>
                 </a:r>
               </a:p>
               <a:p>
                 <a:pPr lvl="0"/>
                 <a:r>
-                  <a:rPr/>
-                  <a:t>A system is </a:t>
-                </a:r>
-                <a:r>
                   <a:rPr b="1"/>
-                  <a:t>linear</a:t>
-                </a:r>
-                <a:r>
-                  <a:rPr/>
-                  <a:t> if it possesses the property of </a:t>
-                </a:r>
-                <a:r>
-                  <a:rPr b="1"/>
-                  <a:t>superposition</a:t>
-                </a:r>
-                <a:r>
-                  <a:rPr/>
-                  <a:t>.</a:t>
+                  <a:t>Stability</a:t>
+                </a:r>
+                <a:r>
+                  <a:rPr/>
+                  <a:t> is a critical property for most systems. Informally, a stable system is one where small inputs lead to responses that do not diverge.</a:t>
                 </a:r>
               </a:p>
               <a:p>
                 <a:pPr lvl="0"/>
                 <a:r>
+                  <a:rPr/>
+                  <a:t>We use the </a:t>
+                </a:r>
+                <a:r>
                   <a:rPr b="1"/>
-                  <a:t>Superposition</a:t>
-                </a:r>
-                <a:r>
-                  <a:rPr/>
-                  <a:t> = Additivity + Homogeneity</a:t>
+                  <a:t>Bounded-Input, Bounded-Output (BIBO)</a:t>
+                </a:r>
+                <a:r>
+                  <a:rPr/>
+                  <a:t> definition: &gt; A system is stable if every bounded input produces a bounded output.</a:t>
                 </a:r>
               </a:p>
               <a:p>
                 <a:pPr lvl="0"/>
                 <a:r>
                   <a:rPr b="1"/>
-                  <a:t>Additivity:</a:t>
-                </a:r>
-                <a:r>
-                  <a:rPr/>
-                  <a:t> If </a:t>
+                  <a:t>Bounded Input:</a:t>
+                </a:r>
+                <a:r>
+                  <a:rPr/>
+                  <a:t> There exists a constant </a:t>
                 </a:r>
                 <a14:m>
                   <m:oMath xmlns:m="http://schemas.openxmlformats.org/officeDocument/2006/math">
-                    <m:sSub>
-                      <m:e>
-                        <m:r>
-                          <m:t>x</m:t>
-                        </m:r>
-                      </m:e>
-                      <m:sub>
-                        <m:r>
-                          <m:t>1</m:t>
-                        </m:r>
-                      </m:sub>
-                    </m:sSub>
+                    <m:r>
+                      <m:t>B</m:t>
+                    </m:r>
+                  </m:oMath>
+                </a14:m>
+                <a:r>
+                  <a:rPr/>
+                  <a:t> such that </a:t>
+                </a:r>
+                <a14:m>
+                  <m:oMath xmlns:m="http://schemas.openxmlformats.org/officeDocument/2006/math">
                     <m:d>
                       <m:dPr>
-                        <m:begChr m:val="("/>
-                        <m:endChr m:val=")"/>
+                        <m:begChr m:val="|"/>
+                        <m:endChr m:val="|"/>
                         <m:sepChr m:val=""/>
                         <m:grow/>
                       </m:dPr>
                       <m:e>
                         <m:r>
-                          <m:t>t</m:t>
-                        </m:r>
+                          <m:t>x</m:t>
+                        </m:r>
+                        <m:d>
+                          <m:dPr>
+                            <m:begChr m:val="("/>
+                            <m:endChr m:val=")"/>
+                            <m:sepChr m:val=""/>
+                            <m:grow/>
+                          </m:dPr>
+                          <m:e>
+                            <m:r>
+                              <m:t>t</m:t>
+                            </m:r>
+                          </m:e>
+                        </m:d>
                       </m:e>
                     </m:d>
                     <m:r>
                       <m:rPr>
                         <m:sty m:val="p"/>
                       </m:rPr>
-                      <m:t>→</m:t>
-                    </m:r>
-                    <m:sSub>
-                      <m:e>
-                        <m:r>
-                          <m:t>y</m:t>
-                        </m:r>
-                      </m:e>
-                      <m:sub>
-                        <m:r>
-                          <m:t>1</m:t>
-                        </m:r>
-                      </m:sub>
-                    </m:sSub>
+                      <m:t>≤</m:t>
+                    </m:r>
+                    <m:r>
+                      <m:t>B</m:t>
+                    </m:r>
+                  </m:oMath>
+                </a14:m>
+                <a:r>
+                  <a:rPr/>
+                  <a:t> for all </a:t>
+                </a:r>
+                <a14:m>
+                  <m:oMath xmlns:m="http://schemas.openxmlformats.org/officeDocument/2006/math">
+                    <m:r>
+                      <m:t>t</m:t>
+                    </m:r>
+                  </m:oMath>
+                </a14:m>
+                <a:r>
+                  <a:rPr/>
+                  <a:t>.</a:t>
+                </a:r>
+              </a:p>
+              <a:p>
+                <a:pPr lvl="0"/>
+                <a:r>
+                  <a:rPr b="1"/>
+                  <a:t>Bounded Output:</a:t>
+                </a:r>
+                <a:r>
+                  <a:rPr/>
+                  <a:t> There exists a constant </a:t>
+                </a:r>
+                <a14:m>
+                  <m:oMath xmlns:m="http://schemas.openxmlformats.org/officeDocument/2006/math">
+                    <m:r>
+                      <m:t>C</m:t>
+                    </m:r>
+                  </m:oMath>
+                </a14:m>
+                <a:r>
+                  <a:rPr/>
+                  <a:t> such that </a:t>
+                </a:r>
+                <a14:m>
+                  <m:oMath xmlns:m="http://schemas.openxmlformats.org/officeDocument/2006/math">
                     <m:d>
                       <m:dPr>
-                        <m:begChr m:val="("/>
-                        <m:endChr m:val=")"/>
+                        <m:begChr m:val="|"/>
+                        <m:endChr m:val="|"/>
                         <m:sepChr m:val=""/>
                         <m:grow/>
                       </m:dPr>
                       <m:e>
                         <m:r>
-                          <m:t>t</m:t>
+                          <m:t>y</m:t>
+                        </m:r>
+                        <m:d>
+                          <m:dPr>
+                            <m:begChr m:val="("/>
+                            <m:endChr m:val=")"/>
+                            <m:sepChr m:val=""/>
+                            <m:grow/>
+                          </m:dPr>
+                          <m:e>
+                            <m:r>
+                              <m:t>t</m:t>
+                            </m:r>
+                          </m:e>
+                        </m:d>
+                      </m:e>
+                    </m:d>
+                    <m:r>
+                      <m:rPr>
+                        <m:sty m:val="p"/>
+                      </m:rPr>
+                      <m:t>≤</m:t>
+                    </m:r>
+                    <m:r>
+                      <m:t>C</m:t>
+                    </m:r>
+                  </m:oMath>
+                </a14:m>
+                <a:r>
+                  <a:rPr/>
+                  <a:t> for all </a:t>
+                </a:r>
+                <a14:m>
+                  <m:oMath xmlns:m="http://schemas.openxmlformats.org/officeDocument/2006/math">
+                    <m:r>
+                      <m:t>t</m:t>
+                    </m:r>
+                  </m:oMath>
+                </a14:m>
+                <a:r>
+                  <a:rPr/>
+                  <a:t>.</a:t>
+                </a:r>
+              </a:p>
+              <a:p>
+                <a:pPr lvl="0"/>
+                <a:r>
+                  <a:rPr/>
+                  <a:t>Example of an unstable system: an accumulator. </a:t>
+                </a:r>
+                <a14:m>
+                  <m:oMath xmlns:m="http://schemas.openxmlformats.org/officeDocument/2006/math">
+                    <m:r>
+                      <m:t>y</m:t>
+                    </m:r>
+                    <m:d>
+                      <m:dPr>
+                        <m:begChr m:val="["/>
+                        <m:endChr m:val="]"/>
+                        <m:sepChr m:val=""/>
+                        <m:grow/>
+                      </m:dPr>
+                      <m:e>
+                        <m:r>
+                          <m:t>n</m:t>
+                        </m:r>
+                      </m:e>
+                    </m:d>
+                    <m:r>
+                      <m:rPr>
+                        <m:sty m:val="p"/>
+                      </m:rPr>
+                      <m:t>=</m:t>
+                    </m:r>
+                    <m:nary>
+                      <m:naryPr>
+                        <m:chr m:val="∑"/>
+                        <m:limLoc m:val="undOvr"/>
+                        <m:subHide m:val="off"/>
+                        <m:supHide m:val="off"/>
+                      </m:naryPr>
+                      <m:sub>
+                        <m:r>
+                          <m:t>k</m:t>
+                        </m:r>
+                        <m:r>
+                          <m:rPr>
+                            <m:sty m:val="p"/>
+                          </m:rPr>
+                          <m:t>=</m:t>
+                        </m:r>
+                        <m:r>
+                          <m:rPr>
+                            <m:sty m:val="p"/>
+                          </m:rPr>
+                          <m:t>−</m:t>
+                        </m:r>
+                        <m:r>
+                          <m:rPr>
+                            <m:sty m:val="p"/>
+                          </m:rPr>
+                          <m:t>∞</m:t>
+                        </m:r>
+                      </m:sub>
+                      <m:sup>
+                        <m:r>
+                          <m:t>n</m:t>
+                        </m:r>
+                      </m:sup>
+                      <m:e>
+                        <m:r>
+                          <m:t>x</m:t>
+                        </m:r>
+                      </m:e>
+                    </m:nary>
+                    <m:d>
+                      <m:dPr>
+                        <m:begChr m:val="["/>
+                        <m:endChr m:val="]"/>
+                        <m:sepChr m:val=""/>
+                        <m:grow/>
+                      </m:dPr>
+                      <m:e>
+                        <m:r>
+                          <m:t>k</m:t>
                         </m:r>
                       </m:e>
                     </m:d>
@@ -11503,63 +13858,23 @@
                 </a14:m>
                 <a:r>
                   <a:rPr/>
-                  <a:t> and </a:t>
+                  <a:t>. A bounded step input </a:t>
                 </a:r>
                 <a14:m>
                   <m:oMath xmlns:m="http://schemas.openxmlformats.org/officeDocument/2006/math">
-                    <m:sSub>
-                      <m:e>
-                        <m:r>
-                          <m:t>x</m:t>
-                        </m:r>
-                      </m:e>
-                      <m:sub>
-                        <m:r>
-                          <m:t>2</m:t>
-                        </m:r>
-                      </m:sub>
-                    </m:sSub>
+                    <m:r>
+                      <m:t>u</m:t>
+                    </m:r>
                     <m:d>
                       <m:dPr>
-                        <m:begChr m:val="("/>
-                        <m:endChr m:val=")"/>
+                        <m:begChr m:val="["/>
+                        <m:endChr m:val="]"/>
                         <m:sepChr m:val=""/>
                         <m:grow/>
                       </m:dPr>
                       <m:e>
                         <m:r>
-                          <m:t>t</m:t>
-                        </m:r>
-                      </m:e>
-                    </m:d>
-                    <m:r>
-                      <m:rPr>
-                        <m:sty m:val="p"/>
-                      </m:rPr>
-                      <m:t>→</m:t>
-                    </m:r>
-                    <m:sSub>
-                      <m:e>
-                        <m:r>
-                          <m:t>y</m:t>
-                        </m:r>
-                      </m:e>
-                      <m:sub>
-                        <m:r>
-                          <m:t>2</m:t>
-                        </m:r>
-                      </m:sub>
-                    </m:sSub>
-                    <m:d>
-                      <m:dPr>
-                        <m:begChr m:val="("/>
-                        <m:endChr m:val=")"/>
-                        <m:sepChr m:val=""/>
-                        <m:grow/>
-                      </m:dPr>
-                      <m:e>
-                        <m:r>
-                          <m:t>t</m:t>
+                          <m:t>n</m:t>
                         </m:r>
                       </m:e>
                     </m:d>
@@ -11567,398 +13882,7 @@
                 </a14:m>
                 <a:r>
                   <a:rPr/>
-                  <a:t>, then </a:t>
-                </a:r>
-                <a14:m>
-                  <m:oMath xmlns:m="http://schemas.openxmlformats.org/officeDocument/2006/math">
-                    <m:sSub>
-                      <m:e>
-                        <m:r>
-                          <m:t>x</m:t>
-                        </m:r>
-                      </m:e>
-                      <m:sub>
-                        <m:r>
-                          <m:t>1</m:t>
-                        </m:r>
-                      </m:sub>
-                    </m:sSub>
-                    <m:d>
-                      <m:dPr>
-                        <m:begChr m:val="("/>
-                        <m:endChr m:val=")"/>
-                        <m:sepChr m:val=""/>
-                        <m:grow/>
-                      </m:dPr>
-                      <m:e>
-                        <m:r>
-                          <m:t>t</m:t>
-                        </m:r>
-                      </m:e>
-                    </m:d>
-                    <m:r>
-                      <m:rPr>
-                        <m:sty m:val="p"/>
-                      </m:rPr>
-                      <m:t>+</m:t>
-                    </m:r>
-                    <m:sSub>
-                      <m:e>
-                        <m:r>
-                          <m:t>x</m:t>
-                        </m:r>
-                      </m:e>
-                      <m:sub>
-                        <m:r>
-                          <m:t>2</m:t>
-                        </m:r>
-                      </m:sub>
-                    </m:sSub>
-                    <m:d>
-                      <m:dPr>
-                        <m:begChr m:val="("/>
-                        <m:endChr m:val=")"/>
-                        <m:sepChr m:val=""/>
-                        <m:grow/>
-                      </m:dPr>
-                      <m:e>
-                        <m:r>
-                          <m:t>t</m:t>
-                        </m:r>
-                      </m:e>
-                    </m:d>
-                    <m:r>
-                      <m:rPr>
-                        <m:sty m:val="p"/>
-                      </m:rPr>
-                      <m:t>→</m:t>
-                    </m:r>
-                    <m:sSub>
-                      <m:e>
-                        <m:r>
-                          <m:t>y</m:t>
-                        </m:r>
-                      </m:e>
-                      <m:sub>
-                        <m:r>
-                          <m:t>1</m:t>
-                        </m:r>
-                      </m:sub>
-                    </m:sSub>
-                    <m:d>
-                      <m:dPr>
-                        <m:begChr m:val="("/>
-                        <m:endChr m:val=")"/>
-                        <m:sepChr m:val=""/>
-                        <m:grow/>
-                      </m:dPr>
-                      <m:e>
-                        <m:r>
-                          <m:t>t</m:t>
-                        </m:r>
-                      </m:e>
-                    </m:d>
-                    <m:r>
-                      <m:rPr>
-                        <m:sty m:val="p"/>
-                      </m:rPr>
-                      <m:t>+</m:t>
-                    </m:r>
-                    <m:sSub>
-                      <m:e>
-                        <m:r>
-                          <m:t>y</m:t>
-                        </m:r>
-                      </m:e>
-                      <m:sub>
-                        <m:r>
-                          <m:t>2</m:t>
-                        </m:r>
-                      </m:sub>
-                    </m:sSub>
-                    <m:d>
-                      <m:dPr>
-                        <m:begChr m:val="("/>
-                        <m:endChr m:val=")"/>
-                        <m:sepChr m:val=""/>
-                        <m:grow/>
-                      </m:dPr>
-                      <m:e>
-                        <m:r>
-                          <m:t>t</m:t>
-                        </m:r>
-                      </m:e>
-                    </m:d>
-                  </m:oMath>
-                </a14:m>
-                <a:r>
-                  <a:rPr/>
-                  <a:t>.</a:t>
-                </a:r>
-              </a:p>
-              <a:p>
-                <a:pPr lvl="0"/>
-                <a:r>
-                  <a:rPr b="1"/>
-                  <a:t>Homogeneity:</a:t>
-                </a:r>
-                <a:r>
-                  <a:rPr/>
-                  <a:t> If </a:t>
-                </a:r>
-                <a14:m>
-                  <m:oMath xmlns:m="http://schemas.openxmlformats.org/officeDocument/2006/math">
-                    <m:r>
-                      <m:t>x</m:t>
-                    </m:r>
-                    <m:d>
-                      <m:dPr>
-                        <m:begChr m:val="("/>
-                        <m:endChr m:val=")"/>
-                        <m:sepChr m:val=""/>
-                        <m:grow/>
-                      </m:dPr>
-                      <m:e>
-                        <m:r>
-                          <m:t>t</m:t>
-                        </m:r>
-                      </m:e>
-                    </m:d>
-                    <m:r>
-                      <m:rPr>
-                        <m:sty m:val="p"/>
-                      </m:rPr>
-                      <m:t>→</m:t>
-                    </m:r>
-                    <m:r>
-                      <m:t>y</m:t>
-                    </m:r>
-                    <m:d>
-                      <m:dPr>
-                        <m:begChr m:val="("/>
-                        <m:endChr m:val=")"/>
-                        <m:sepChr m:val=""/>
-                        <m:grow/>
-                      </m:dPr>
-                      <m:e>
-                        <m:r>
-                          <m:t>t</m:t>
-                        </m:r>
-                      </m:e>
-                    </m:d>
-                  </m:oMath>
-                </a14:m>
-                <a:r>
-                  <a:rPr/>
-                  <a:t>, then </a:t>
-                </a:r>
-                <a14:m>
-                  <m:oMath xmlns:m="http://schemas.openxmlformats.org/officeDocument/2006/math">
-                    <m:r>
-                      <m:t>a</m:t>
-                    </m:r>
-                    <m:r>
-                      <m:t>x</m:t>
-                    </m:r>
-                    <m:d>
-                      <m:dPr>
-                        <m:begChr m:val="("/>
-                        <m:endChr m:val=")"/>
-                        <m:sepChr m:val=""/>
-                        <m:grow/>
-                      </m:dPr>
-                      <m:e>
-                        <m:r>
-                          <m:t>t</m:t>
-                        </m:r>
-                      </m:e>
-                    </m:d>
-                    <m:r>
-                      <m:rPr>
-                        <m:sty m:val="p"/>
-                      </m:rPr>
-                      <m:t>→</m:t>
-                    </m:r>
-                    <m:r>
-                      <m:t>a</m:t>
-                    </m:r>
-                    <m:r>
-                      <m:t>y</m:t>
-                    </m:r>
-                    <m:d>
-                      <m:dPr>
-                        <m:begChr m:val="("/>
-                        <m:endChr m:val=")"/>
-                        <m:sepChr m:val=""/>
-                        <m:grow/>
-                      </m:dPr>
-                      <m:e>
-                        <m:r>
-                          <m:t>t</m:t>
-                        </m:r>
-                      </m:e>
-                    </m:d>
-                  </m:oMath>
-                </a14:m>
-                <a:r>
-                  <a:rPr/>
-                  <a:t> for any complex constant </a:t>
-                </a:r>
-                <a14:m>
-                  <m:oMath xmlns:m="http://schemas.openxmlformats.org/officeDocument/2006/math">
-                    <m:r>
-                      <m:t>a</m:t>
-                    </m:r>
-                  </m:oMath>
-                </a14:m>
-                <a:r>
-                  <a:rPr/>
-                  <a:t>.</a:t>
-                </a:r>
-              </a:p>
-              <a:p>
-                <a:pPr lvl="0"/>
-                <a:r>
-                  <a:rPr/>
-                  <a:t>Combined: </a:t>
-                </a:r>
-                <a14:m>
-                  <m:oMath xmlns:m="http://schemas.openxmlformats.org/officeDocument/2006/math">
-                    <m:r>
-                      <m:t>a</m:t>
-                    </m:r>
-                    <m:sSub>
-                      <m:e>
-                        <m:r>
-                          <m:t>x</m:t>
-                        </m:r>
-                      </m:e>
-                      <m:sub>
-                        <m:r>
-                          <m:t>1</m:t>
-                        </m:r>
-                      </m:sub>
-                    </m:sSub>
-                    <m:d>
-                      <m:dPr>
-                        <m:begChr m:val="("/>
-                        <m:endChr m:val=")"/>
-                        <m:sepChr m:val=""/>
-                        <m:grow/>
-                      </m:dPr>
-                      <m:e>
-                        <m:r>
-                          <m:t>t</m:t>
-                        </m:r>
-                      </m:e>
-                    </m:d>
-                    <m:r>
-                      <m:rPr>
-                        <m:sty m:val="p"/>
-                      </m:rPr>
-                      <m:t>+</m:t>
-                    </m:r>
-                    <m:r>
-                      <m:t>b</m:t>
-                    </m:r>
-                    <m:sSub>
-                      <m:e>
-                        <m:r>
-                          <m:t>x</m:t>
-                        </m:r>
-                      </m:e>
-                      <m:sub>
-                        <m:r>
-                          <m:t>2</m:t>
-                        </m:r>
-                      </m:sub>
-                    </m:sSub>
-                    <m:d>
-                      <m:dPr>
-                        <m:begChr m:val="("/>
-                        <m:endChr m:val=")"/>
-                        <m:sepChr m:val=""/>
-                        <m:grow/>
-                      </m:dPr>
-                      <m:e>
-                        <m:r>
-                          <m:t>t</m:t>
-                        </m:r>
-                      </m:e>
-                    </m:d>
-                    <m:r>
-                      <m:rPr>
-                        <m:sty m:val="p"/>
-                      </m:rPr>
-                      <m:t>→</m:t>
-                    </m:r>
-                    <m:r>
-                      <m:t>a</m:t>
-                    </m:r>
-                    <m:sSub>
-                      <m:e>
-                        <m:r>
-                          <m:t>y</m:t>
-                        </m:r>
-                      </m:e>
-                      <m:sub>
-                        <m:r>
-                          <m:t>1</m:t>
-                        </m:r>
-                      </m:sub>
-                    </m:sSub>
-                    <m:d>
-                      <m:dPr>
-                        <m:begChr m:val="("/>
-                        <m:endChr m:val=")"/>
-                        <m:sepChr m:val=""/>
-                        <m:grow/>
-                      </m:dPr>
-                      <m:e>
-                        <m:r>
-                          <m:t>t</m:t>
-                        </m:r>
-                      </m:e>
-                    </m:d>
-                    <m:r>
-                      <m:rPr>
-                        <m:sty m:val="p"/>
-                      </m:rPr>
-                      <m:t>+</m:t>
-                    </m:r>
-                    <m:r>
-                      <m:t>b</m:t>
-                    </m:r>
-                    <m:sSub>
-                      <m:e>
-                        <m:r>
-                          <m:t>y</m:t>
-                        </m:r>
-                      </m:e>
-                      <m:sub>
-                        <m:r>
-                          <m:t>2</m:t>
-                        </m:r>
-                      </m:sub>
-                    </m:sSub>
-                    <m:d>
-                      <m:dPr>
-                        <m:begChr m:val="("/>
-                        <m:endChr m:val=")"/>
-                        <m:sepChr m:val=""/>
-                        <m:grow/>
-                      </m:dPr>
-                      <m:e>
-                        <m:r>
-                          <m:t>t</m:t>
-                        </m:r>
-                      </m:e>
-                    </m:d>
-                  </m:oMath>
-                </a14:m>
-                <a:r>
-                  <a:rPr/>
-                  <a:t>.</a:t>
+                  <a:t> leads to an unbounded ramp output.</a:t>
                 </a:r>
               </a:p>
               <a:p>
@@ -11967,212 +13891,7 @@
                 </a:pPr>
                 <a:r>
                   <a:rPr sz="2000"/>
-                  <a:t>Speaker Notes: Linearity is arguably the most important property we will study. Linear systems are much easier to analyze than non-linear ones, and many real-world systems can be approximated as linear. The superposition principle allows us to break down complex inputs into simpler components, analyze the system’s response to each, and then add the responses up.</a:t>
-                </a:r>
-              </a:p>
-              <a:p>
-                <a:pPr lvl="0" indent="0" marL="0">
-                  <a:spcBef>
-                    <a:spcPts val="3000"/>
-                  </a:spcBef>
-                  <a:buNone/>
-                </a:pPr>
-                <a:r>
-                  <a:rPr b="1"/>
-                  <a:t>Time-Invariance</a:t>
-                </a:r>
-              </a:p>
-              <a:p>
-                <a:pPr lvl="0"/>
-                <a:r>
-                  <a:rPr/>
-                  <a:t>A system is </a:t>
-                </a:r>
-                <a:r>
-                  <a:rPr b="1"/>
-                  <a:t>time-invariant</a:t>
-                </a:r>
-                <a:r>
-                  <a:rPr/>
-                  <a:t> if its behavior does not depend on what time it is.</a:t>
-                </a:r>
-              </a:p>
-              <a:p>
-                <a:pPr lvl="0"/>
-                <a:r>
-                  <a:rPr/>
-                  <a:t>Mathematically: If </a:t>
-                </a:r>
-                <a14:m>
-                  <m:oMath xmlns:m="http://schemas.openxmlformats.org/officeDocument/2006/math">
-                    <m:r>
-                      <m:t>x</m:t>
-                    </m:r>
-                    <m:d>
-                      <m:dPr>
-                        <m:begChr m:val="("/>
-                        <m:endChr m:val=")"/>
-                        <m:sepChr m:val=""/>
-                        <m:grow/>
-                      </m:dPr>
-                      <m:e>
-                        <m:r>
-                          <m:t>t</m:t>
-                        </m:r>
-                      </m:e>
-                    </m:d>
-                    <m:r>
-                      <m:rPr>
-                        <m:sty m:val="p"/>
-                      </m:rPr>
-                      <m:t>→</m:t>
-                    </m:r>
-                    <m:r>
-                      <m:t>y</m:t>
-                    </m:r>
-                    <m:d>
-                      <m:dPr>
-                        <m:begChr m:val="("/>
-                        <m:endChr m:val=")"/>
-                        <m:sepChr m:val=""/>
-                        <m:grow/>
-                      </m:dPr>
-                      <m:e>
-                        <m:r>
-                          <m:t>t</m:t>
-                        </m:r>
-                      </m:e>
-                    </m:d>
-                  </m:oMath>
-                </a14:m>
-                <a:r>
-                  <a:rPr/>
-                  <a:t>, then </a:t>
-                </a:r>
-                <a14:m>
-                  <m:oMath xmlns:m="http://schemas.openxmlformats.org/officeDocument/2006/math">
-                    <m:r>
-                      <m:t>x</m:t>
-                    </m:r>
-                    <m:d>
-                      <m:dPr>
-                        <m:begChr m:val="("/>
-                        <m:endChr m:val=")"/>
-                        <m:sepChr m:val=""/>
-                        <m:grow/>
-                      </m:dPr>
-                      <m:e>
-                        <m:r>
-                          <m:t>t</m:t>
-                        </m:r>
-                        <m:r>
-                          <m:rPr>
-                            <m:sty m:val="p"/>
-                          </m:rPr>
-                          <m:t>−</m:t>
-                        </m:r>
-                        <m:sSub>
-                          <m:e>
-                            <m:r>
-                              <m:t>t</m:t>
-                            </m:r>
-                          </m:e>
-                          <m:sub>
-                            <m:r>
-                              <m:t>0</m:t>
-                            </m:r>
-                          </m:sub>
-                        </m:sSub>
-                      </m:e>
-                    </m:d>
-                    <m:r>
-                      <m:rPr>
-                        <m:sty m:val="p"/>
-                      </m:rPr>
-                      <m:t>→</m:t>
-                    </m:r>
-                    <m:r>
-                      <m:t>y</m:t>
-                    </m:r>
-                    <m:d>
-                      <m:dPr>
-                        <m:begChr m:val="("/>
-                        <m:endChr m:val=")"/>
-                        <m:sepChr m:val=""/>
-                        <m:grow/>
-                      </m:dPr>
-                      <m:e>
-                        <m:r>
-                          <m:t>t</m:t>
-                        </m:r>
-                        <m:r>
-                          <m:rPr>
-                            <m:sty m:val="p"/>
-                          </m:rPr>
-                          <m:t>−</m:t>
-                        </m:r>
-                        <m:sSub>
-                          <m:e>
-                            <m:r>
-                              <m:t>t</m:t>
-                            </m:r>
-                          </m:e>
-                          <m:sub>
-                            <m:r>
-                              <m:t>0</m:t>
-                            </m:r>
-                          </m:sub>
-                        </m:sSub>
-                      </m:e>
-                    </m:d>
-                  </m:oMath>
-                </a14:m>
-                <a:r>
-                  <a:rPr/>
-                  <a:t> for any time shift </a:t>
-                </a:r>
-                <a14:m>
-                  <m:oMath xmlns:m="http://schemas.openxmlformats.org/officeDocument/2006/math">
-                    <m:sSub>
-                      <m:e>
-                        <m:r>
-                          <m:t>t</m:t>
-                        </m:r>
-                      </m:e>
-                      <m:sub>
-                        <m:r>
-                          <m:t>0</m:t>
-                        </m:r>
-                      </m:sub>
-                    </m:sSub>
-                  </m:oMath>
-                </a14:m>
-                <a:r>
-                  <a:rPr/>
-                  <a:t>.</a:t>
-                </a:r>
-              </a:p>
-              <a:p>
-                <a:pPr lvl="0"/>
-                <a:r>
-                  <a:rPr/>
-                  <a:t>A time-shift in the input signal causes an identical time-shift in the output signal.</a:t>
-                </a:r>
-              </a:p>
-              <a:p>
-                <a:pPr lvl="0"/>
-                <a:r>
-                  <a:rPr/>
-                  <a:t>An RC circuit with constant R and C values is time-invariant. If R or C varied with time, the system would be time-varying.</a:t>
-                </a:r>
-              </a:p>
-              <a:p>
-                <a:pPr lvl="0" indent="0" marL="1270000">
-                  <a:buNone/>
-                </a:pPr>
-                <a:r>
-                  <a:rPr sz="2000"/>
-                  <a:t>Speaker Notes: Time-invariance means the “rules” of the system don’t change over time. If you perform an experiment today and get a certain result, you should get the same result if you perform the exact same experiment tomorrow. The combination of Linearity and Time-Invariance (LTI) defines the class of systems we will focus on for most of this course.</a:t>
+                  <a:t>Speaker Notes: Stability is about predictability and control. If you put a bounded, well-behaved signal into a system, you expect the output to also be well-behaved. If it can “explode” or grow without limit, the system is unstable and often dangerous in physical applications. Think of the inverted pendulum vs. the stable one.</a:t>
                 </a:r>
               </a:p>
             </p:txBody>
@@ -12184,7 +13903,7 @@
 </p:sld>
 </file>
 
-<file path=ppt/slides/slide31.xml><?xml version="1.0" encoding="utf-8"?>
+<file path=ppt/slides/slide75.xml><?xml version="1.0" encoding="utf-8"?>
 <p:sld xmlns:a="http://schemas.openxmlformats.org/drawingml/2006/main" xmlns:r="http://schemas.openxmlformats.org/officeDocument/2006/relationships" xmlns:p="http://schemas.openxmlformats.org/presentationml/2006/main">
   <p:cSld>
     <p:spTree>
@@ -12221,181 +13940,47 @@
             </a:pPr>
             <a:r>
               <a:rPr/>
-              <a:t>Chapter 1 Summary</a:t>
+              <a:t>Stable vs. Unstable System Response</a:t>
             </a:r>
           </a:p>
         </p:txBody>
       </p:sp>
-      <p:sp>
-        <p:nvSpPr>
-          <p:cNvPr id="3" name="Content Placeholder 2"/>
-          <p:cNvSpPr>
-            <a:spLocks noGrp="1"/>
-          </p:cNvSpPr>
-          <p:nvPr>
-            <p:ph idx="1"/>
-          </p:nvPr>
-        </p:nvSpPr>
-        <p:spPr/>
-        <p:txBody>
-          <a:bodyPr/>
-          <a:lstStyle/>
-          <a:p>
-            <a:pPr lvl="0"/>
-            <a:r>
-              <a:rPr b="1"/>
-              <a:t>Signals</a:t>
-            </a:r>
-            <a:r>
-              <a:rPr/>
-              <a:t> are functions that carry information. They can be continuous-time (CT) or discrete-time (DT).</a:t>
-            </a:r>
-          </a:p>
-          <a:p>
-            <a:pPr lvl="0"/>
-            <a:r>
-              <a:rPr/>
-              <a:t>We can transform signals by </a:t>
-            </a:r>
-            <a:r>
-              <a:rPr b="1"/>
-              <a:t>shifting</a:t>
-            </a:r>
-            <a:r>
-              <a:rPr/>
-              <a:t>, </a:t>
-            </a:r>
-            <a:r>
-              <a:rPr b="1"/>
-              <a:t>scaling</a:t>
-            </a:r>
-            <a:r>
-              <a:rPr/>
-              <a:t>, or </a:t>
-            </a:r>
-            <a:r>
-              <a:rPr b="1"/>
-              <a:t>reversing</a:t>
-            </a:r>
-            <a:r>
-              <a:rPr/>
-              <a:t> the independent variable.</a:t>
-            </a:r>
-          </a:p>
-          <a:p>
-            <a:pPr lvl="0"/>
-            <a:r>
-              <a:rPr b="1"/>
-              <a:t>Complex exponentials</a:t>
-            </a:r>
-            <a:r>
-              <a:rPr/>
-              <a:t> and </a:t>
-            </a:r>
-            <a:r>
-              <a:rPr b="1"/>
-              <a:t>sinusoids</a:t>
-            </a:r>
-            <a:r>
-              <a:rPr/>
-              <a:t> are fundamental building blocks for many other signals.</a:t>
-            </a:r>
-          </a:p>
-          <a:p>
-            <a:pPr lvl="0"/>
-            <a:r>
-              <a:rPr b="1"/>
-              <a:t>Unit impulses</a:t>
-            </a:r>
-            <a:r>
-              <a:rPr/>
-              <a:t> and </a:t>
-            </a:r>
-            <a:r>
-              <a:rPr b="1"/>
-              <a:t>unit steps</a:t>
-            </a:r>
-            <a:r>
-              <a:rPr/>
-              <a:t> are idealized signals used for system analysis.</a:t>
-            </a:r>
-          </a:p>
-          <a:p>
-            <a:pPr lvl="0"/>
-            <a:r>
-              <a:rPr b="1"/>
-              <a:t>Systems</a:t>
-            </a:r>
-            <a:r>
-              <a:rPr/>
-              <a:t> transform input signals into output signals and are characterized by properties like </a:t>
-            </a:r>
-            <a:r>
-              <a:rPr b="1"/>
-              <a:t>memory</a:t>
-            </a:r>
-            <a:r>
-              <a:rPr/>
-              <a:t>, </a:t>
-            </a:r>
-            <a:r>
-              <a:rPr b="1"/>
-              <a:t>invertibility</a:t>
-            </a:r>
-            <a:r>
-              <a:rPr/>
-              <a:t>, </a:t>
-            </a:r>
-            <a:r>
-              <a:rPr b="1"/>
-              <a:t>causality</a:t>
-            </a:r>
-            <a:r>
-              <a:rPr/>
-              <a:t>, </a:t>
-            </a:r>
-            <a:r>
-              <a:rPr b="1"/>
-              <a:t>stability</a:t>
-            </a:r>
-            <a:r>
-              <a:rPr/>
-              <a:t>, </a:t>
-            </a:r>
-            <a:r>
-              <a:rPr b="1"/>
-              <a:t>linearity</a:t>
-            </a:r>
-            <a:r>
-              <a:rPr/>
-              <a:t>, and </a:t>
-            </a:r>
-            <a:r>
-              <a:rPr b="1"/>
-              <a:t>time-invariance</a:t>
-            </a:r>
-            <a:r>
-              <a:rPr/>
-              <a:t>.</a:t>
-            </a:r>
-          </a:p>
-          <a:p>
-            <a:pPr lvl="0" indent="0" marL="1270000">
-              <a:buNone/>
-            </a:pPr>
-            <a:r>
-              <a:rPr sz="2000"/>
-              <a:t>Speaker Notes: This chapter has laid the mathematical groundwork for everything that follows. We’ve introduced the language of signals and systems. The key takeaway is the classification of signals and the properties of systems. In the next chapter, we will focus heavily on the class of Linear Time-Invariant (LTI) systems.</a:t>
-            </a:r>
-          </a:p>
-        </p:txBody>
-      </p:sp>
+      <p:pic>
+        <p:nvPicPr>
+          <p:cNvPr descr="presentation_files/figure-pptx/stability_plot-3.png" id="0" name="Picture 1"/>
+          <p:cNvPicPr>
+            <a:picLocks noGrp="1" noChangeAspect="1"/>
+          </p:cNvPicPr>
+          <p:nvPr/>
+        </p:nvPicPr>
+        <p:blipFill>
+          <a:blip r:embed="rId2"/>
+          <a:stretch>
+            <a:fillRect/>
+          </a:stretch>
+        </p:blipFill>
+        <p:spPr bwMode="auto">
+          <a:xfrm>
+            <a:off x="1854200" y="1193800"/>
+            <a:ext cx="5422900" cy="3390900"/>
+          </a:xfrm>
+          <a:prstGeom prst="rect">
+            <a:avLst/>
+          </a:prstGeom>
+          <a:noFill/>
+          <a:ln w="9525">
+            <a:noFill/>
+            <a:headEnd/>
+            <a:tailEnd/>
+          </a:ln>
+        </p:spPr>
+      </p:pic>
     </p:spTree>
   </p:cSld>
 </p:sld>
 </file>
 
-<file path=ppt/slides/slide4.xml><?xml version="1.0" encoding="utf-8"?>
+<file path=ppt/slides/slide76.xml><?xml version="1.0" encoding="utf-8"?>
 <p:sld xmlns:a="http://schemas.openxmlformats.org/drawingml/2006/main" xmlns:r="http://schemas.openxmlformats.org/officeDocument/2006/relationships" xmlns:p="http://schemas.openxmlformats.org/presentationml/2006/main">
   <p:cSld>
     <p:spTree>
@@ -12414,12 +13999,12 @@
       </p:grpSpPr>
       <p:sp>
         <p:nvSpPr>
-          <p:cNvPr id="4" name="Text Placeholder 3"/>
+          <p:cNvPr id="3" name="Content Placeholder 2"/>
           <p:cNvSpPr>
             <a:spLocks noGrp="1"/>
           </p:cNvSpPr>
           <p:nvPr>
-            <p:ph idx="2" sz="half" type="body"/>
+            <p:ph idx="1"/>
           </p:nvPr>
         </p:nvSpPr>
         <p:spPr/>
@@ -12437,59 +14022,165 @@
             </a:pPr>
             <a:r>
               <a:rPr sz="2000"/>
-              <a:t>Speaker Notes: This slide illustrates two different types of signals. The speech signal on the left is characterized by rapid, high-frequency variations. This is typical of audio signals. On the right, the vertical wind profile shows a much smoother, slowly varying curve. This highlights the vast range of behaviors that signals can exhibit.</a:t>
-            </a:r>
-          </a:p>
-          <a:p>
-            <a:pPr lvl="0" indent="0" marL="0">
-              <a:spcBef>
-                <a:spcPts val="3000"/>
-              </a:spcBef>
+              <a:t>Speaker Notes: Both systems are given the same bounded step input. The stable system on the left has a response that rises and settles to a finite, bounded value. The unstable system on the right, however, has a response that grows exponentially without limit. Even though the input is perfectly bounded, the output diverges. This is the hallmark of an unstable system. # Chapter 1 Summary</a:t>
+            </a:r>
+          </a:p>
+          <a:p>
+            <a:pPr lvl="0"/>
+            <a:r>
+              <a:rPr b="1"/>
+              <a:t>Signals</a:t>
+            </a:r>
+            <a:r>
+              <a:rPr/>
+              <a:t> are functions that carry information. They can be continuous-time (CT) or discrete-time (DT).</a:t>
+            </a:r>
+          </a:p>
+          <a:p>
+            <a:pPr lvl="0"/>
+            <a:r>
+              <a:rPr/>
+              <a:t>We can transform signals by </a:t>
+            </a:r>
+            <a:r>
+              <a:rPr b="1"/>
+              <a:t>shifting</a:t>
+            </a:r>
+            <a:r>
+              <a:rPr/>
+              <a:t>, </a:t>
+            </a:r>
+            <a:r>
+              <a:rPr b="1"/>
+              <a:t>scaling</a:t>
+            </a:r>
+            <a:r>
+              <a:rPr/>
+              <a:t>, or </a:t>
+            </a:r>
+            <a:r>
+              <a:rPr b="1"/>
+              <a:t>reversing</a:t>
+            </a:r>
+            <a:r>
+              <a:rPr/>
+              <a:t> the independent variable.</a:t>
+            </a:r>
+          </a:p>
+          <a:p>
+            <a:pPr lvl="0"/>
+            <a:r>
+              <a:rPr b="1"/>
+              <a:t>Complex exponentials</a:t>
+            </a:r>
+            <a:r>
+              <a:rPr/>
+              <a:t> and </a:t>
+            </a:r>
+            <a:r>
+              <a:rPr b="1"/>
+              <a:t>sinusoids</a:t>
+            </a:r>
+            <a:r>
+              <a:rPr/>
+              <a:t> are fundamental building blocks for many other signals.</a:t>
+            </a:r>
+          </a:p>
+          <a:p>
+            <a:pPr lvl="0"/>
+            <a:r>
+              <a:rPr b="1"/>
+              <a:t>Unit impulses</a:t>
+            </a:r>
+            <a:r>
+              <a:rPr/>
+              <a:t> and </a:t>
+            </a:r>
+            <a:r>
+              <a:rPr b="1"/>
+              <a:t>unit steps</a:t>
+            </a:r>
+            <a:r>
+              <a:rPr/>
+              <a:t> are idealized signals used for system analysis.</a:t>
+            </a:r>
+          </a:p>
+          <a:p>
+            <a:pPr lvl="0"/>
+            <a:r>
+              <a:rPr b="1"/>
+              <a:t>Systems</a:t>
+            </a:r>
+            <a:r>
+              <a:rPr/>
+              <a:t> transform input signals into output signals and are characterized by properties like </a:t>
+            </a:r>
+            <a:r>
+              <a:rPr b="1"/>
+              <a:t>memory</a:t>
+            </a:r>
+            <a:r>
+              <a:rPr/>
+              <a:t>, </a:t>
+            </a:r>
+            <a:r>
+              <a:rPr b="1"/>
+              <a:t>invertibility</a:t>
+            </a:r>
+            <a:r>
+              <a:rPr/>
+              <a:t>, </a:t>
+            </a:r>
+            <a:r>
+              <a:rPr b="1"/>
+              <a:t>causality</a:t>
+            </a:r>
+            <a:r>
+              <a:rPr/>
+              <a:t>, </a:t>
+            </a:r>
+            <a:r>
+              <a:rPr b="1"/>
+              <a:t>stability</a:t>
+            </a:r>
+            <a:r>
+              <a:rPr/>
+              <a:t>, </a:t>
+            </a:r>
+            <a:r>
+              <a:rPr b="1"/>
+              <a:t>linearity</a:t>
+            </a:r>
+            <a:r>
+              <a:rPr/>
+              <a:t>, and </a:t>
+            </a:r>
+            <a:r>
+              <a:rPr b="1"/>
+              <a:t>time-invariance</a:t>
+            </a:r>
+            <a:r>
+              <a:rPr/>
+              <a:t>.</a:t>
+            </a:r>
+          </a:p>
+          <a:p>
+            <a:pPr lvl="0" indent="0" marL="1270000">
               <a:buNone/>
             </a:pPr>
             <a:r>
-              <a:rPr b="1"/>
-              <a:t>Continuous vs. Discrete Signals</a:t>
+              <a:rPr sz="2000"/>
+              <a:t>Speaker Notes: This chapter has laid the mathematical groundwork for everything that follows. We’ve introduced the language of signals and systems. The key takeaway is the classification of signals and the properties of systems. In the next chapter, we will focus heavily on the class of Linear Time-Invariant (LTI) systems.</a:t>
             </a:r>
           </a:p>
         </p:txBody>
       </p:sp>
-      <p:pic>
-        <p:nvPicPr>
-          <p:cNvPr descr="presentation_files/figure-pptx/ct_vs_dt-1.png" id="0" name="Picture 1"/>
-          <p:cNvPicPr>
-            <a:picLocks noGrp="1" noChangeAspect="1"/>
-          </p:cNvPicPr>
-          <p:nvPr/>
-        </p:nvPicPr>
-        <p:blipFill>
-          <a:blip r:embed="rId2"/>
-          <a:stretch>
-            <a:fillRect/>
-          </a:stretch>
-        </p:blipFill>
-        <p:spPr bwMode="auto">
-          <a:xfrm>
-            <a:off x="3568700" y="1117600"/>
-            <a:ext cx="5105400" cy="2552700"/>
-          </a:xfrm>
-          <a:prstGeom prst="rect">
-            <a:avLst/>
-          </a:prstGeom>
-          <a:noFill/>
-          <a:ln w="9525">
-            <a:noFill/>
-            <a:headEnd/>
-            <a:tailEnd/>
-          </a:ln>
-        </p:spPr>
-      </p:pic>
     </p:spTree>
   </p:cSld>
 </p:sld>
 </file>
 
-<file path=ppt/slides/slide5.xml><?xml version="1.0" encoding="utf-8"?>
+<file path=ppt/slides/slide8.xml><?xml version="1.0" encoding="utf-8"?>
 <p:sld xmlns:a="http://schemas.openxmlformats.org/drawingml/2006/main" xmlns:r="http://schemas.openxmlformats.org/officeDocument/2006/relationships" xmlns:p="http://schemas.openxmlformats.org/presentationml/2006/main">
   <p:cSld>
     <p:spTree>
@@ -12506,48 +14197,99 @@
           <a:chExt cx="0" cy="0"/>
         </a:xfrm>
       </p:grpSpPr>
+      <p:sp>
+        <p:nvSpPr>
+          <p:cNvPr id="3" name="Content Placeholder 2"/>
+          <p:cNvSpPr>
+            <a:spLocks noGrp="1"/>
+          </p:cNvSpPr>
+          <p:nvPr>
+            <p:ph idx="1"/>
+          </p:nvPr>
+        </p:nvSpPr>
+        <p:spPr/>
+        <p:txBody>
+          <a:bodyPr/>
+          <a:lstStyle/>
+          <a:p>
+            <a:pPr lvl="0" indent="0" marL="0">
+              <a:buNone/>
+            </a:pPr>
+          </a:p>
+          <a:p>
+            <a:pPr lvl="0" indent="0" marL="1270000">
+              <a:buNone/>
+            </a:pPr>
+            <a:r>
+              <a:rPr sz="2000"/>
+              <a:t>Speaker Notes: Here we see the fundamental difference between CT and DT signals. The blue dashed line represents a continuous sine wave, defined for all values of time ‘t’. The red points represent a discrete-time signal, obtained by “sampling” the continuous signal at regular intervals. Notice the discrete signal is only defined at these specific integer points ‘n’. A major theme in this course will be understanding the relationship between a CT signal and the DT signal derived from it.</a:t>
+            </a:r>
+          </a:p>
+        </p:txBody>
+      </p:sp>
+    </p:spTree>
+  </p:cSld>
+</p:sld>
+</file>
+
+<file path=ppt/slides/slide9.xml><?xml version="1.0" encoding="utf-8"?>
+<p:sld xmlns:a="http://schemas.openxmlformats.org/drawingml/2006/main" xmlns:r="http://schemas.openxmlformats.org/officeDocument/2006/relationships" xmlns:p="http://schemas.openxmlformats.org/presentationml/2006/main">
+  <p:cSld>
+    <p:spTree>
+      <p:nvGrpSpPr>
+        <p:cNvPr id="1" name=""/>
+        <p:cNvGrpSpPr/>
+        <p:nvPr/>
+      </p:nvGrpSpPr>
+      <p:grpSpPr>
+        <a:xfrm>
+          <a:off x="0" y="0"/>
+          <a:ext cx="0" cy="0"/>
+          <a:chOff x="0" y="0"/>
+          <a:chExt cx="0" cy="0"/>
+        </a:xfrm>
+      </p:grpSpPr>
+      <p:sp>
+        <p:nvSpPr>
+          <p:cNvPr id="2" name="Title 1"/>
+          <p:cNvSpPr>
+            <a:spLocks noGrp="1"/>
+          </p:cNvSpPr>
+          <p:nvPr>
+            <p:ph type="title"/>
+          </p:nvPr>
+        </p:nvSpPr>
+        <p:spPr/>
+        <p:txBody>
+          <a:bodyPr/>
+          <a:lstStyle/>
+          <a:p>
+            <a:pPr lvl="0" indent="0" marL="0">
+              <a:buNone/>
+            </a:pPr>
+            <a:r>
+              <a:rPr/>
+              <a:t>Signal Energy and Power</a:t>
+            </a:r>
+          </a:p>
+        </p:txBody>
+      </p:sp>
       <mc:AlternateContent xmlns:mc="http://schemas.openxmlformats.org/markup-compatibility/2006">
         <mc:Choice xmlns:a14="http://schemas.microsoft.com/office/drawing/2010/main" Requires="a14">
           <p:sp>
             <p:nvSpPr>
-              <p:cNvPr id="4" name="Text Placeholder 3"/>
+              <p:cNvPr id="3" name="Content Placeholder 2"/>
               <p:cNvSpPr>
                 <a:spLocks noGrp="1"/>
               </p:cNvSpPr>
               <p:nvPr>
-                <p:ph idx="2" sz="half" type="body"/>
+                <p:ph idx="1"/>
               </p:nvPr>
             </p:nvSpPr>
             <p:spPr/>
             <p:txBody>
               <a:bodyPr/>
               <a:lstStyle/>
-              <a:p>
-                <a:pPr lvl="0" indent="0" marL="0">
-                  <a:buNone/>
-                </a:pPr>
-              </a:p>
-              <a:p>
-                <a:pPr lvl="0" indent="0" marL="1270000">
-                  <a:buNone/>
-                </a:pPr>
-                <a:r>
-                  <a:rPr sz="2000"/>
-                  <a:t>Speaker Notes: Here we see the fundamental difference between CT and DT signals. The blue dashed line represents a continuous sine wave, defined for all values of time ‘t’. The red points represent a discrete-time signal, obtained by “sampling” the continuous signal at regular intervals. Notice the discrete signal is only defined at these specific integer points ‘n’. A major theme in this course will be understanding the relationship between a CT signal and the DT signal derived from it.</a:t>
-                </a:r>
-              </a:p>
-              <a:p>
-                <a:pPr lvl="0" indent="0" marL="0">
-                  <a:spcBef>
-                    <a:spcPts val="3000"/>
-                  </a:spcBef>
-                  <a:buNone/>
-                </a:pPr>
-                <a:r>
-                  <a:rPr b="1"/>
-                  <a:t>Signal Energy and Power</a:t>
-                </a:r>
-              </a:p>
               <a:p>
                 <a:pPr lvl="0"/>
                 <a:r>
@@ -12963,801 +14705,10 @@
                   <a:t>Speaker Notes: It’s important to clarify that these are generalized definitions. The terms ‘energy’ and ‘power’ might not correspond to physical energy and power in all contexts. For instance, if x(t) is voltage, the formula for physical energy would require dividing by resistance. However, these definitions provide a consistent way to measure the “size” or “strength” of a signal.</a:t>
                 </a:r>
               </a:p>
-              <a:p>
-                <a:pPr lvl="0" indent="0" marL="0">
-                  <a:spcBef>
-                    <a:spcPts val="3000"/>
-                  </a:spcBef>
-                  <a:buNone/>
-                </a:pPr>
-                <a:r>
-                  <a:rPr b="1"/>
-                  <a:t>Instantaneous Power Example</a:t>
-                </a:r>
-              </a:p>
             </p:txBody>
           </p:sp>
         </mc:Choice>
       </mc:AlternateContent>
-      <p:pic>
-        <p:nvPicPr>
-          <p:cNvPr descr="presentation_files/figure-pptx/power_plot-1.png" id="0" name="Picture 1"/>
-          <p:cNvPicPr>
-            <a:picLocks noGrp="1" noChangeAspect="1"/>
-          </p:cNvPicPr>
-          <p:nvPr/>
-        </p:nvPicPr>
-        <p:blipFill>
-          <a:blip r:embed="rId2"/>
-          <a:stretch>
-            <a:fillRect/>
-          </a:stretch>
-        </p:blipFill>
-        <p:spPr bwMode="auto">
-          <a:xfrm>
-            <a:off x="3568700" y="1117600"/>
-            <a:ext cx="5105400" cy="2552700"/>
-          </a:xfrm>
-          <a:prstGeom prst="rect">
-            <a:avLst/>
-          </a:prstGeom>
-          <a:noFill/>
-          <a:ln w="9525">
-            <a:noFill/>
-            <a:headEnd/>
-            <a:tailEnd/>
-          </a:ln>
-        </p:spPr>
-      </p:pic>
-    </p:spTree>
-  </p:cSld>
-</p:sld>
-</file>
-
-<file path=ppt/slides/slide6.xml><?xml version="1.0" encoding="utf-8"?>
-<p:sld xmlns:a="http://schemas.openxmlformats.org/drawingml/2006/main" xmlns:r="http://schemas.openxmlformats.org/officeDocument/2006/relationships" xmlns:p="http://schemas.openxmlformats.org/presentationml/2006/main">
-  <p:cSld>
-    <p:spTree>
-      <p:nvGrpSpPr>
-        <p:cNvPr id="1" name=""/>
-        <p:cNvGrpSpPr/>
-        <p:nvPr/>
-      </p:nvGrpSpPr>
-      <p:grpSpPr>
-        <a:xfrm>
-          <a:off x="0" y="0"/>
-          <a:ext cx="0" cy="0"/>
-          <a:chOff x="0" y="0"/>
-          <a:chExt cx="0" cy="0"/>
-        </a:xfrm>
-      </p:grpSpPr>
-      <p:sp>
-        <p:nvSpPr>
-          <p:cNvPr id="4" name="Text Placeholder 3"/>
-          <p:cNvSpPr>
-            <a:spLocks noGrp="1"/>
-          </p:cNvSpPr>
-          <p:nvPr>
-            <p:ph idx="2" sz="half" type="body"/>
-          </p:nvPr>
-        </p:nvSpPr>
-        <p:spPr/>
-        <p:txBody>
-          <a:bodyPr/>
-          <a:lstStyle/>
-          <a:p>
-            <a:pPr lvl="0" indent="0" marL="0">
-              <a:buNone/>
-            </a:pPr>
-          </a:p>
-          <a:p>
-            <a:pPr lvl="0" indent="0" marL="1270000">
-              <a:buNone/>
-            </a:pPr>
-            <a:r>
-              <a:rPr sz="2000"/>
-              <a:t>Speaker Notes: This plot shows the instantaneous power dissipated by a resistor when a decaying exponential voltage is applied. As the voltage across the resistor decreases exponentially, the power dissipated decreases even faster, following the square of the voltage. This is an example of an energy signal, where the total energy is finite.</a:t>
-            </a:r>
-          </a:p>
-          <a:p>
-            <a:pPr lvl="0" indent="0" marL="0">
-              <a:spcBef>
-                <a:spcPts val="3000"/>
-              </a:spcBef>
-              <a:buNone/>
-            </a:pPr>
-            <a:r>
-              <a:rPr b="1"/>
-              <a:t>Total Energy Calculation</a:t>
-            </a:r>
-          </a:p>
-          <a:p>
-            <a:pPr lvl="0"/>
-            <a:r>
-              <a:rPr/>
-              <a:t>The </a:t>
-            </a:r>
-            <a:r>
-              <a:rPr b="1"/>
-              <a:t>Total Energy</a:t>
-            </a:r>
-            <a:r>
-              <a:rPr/>
-              <a:t> of a signal is the integral (or sum for DT) of its squared magnitude.</a:t>
-            </a:r>
-          </a:p>
-          <a:p>
-            <a:pPr lvl="0"/>
-            <a:r>
-              <a:rPr/>
-              <a:t>For a finite-duration signal, this represents the total energy it contains.</a:t>
-            </a:r>
-          </a:p>
-          <a:p>
-            <a:pPr lvl="0"/>
-            <a:r>
-              <a:rPr/>
-              <a:t>Let’s visualize how this energy accumulates over time.</a:t>
-            </a:r>
-          </a:p>
-          <a:p>
-            <a:pPr lvl="0" indent="0" marL="0">
-              <a:spcBef>
-                <a:spcPts val="3000"/>
-              </a:spcBef>
-              <a:buNone/>
-            </a:pPr>
-            <a:r>
-              <a:rPr b="1"/>
-              <a:t>Energy Accumulation Plot</a:t>
-            </a:r>
-          </a:p>
-        </p:txBody>
-      </p:sp>
-      <p:pic>
-        <p:nvPicPr>
-          <p:cNvPr descr="presentation_files/figure-pptx/energy_accumulation-3.png" id="0" name="Picture 1"/>
-          <p:cNvPicPr>
-            <a:picLocks noGrp="1" noChangeAspect="1"/>
-          </p:cNvPicPr>
-          <p:nvPr/>
-        </p:nvPicPr>
-        <p:blipFill>
-          <a:blip r:embed="rId2"/>
-          <a:stretch>
-            <a:fillRect/>
-          </a:stretch>
-        </p:blipFill>
-        <p:spPr bwMode="auto">
-          <a:xfrm>
-            <a:off x="3568700" y="1117600"/>
-            <a:ext cx="5105400" cy="2552700"/>
-          </a:xfrm>
-          <a:prstGeom prst="rect">
-            <a:avLst/>
-          </a:prstGeom>
-          <a:noFill/>
-          <a:ln w="9525">
-            <a:noFill/>
-            <a:headEnd/>
-            <a:tailEnd/>
-          </a:ln>
-        </p:spPr>
-      </p:pic>
-    </p:spTree>
-  </p:cSld>
-</p:sld>
-</file>
-
-<file path=ppt/slides/slide7.xml><?xml version="1.0" encoding="utf-8"?>
-<p:sld xmlns:a="http://schemas.openxmlformats.org/drawingml/2006/main" xmlns:r="http://schemas.openxmlformats.org/officeDocument/2006/relationships" xmlns:p="http://schemas.openxmlformats.org/presentationml/2006/main">
-  <p:cSld>
-    <p:spTree>
-      <p:nvGrpSpPr>
-        <p:cNvPr id="1" name=""/>
-        <p:cNvGrpSpPr/>
-        <p:nvPr/>
-      </p:nvGrpSpPr>
-      <p:grpSpPr>
-        <a:xfrm>
-          <a:off x="0" y="0"/>
-          <a:ext cx="0" cy="0"/>
-          <a:chOff x="0" y="0"/>
-          <a:chExt cx="0" cy="0"/>
-        </a:xfrm>
-      </p:grpSpPr>
-      <mc:AlternateContent xmlns:mc="http://schemas.openxmlformats.org/markup-compatibility/2006">
-        <mc:Choice xmlns:a14="http://schemas.microsoft.com/office/drawing/2010/main" Requires="a14">
-          <p:sp>
-            <p:nvSpPr>
-              <p:cNvPr id="4" name="Text Placeholder 3"/>
-              <p:cNvSpPr>
-                <a:spLocks noGrp="1"/>
-              </p:cNvSpPr>
-              <p:nvPr>
-                <p:ph idx="2" sz="half" type="body"/>
-              </p:nvPr>
-            </p:nvSpPr>
-            <p:spPr/>
-            <p:txBody>
-              <a:bodyPr/>
-              <a:lstStyle/>
-              <a:p>
-                <a:pPr lvl="0" indent="0" marL="0">
-                  <a:buNone/>
-                </a:pPr>
-              </a:p>
-              <a:p>
-                <a:pPr lvl="0" indent="0" marL="1270000">
-                  <a:buNone/>
-                </a:pPr>
-                <a:r>
-                  <a:rPr sz="2000"/>
-                  <a:t>Speaker Notes: On the left, we have a simple rectangular pulse signal that is non-zero only between t=0 and t=2. On the right, we see the accumulated energy of this signal. The energy starts at zero, increases quadratically while the pulse is active, and then holds at its maximum value after the pulse ends. This maximum value represents the total energy of the signal.</a:t>
-                </a:r>
-              </a:p>
-              <a:p>
-                <a:pPr lvl="0" indent="0" marL="0">
-                  <a:spcBef>
-                    <a:spcPts val="3000"/>
-                  </a:spcBef>
-                  <a:buNone/>
-                </a:pPr>
-                <a:r>
-                  <a:rPr b="1"/>
-                  <a:t>Transformations of the Independent Variable</a:t>
-                </a:r>
-              </a:p>
-              <a:p>
-                <a:pPr lvl="0"/>
-                <a:r>
-                  <a:rPr/>
-                  <a:t>We can transform a signal by changing its independent variable. The most common transformation is a </a:t>
-                </a:r>
-                <a:r>
-                  <a:rPr b="1"/>
-                  <a:t>time shift</a:t>
-                </a:r>
-                <a:r>
-                  <a:rPr/>
-                  <a:t>.</a:t>
-                </a:r>
-              </a:p>
-              <a:p>
-                <a:pPr lvl="0"/>
-                <a:r>
-                  <a:rPr/>
-                  <a:t>A signal </a:t>
-                </a:r>
-                <a14:m>
-                  <m:oMath xmlns:m="http://schemas.openxmlformats.org/officeDocument/2006/math">
-                    <m:r>
-                      <m:t>x</m:t>
-                    </m:r>
-                    <m:d>
-                      <m:dPr>
-                        <m:begChr m:val="("/>
-                        <m:endChr m:val=")"/>
-                        <m:sepChr m:val=""/>
-                        <m:grow/>
-                      </m:dPr>
-                      <m:e>
-                        <m:r>
-                          <m:t>t</m:t>
-                        </m:r>
-                        <m:r>
-                          <m:rPr>
-                            <m:sty m:val="p"/>
-                          </m:rPr>
-                          <m:t>−</m:t>
-                        </m:r>
-                        <m:sSub>
-                          <m:e>
-                            <m:r>
-                              <m:t>t</m:t>
-                            </m:r>
-                          </m:e>
-                          <m:sub>
-                            <m:r>
-                              <m:t>0</m:t>
-                            </m:r>
-                          </m:sub>
-                        </m:sSub>
-                      </m:e>
-                    </m:d>
-                  </m:oMath>
-                </a14:m>
-                <a:r>
-                  <a:rPr/>
-                  <a:t> is a time-shifted version of </a:t>
-                </a:r>
-                <a14:m>
-                  <m:oMath xmlns:m="http://schemas.openxmlformats.org/officeDocument/2006/math">
-                    <m:r>
-                      <m:t>x</m:t>
-                    </m:r>
-                    <m:d>
-                      <m:dPr>
-                        <m:begChr m:val="("/>
-                        <m:endChr m:val=")"/>
-                        <m:sepChr m:val=""/>
-                        <m:grow/>
-                      </m:dPr>
-                      <m:e>
-                        <m:r>
-                          <m:t>t</m:t>
-                        </m:r>
-                      </m:e>
-                    </m:d>
-                  </m:oMath>
-                </a14:m>
-                <a:r>
-                  <a:rPr/>
-                  <a:t>.</a:t>
-                </a:r>
-              </a:p>
-              <a:p>
-                <a:pPr lvl="1"/>
-                <a:r>
-                  <a:rPr/>
-                  <a:t>If </a:t>
-                </a:r>
-                <a14:m>
-                  <m:oMath xmlns:m="http://schemas.openxmlformats.org/officeDocument/2006/math">
-                    <m:sSub>
-                      <m:e>
-                        <m:r>
-                          <m:t>t</m:t>
-                        </m:r>
-                      </m:e>
-                      <m:sub>
-                        <m:r>
-                          <m:t>0</m:t>
-                        </m:r>
-                      </m:sub>
-                    </m:sSub>
-                    <m:r>
-                      <m:rPr>
-                        <m:sty m:val="p"/>
-                      </m:rPr>
-                      <m:t>&gt;</m:t>
-                    </m:r>
-                    <m:r>
-                      <m:t>0</m:t>
-                    </m:r>
-                  </m:oMath>
-                </a14:m>
-                <a:r>
-                  <a:rPr/>
-                  <a:t>, the signal is delayed (shifted right).</a:t>
-                </a:r>
-              </a:p>
-              <a:p>
-                <a:pPr lvl="1"/>
-                <a:r>
-                  <a:rPr/>
-                  <a:t>If </a:t>
-                </a:r>
-                <a14:m>
-                  <m:oMath xmlns:m="http://schemas.openxmlformats.org/officeDocument/2006/math">
-                    <m:sSub>
-                      <m:e>
-                        <m:r>
-                          <m:t>t</m:t>
-                        </m:r>
-                      </m:e>
-                      <m:sub>
-                        <m:r>
-                          <m:t>0</m:t>
-                        </m:r>
-                      </m:sub>
-                    </m:sSub>
-                    <m:r>
-                      <m:rPr>
-                        <m:sty m:val="p"/>
-                      </m:rPr>
-                      <m:t>&lt;</m:t>
-                    </m:r>
-                    <m:r>
-                      <m:t>0</m:t>
-                    </m:r>
-                  </m:oMath>
-                </a14:m>
-                <a:r>
-                  <a:rPr/>
-                  <a:t>, the signal is advanced (shifted left).</a:t>
-                </a:r>
-              </a:p>
-              <a:p>
-                <a:pPr lvl="0"/>
-                <a:r>
-                  <a:rPr/>
-                  <a:t>Similarly for discrete-time signals, </a:t>
-                </a:r>
-                <a14:m>
-                  <m:oMath xmlns:m="http://schemas.openxmlformats.org/officeDocument/2006/math">
-                    <m:r>
-                      <m:t>x</m:t>
-                    </m:r>
-                    <m:d>
-                      <m:dPr>
-                        <m:begChr m:val="["/>
-                        <m:endChr m:val="]"/>
-                        <m:sepChr m:val=""/>
-                        <m:grow/>
-                      </m:dPr>
-                      <m:e>
-                        <m:r>
-                          <m:t>n</m:t>
-                        </m:r>
-                        <m:r>
-                          <m:rPr>
-                            <m:sty m:val="p"/>
-                          </m:rPr>
-                          <m:t>−</m:t>
-                        </m:r>
-                        <m:sSub>
-                          <m:e>
-                            <m:r>
-                              <m:t>n</m:t>
-                            </m:r>
-                          </m:e>
-                          <m:sub>
-                            <m:r>
-                              <m:t>0</m:t>
-                            </m:r>
-                          </m:sub>
-                        </m:sSub>
-                      </m:e>
-                    </m:d>
-                  </m:oMath>
-                </a14:m>
-                <a:r>
-                  <a:rPr/>
-                  <a:t>.</a:t>
-                </a:r>
-              </a:p>
-              <a:p>
-                <a:pPr lvl="0" indent="0" marL="1270000">
-                  <a:buNone/>
-                </a:pPr>
-                <a:r>
-                  <a:rPr sz="2000"/>
-                  <a:t>Speaker Notes: Time shifts are fundamental in signal processing. They arise in applications like radar and sonar, where a transmitted signal is received at a later time. Understanding how to mathematically represent and manipulate these shifts is a crucial first step in system analysis.</a:t>
-                </a:r>
-              </a:p>
-              <a:p>
-                <a:pPr lvl="0" indent="0" marL="0">
-                  <a:spcBef>
-                    <a:spcPts val="3000"/>
-                  </a:spcBef>
-                  <a:buNone/>
-                </a:pPr>
-                <a:r>
-                  <a:rPr b="1"/>
-                  <a:t>Visualizing Time Shifts</a:t>
-                </a:r>
-              </a:p>
-            </p:txBody>
-          </p:sp>
-        </mc:Choice>
-      </mc:AlternateContent>
-      <p:pic>
-        <p:nvPicPr>
-          <p:cNvPr descr="presentation_files/figure-pptx/time_shift_plot-1.png" id="0" name="Picture 1"/>
-          <p:cNvPicPr>
-            <a:picLocks noGrp="1" noChangeAspect="1"/>
-          </p:cNvPicPr>
-          <p:nvPr/>
-        </p:nvPicPr>
-        <p:blipFill>
-          <a:blip r:embed="rId2"/>
-          <a:stretch>
-            <a:fillRect/>
-          </a:stretch>
-        </p:blipFill>
-        <p:spPr bwMode="auto">
-          <a:xfrm>
-            <a:off x="3568700" y="1549400"/>
-            <a:ext cx="5105400" cy="1701800"/>
-          </a:xfrm>
-          <a:prstGeom prst="rect">
-            <a:avLst/>
-          </a:prstGeom>
-          <a:noFill/>
-          <a:ln w="9525">
-            <a:noFill/>
-            <a:headEnd/>
-            <a:tailEnd/>
-          </a:ln>
-        </p:spPr>
-      </p:pic>
-    </p:spTree>
-  </p:cSld>
-</p:sld>
-</file>
-
-<file path=ppt/slides/slide8.xml><?xml version="1.0" encoding="utf-8"?>
-<p:sld xmlns:a="http://schemas.openxmlformats.org/drawingml/2006/main" xmlns:r="http://schemas.openxmlformats.org/officeDocument/2006/relationships" xmlns:p="http://schemas.openxmlformats.org/presentationml/2006/main">
-  <p:cSld>
-    <p:spTree>
-      <p:nvGrpSpPr>
-        <p:cNvPr id="1" name=""/>
-        <p:cNvGrpSpPr/>
-        <p:nvPr/>
-      </p:nvGrpSpPr>
-      <p:grpSpPr>
-        <a:xfrm>
-          <a:off x="0" y="0"/>
-          <a:ext cx="0" cy="0"/>
-          <a:chOff x="0" y="0"/>
-          <a:chExt cx="0" cy="0"/>
-        </a:xfrm>
-      </p:grpSpPr>
-      <mc:AlternateContent xmlns:mc="http://schemas.openxmlformats.org/markup-compatibility/2006">
-        <mc:Choice xmlns:a14="http://schemas.microsoft.com/office/drawing/2010/main" Requires="a14">
-          <p:sp>
-            <p:nvSpPr>
-              <p:cNvPr id="4" name="Text Placeholder 3"/>
-              <p:cNvSpPr>
-                <a:spLocks noGrp="1"/>
-              </p:cNvSpPr>
-              <p:nvPr>
-                <p:ph idx="2" sz="half" type="body"/>
-              </p:nvPr>
-            </p:nvSpPr>
-            <p:spPr/>
-            <p:txBody>
-              <a:bodyPr/>
-              <a:lstStyle/>
-              <a:p>
-                <a:pPr lvl="0" indent="0" marL="0">
-                  <a:buNone/>
-                </a:pPr>
-              </a:p>
-              <a:p>
-                <a:pPr lvl="0" indent="0" marL="1270000">
-                  <a:buNone/>
-                </a:pPr>
-                <a:r>
-                  <a:rPr sz="2000"/>
-                  <a:t>Speaker Notes: This slide visually demonstrates the concept of time shifting. The first plot shows our original signal, a simple triangular pulse centered at zero. The middle plot shows the same signal delayed, or shifted to the right, by 2 units. Every point on the original signal now occurs 2 units later. The third plot shows the signal advanced, or shifted to the left, by 1.5 units.</a:t>
-                </a:r>
-              </a:p>
-              <a:p>
-                <a:pPr lvl="0" indent="0" marL="0">
-                  <a:spcBef>
-                    <a:spcPts val="3000"/>
-                  </a:spcBef>
-                  <a:buNone/>
-                </a:pPr>
-                <a:r>
-                  <a:rPr b="1"/>
-                  <a:t>Combined Transformations</a:t>
-                </a:r>
-              </a:p>
-              <a:p>
-                <a:pPr lvl="0"/>
-                <a:r>
-                  <a:rPr/>
-                  <a:t>We can combine shifting, reversal, and scaling.</a:t>
-                </a:r>
-              </a:p>
-              <a:p>
-                <a:pPr lvl="0"/>
-                <a:r>
-                  <a:rPr/>
-                  <a:t>The operation </a:t>
-                </a:r>
-                <a14:m>
-                  <m:oMath xmlns:m="http://schemas.openxmlformats.org/officeDocument/2006/math">
-                    <m:r>
-                      <m:t>x</m:t>
-                    </m:r>
-                    <m:d>
-                      <m:dPr>
-                        <m:begChr m:val="("/>
-                        <m:endChr m:val=")"/>
-                        <m:sepChr m:val=""/>
-                        <m:grow/>
-                      </m:dPr>
-                      <m:e>
-                        <m:r>
-                          <m:t>a</m:t>
-                        </m:r>
-                        <m:r>
-                          <m:t>t</m:t>
-                        </m:r>
-                        <m:r>
-                          <m:rPr>
-                            <m:sty m:val="p"/>
-                          </m:rPr>
-                          <m:t>+</m:t>
-                        </m:r>
-                        <m:r>
-                          <m:t>b</m:t>
-                        </m:r>
-                      </m:e>
-                    </m:d>
-                  </m:oMath>
-                </a14:m>
-                <a:r>
-                  <a:rPr/>
-                  <a:t> can be visualized by first shifting </a:t>
-                </a:r>
-                <a14:m>
-                  <m:oMath xmlns:m="http://schemas.openxmlformats.org/officeDocument/2006/math">
-                    <m:r>
-                      <m:t>x</m:t>
-                    </m:r>
-                    <m:d>
-                      <m:dPr>
-                        <m:begChr m:val="("/>
-                        <m:endChr m:val=")"/>
-                        <m:sepChr m:val=""/>
-                        <m:grow/>
-                      </m:dPr>
-                      <m:e>
-                        <m:r>
-                          <m:t>t</m:t>
-                        </m:r>
-                      </m:e>
-                    </m:d>
-                  </m:oMath>
-                </a14:m>
-                <a:r>
-                  <a:rPr/>
-                  <a:t> by </a:t>
-                </a:r>
-                <a14:m>
-                  <m:oMath xmlns:m="http://schemas.openxmlformats.org/officeDocument/2006/math">
-                    <m:r>
-                      <m:t>b</m:t>
-                    </m:r>
-                  </m:oMath>
-                </a14:m>
-                <a:r>
-                  <a:rPr/>
-                  <a:t> to get </a:t>
-                </a:r>
-                <a14:m>
-                  <m:oMath xmlns:m="http://schemas.openxmlformats.org/officeDocument/2006/math">
-                    <m:r>
-                      <m:t>x</m:t>
-                    </m:r>
-                    <m:d>
-                      <m:dPr>
-                        <m:begChr m:val="("/>
-                        <m:endChr m:val=")"/>
-                        <m:sepChr m:val=""/>
-                        <m:grow/>
-                      </m:dPr>
-                      <m:e>
-                        <m:r>
-                          <m:t>t</m:t>
-                        </m:r>
-                        <m:r>
-                          <m:rPr>
-                            <m:sty m:val="p"/>
-                          </m:rPr>
-                          <m:t>+</m:t>
-                        </m:r>
-                        <m:r>
-                          <m:t>b</m:t>
-                        </m:r>
-                      </m:e>
-                    </m:d>
-                  </m:oMath>
-                </a14:m>
-                <a:r>
-                  <a:rPr/>
-                  <a:t>, and then scaling the result by </a:t>
-                </a:r>
-                <a14:m>
-                  <m:oMath xmlns:m="http://schemas.openxmlformats.org/officeDocument/2006/math">
-                    <m:r>
-                      <m:t>a</m:t>
-                    </m:r>
-                  </m:oMath>
-                </a14:m>
-                <a:r>
-                  <a:rPr/>
-                  <a:t>.</a:t>
-                </a:r>
-              </a:p>
-              <a:p>
-                <a:pPr lvl="0"/>
-                <a:r>
-                  <a:rPr/>
-                  <a:t>Order matters! Shifting then scaling is different from scaling then shifting.</a:t>
-                </a:r>
-              </a:p>
-            </p:txBody>
-          </p:sp>
-        </mc:Choice>
-      </mc:AlternateContent>
-      <p:pic>
-        <p:nvPicPr>
-          <p:cNvPr descr="presentation_files/figure-pptx/combined_transform_plot-3.png" id="0" name="Picture 1"/>
-          <p:cNvPicPr>
-            <a:picLocks noGrp="1" noChangeAspect="1"/>
-          </p:cNvPicPr>
-          <p:nvPr/>
-        </p:nvPicPr>
-        <p:blipFill>
-          <a:blip r:embed="rId2"/>
-          <a:stretch>
-            <a:fillRect/>
-          </a:stretch>
-        </p:blipFill>
-        <p:spPr bwMode="auto">
-          <a:xfrm>
-            <a:off x="3568700" y="1549400"/>
-            <a:ext cx="5105400" cy="1701800"/>
-          </a:xfrm>
-          <a:prstGeom prst="rect">
-            <a:avLst/>
-          </a:prstGeom>
-          <a:noFill/>
-          <a:ln w="9525">
-            <a:noFill/>
-            <a:headEnd/>
-            <a:tailEnd/>
-          </a:ln>
-        </p:spPr>
-      </p:pic>
-    </p:spTree>
-  </p:cSld>
-</p:sld>
-</file>
-
-<file path=ppt/slides/slide9.xml><?xml version="1.0" encoding="utf-8"?>
-<p:sld xmlns:a="http://schemas.openxmlformats.org/drawingml/2006/main" xmlns:r="http://schemas.openxmlformats.org/officeDocument/2006/relationships" xmlns:p="http://schemas.openxmlformats.org/presentationml/2006/main">
-  <p:cSld>
-    <p:spTree>
-      <p:nvGrpSpPr>
-        <p:cNvPr id="1" name=""/>
-        <p:cNvGrpSpPr/>
-        <p:nvPr/>
-      </p:nvGrpSpPr>
-      <p:grpSpPr>
-        <a:xfrm>
-          <a:off x="0" y="0"/>
-          <a:ext cx="0" cy="0"/>
-          <a:chOff x="0" y="0"/>
-          <a:chExt cx="0" cy="0"/>
-        </a:xfrm>
-      </p:grpSpPr>
-      <p:sp>
-        <p:nvSpPr>
-          <p:cNvPr id="3" name="Content Placeholder 2"/>
-          <p:cNvSpPr>
-            <a:spLocks noGrp="1"/>
-          </p:cNvSpPr>
-          <p:nvPr>
-            <p:ph idx="1"/>
-          </p:nvPr>
-        </p:nvSpPr>
-        <p:spPr/>
-        <p:txBody>
-          <a:bodyPr/>
-          <a:lstStyle/>
-          <a:p>
-            <a:pPr lvl="0" indent="0" marL="0">
-              <a:buNone/>
-            </a:pPr>
-          </a:p>
-          <a:p>
-            <a:pPr lvl="0" indent="0" marL="1270000">
-              <a:buNone/>
-            </a:pPr>
-            <a:r>
-              <a:rPr sz="2000"/>
-              <a:t>Speaker Notes: This slide shows the importance of the order of operations. The original signal is a triangular pulse shifted to be centered at t=1. The middle plot shows the result of replacing t with 2t+1. The final plot shows scaling first, then shifting. The results are different.</a:t>
-            </a:r>
-          </a:p>
-        </p:txBody>
-      </p:sp>
     </p:spTree>
   </p:cSld>
 </p:sld>
